--- a/b_tree.pptx
+++ b/b_tree.pptx
@@ -4,9 +4,20 @@
   <p:sldMasterIdLst>
     <p:sldMasterId id="2147483648" r:id="rId1"/>
   </p:sldMasterIdLst>
+  <p:notesMasterIdLst>
+    <p:notesMasterId r:id="rId12"/>
+  </p:notesMasterIdLst>
   <p:sldIdLst>
     <p:sldId id="256" r:id="rId2"/>
     <p:sldId id="257" r:id="rId3"/>
+    <p:sldId id="258" r:id="rId4"/>
+    <p:sldId id="259" r:id="rId5"/>
+    <p:sldId id="260" r:id="rId6"/>
+    <p:sldId id="261" r:id="rId7"/>
+    <p:sldId id="262" r:id="rId8"/>
+    <p:sldId id="263" r:id="rId9"/>
+    <p:sldId id="264" r:id="rId10"/>
+    <p:sldId id="265" r:id="rId11"/>
   </p:sldIdLst>
   <p:sldSz cx="12192000" cy="6858000"/>
   <p:notesSz cx="6858000" cy="9144000"/>
@@ -105,7 +116,391 @@
       </a:defRPr>
     </a:lvl9pPr>
   </p:defaultTextStyle>
+  <p:extLst>
+    <p:ext uri="{521415D9-36F7-43E2-AB2F-B90AF26B5E84}">
+      <p14:sectionLst xmlns:p14="http://schemas.microsoft.com/office/powerpoint/2010/main">
+        <p14:section name="Раздел по умолчанию" id="{0E5C02FF-6015-4B0A-A59E-18FB4504EFAC}">
+          <p14:sldIdLst>
+            <p14:sldId id="256"/>
+            <p14:sldId id="257"/>
+            <p14:sldId id="258"/>
+            <p14:sldId id="259"/>
+            <p14:sldId id="260"/>
+            <p14:sldId id="261"/>
+            <p14:sldId id="262"/>
+            <p14:sldId id="263"/>
+            <p14:sldId id="264"/>
+            <p14:sldId id="265"/>
+          </p14:sldIdLst>
+        </p14:section>
+      </p14:sectionLst>
+    </p:ext>
+    <p:ext uri="{EFAFB233-063F-42B5-8137-9DF3F51BA10A}">
+      <p15:sldGuideLst xmlns:p15="http://schemas.microsoft.com/office/powerpoint/2012/main"/>
+    </p:ext>
+  </p:extLst>
 </p:presentation>
+</file>
+
+<file path=ppt/commentAuthors.xml><?xml version="1.0" encoding="utf-8"?>
+<p:cmAuthorLst xmlns:a="http://schemas.openxmlformats.org/drawingml/2006/main" xmlns:r="http://schemas.openxmlformats.org/officeDocument/2006/relationships" xmlns:p="http://schemas.openxmlformats.org/presentationml/2006/main">
+  <p:cmAuthor id="1" name="Илья Зазвонов" initials="ИЗ" lastIdx="3" clrIdx="0">
+    <p:extLst>
+      <p:ext uri="{19B8F6BF-5375-455C-9EA6-DF929625EA0E}">
+        <p15:presenceInfo xmlns:p15="http://schemas.microsoft.com/office/powerpoint/2012/main" userId="e5ba3118b66439f6" providerId="Windows Live"/>
+      </p:ext>
+    </p:extLst>
+  </p:cmAuthor>
+</p:cmAuthorLst>
+</file>
+
+<file path=ppt/notesMasters/notesMaster1.xml><?xml version="1.0" encoding="utf-8"?>
+<p:notesMaster xmlns:a="http://schemas.openxmlformats.org/drawingml/2006/main" xmlns:r="http://schemas.openxmlformats.org/officeDocument/2006/relationships" xmlns:p="http://schemas.openxmlformats.org/presentationml/2006/main">
+  <p:cSld>
+    <p:bg>
+      <p:bgRef idx="1001">
+        <a:schemeClr val="bg1"/>
+      </p:bgRef>
+    </p:bg>
+    <p:spTree>
+      <p:nvGrpSpPr>
+        <p:cNvPr id="1" name=""/>
+        <p:cNvGrpSpPr/>
+        <p:nvPr/>
+      </p:nvGrpSpPr>
+      <p:grpSpPr>
+        <a:xfrm>
+          <a:off x="0" y="0"/>
+          <a:ext cx="0" cy="0"/>
+          <a:chOff x="0" y="0"/>
+          <a:chExt cx="0" cy="0"/>
+        </a:xfrm>
+      </p:grpSpPr>
+      <p:sp>
+        <p:nvSpPr>
+          <p:cNvPr id="2" name="Верхний колонтитул 1"/>
+          <p:cNvSpPr>
+            <a:spLocks noGrp="1"/>
+          </p:cNvSpPr>
+          <p:nvPr>
+            <p:ph type="hdr" sz="quarter"/>
+          </p:nvPr>
+        </p:nvSpPr>
+        <p:spPr>
+          <a:xfrm>
+            <a:off x="0" y="0"/>
+            <a:ext cx="2971800" cy="458788"/>
+          </a:xfrm>
+          <a:prstGeom prst="rect">
+            <a:avLst/>
+          </a:prstGeom>
+        </p:spPr>
+        <p:txBody>
+          <a:bodyPr vert="horz" lIns="91440" tIns="45720" rIns="91440" bIns="45720" rtlCol="0"/>
+          <a:lstStyle>
+            <a:lvl1pPr algn="l">
+              <a:defRPr sz="1200"/>
+            </a:lvl1pPr>
+          </a:lstStyle>
+          <a:p>
+            <a:endParaRPr lang="ru-RU"/>
+          </a:p>
+        </p:txBody>
+      </p:sp>
+      <p:sp>
+        <p:nvSpPr>
+          <p:cNvPr id="3" name="Дата 2"/>
+          <p:cNvSpPr>
+            <a:spLocks noGrp="1"/>
+          </p:cNvSpPr>
+          <p:nvPr>
+            <p:ph type="dt" idx="1"/>
+          </p:nvPr>
+        </p:nvSpPr>
+        <p:spPr>
+          <a:xfrm>
+            <a:off x="3884613" y="0"/>
+            <a:ext cx="2971800" cy="458788"/>
+          </a:xfrm>
+          <a:prstGeom prst="rect">
+            <a:avLst/>
+          </a:prstGeom>
+        </p:spPr>
+        <p:txBody>
+          <a:bodyPr vert="horz" lIns="91440" tIns="45720" rIns="91440" bIns="45720" rtlCol="0"/>
+          <a:lstStyle>
+            <a:lvl1pPr algn="r">
+              <a:defRPr sz="1200"/>
+            </a:lvl1pPr>
+          </a:lstStyle>
+          <a:p>
+            <a:fld id="{3D19F09C-EC1F-4DB1-9AEF-63E753CB21E7}" type="datetimeFigureOut">
+              <a:rPr lang="ru-RU" smtClean="0"/>
+              <a:t>09.06.2024</a:t>
+            </a:fld>
+            <a:endParaRPr lang="ru-RU"/>
+          </a:p>
+        </p:txBody>
+      </p:sp>
+      <p:sp>
+        <p:nvSpPr>
+          <p:cNvPr id="4" name="Образ слайда 3"/>
+          <p:cNvSpPr>
+            <a:spLocks noGrp="1" noRot="1" noChangeAspect="1"/>
+          </p:cNvSpPr>
+          <p:nvPr>
+            <p:ph type="sldImg" idx="2"/>
+          </p:nvPr>
+        </p:nvSpPr>
+        <p:spPr>
+          <a:xfrm>
+            <a:off x="685800" y="1143000"/>
+            <a:ext cx="5486400" cy="3086100"/>
+          </a:xfrm>
+          <a:prstGeom prst="rect">
+            <a:avLst/>
+          </a:prstGeom>
+          <a:noFill/>
+          <a:ln w="12700">
+            <a:solidFill>
+              <a:prstClr val="black"/>
+            </a:solidFill>
+          </a:ln>
+        </p:spPr>
+        <p:txBody>
+          <a:bodyPr vert="horz" lIns="91440" tIns="45720" rIns="91440" bIns="45720" rtlCol="0" anchor="ctr"/>
+          <a:lstStyle/>
+          <a:p>
+            <a:endParaRPr lang="ru-RU"/>
+          </a:p>
+        </p:txBody>
+      </p:sp>
+      <p:sp>
+        <p:nvSpPr>
+          <p:cNvPr id="5" name="Заметки 4"/>
+          <p:cNvSpPr>
+            <a:spLocks noGrp="1"/>
+          </p:cNvSpPr>
+          <p:nvPr>
+            <p:ph type="body" sz="quarter" idx="3"/>
+          </p:nvPr>
+        </p:nvSpPr>
+        <p:spPr>
+          <a:xfrm>
+            <a:off x="685800" y="4400550"/>
+            <a:ext cx="5486400" cy="3600450"/>
+          </a:xfrm>
+          <a:prstGeom prst="rect">
+            <a:avLst/>
+          </a:prstGeom>
+        </p:spPr>
+        <p:txBody>
+          <a:bodyPr vert="horz" lIns="91440" tIns="45720" rIns="91440" bIns="45720" rtlCol="0"/>
+          <a:lstStyle/>
+          <a:p>
+            <a:pPr lvl="0"/>
+            <a:r>
+              <a:rPr lang="ru-RU"/>
+              <a:t>Образец текста</a:t>
+            </a:r>
+          </a:p>
+          <a:p>
+            <a:pPr lvl="1"/>
+            <a:r>
+              <a:rPr lang="ru-RU"/>
+              <a:t>Второй уровень</a:t>
+            </a:r>
+          </a:p>
+          <a:p>
+            <a:pPr lvl="2"/>
+            <a:r>
+              <a:rPr lang="ru-RU"/>
+              <a:t>Третий уровень</a:t>
+            </a:r>
+          </a:p>
+          <a:p>
+            <a:pPr lvl="3"/>
+            <a:r>
+              <a:rPr lang="ru-RU"/>
+              <a:t>Четвертый уровень</a:t>
+            </a:r>
+          </a:p>
+          <a:p>
+            <a:pPr lvl="4"/>
+            <a:r>
+              <a:rPr lang="ru-RU"/>
+              <a:t>Пятый уровень</a:t>
+            </a:r>
+          </a:p>
+        </p:txBody>
+      </p:sp>
+      <p:sp>
+        <p:nvSpPr>
+          <p:cNvPr id="6" name="Нижний колонтитул 5"/>
+          <p:cNvSpPr>
+            <a:spLocks noGrp="1"/>
+          </p:cNvSpPr>
+          <p:nvPr>
+            <p:ph type="ftr" sz="quarter" idx="4"/>
+          </p:nvPr>
+        </p:nvSpPr>
+        <p:spPr>
+          <a:xfrm>
+            <a:off x="0" y="8685213"/>
+            <a:ext cx="2971800" cy="458787"/>
+          </a:xfrm>
+          <a:prstGeom prst="rect">
+            <a:avLst/>
+          </a:prstGeom>
+        </p:spPr>
+        <p:txBody>
+          <a:bodyPr vert="horz" lIns="91440" tIns="45720" rIns="91440" bIns="45720" rtlCol="0" anchor="b"/>
+          <a:lstStyle>
+            <a:lvl1pPr algn="l">
+              <a:defRPr sz="1200"/>
+            </a:lvl1pPr>
+          </a:lstStyle>
+          <a:p>
+            <a:endParaRPr lang="ru-RU"/>
+          </a:p>
+        </p:txBody>
+      </p:sp>
+      <p:sp>
+        <p:nvSpPr>
+          <p:cNvPr id="7" name="Номер слайда 6"/>
+          <p:cNvSpPr>
+            <a:spLocks noGrp="1"/>
+          </p:cNvSpPr>
+          <p:nvPr>
+            <p:ph type="sldNum" sz="quarter" idx="5"/>
+          </p:nvPr>
+        </p:nvSpPr>
+        <p:spPr>
+          <a:xfrm>
+            <a:off x="3884613" y="8685213"/>
+            <a:ext cx="2971800" cy="458787"/>
+          </a:xfrm>
+          <a:prstGeom prst="rect">
+            <a:avLst/>
+          </a:prstGeom>
+        </p:spPr>
+        <p:txBody>
+          <a:bodyPr vert="horz" lIns="91440" tIns="45720" rIns="91440" bIns="45720" rtlCol="0" anchor="b"/>
+          <a:lstStyle>
+            <a:lvl1pPr algn="r">
+              <a:defRPr sz="1200"/>
+            </a:lvl1pPr>
+          </a:lstStyle>
+          <a:p>
+            <a:fld id="{665B5132-2AAF-45C6-810F-2BAA7DD62256}" type="slidenum">
+              <a:rPr lang="ru-RU" smtClean="0"/>
+              <a:t>‹#›</a:t>
+            </a:fld>
+            <a:endParaRPr lang="ru-RU"/>
+          </a:p>
+        </p:txBody>
+      </p:sp>
+    </p:spTree>
+    <p:extLst>
+      <p:ext uri="{BB962C8B-B14F-4D97-AF65-F5344CB8AC3E}">
+        <p14:creationId xmlns:p14="http://schemas.microsoft.com/office/powerpoint/2010/main" val="1299344526"/>
+      </p:ext>
+    </p:extLst>
+  </p:cSld>
+  <p:clrMap bg1="lt1" tx1="dk1" bg2="lt2" tx2="dk2" accent1="accent1" accent2="accent2" accent3="accent3" accent4="accent4" accent5="accent5" accent6="accent6" hlink="hlink" folHlink="folHlink"/>
+  <p:notesStyle>
+    <a:lvl1pPr marL="0" algn="l" defTabSz="914400" rtl="0" eaLnBrk="1" latinLnBrk="0" hangingPunct="1">
+      <a:defRPr sz="1200" kern="1200">
+        <a:solidFill>
+          <a:schemeClr val="tx1"/>
+        </a:solidFill>
+        <a:latin typeface="+mn-lt"/>
+        <a:ea typeface="+mn-ea"/>
+        <a:cs typeface="+mn-cs"/>
+      </a:defRPr>
+    </a:lvl1pPr>
+    <a:lvl2pPr marL="457200" algn="l" defTabSz="914400" rtl="0" eaLnBrk="1" latinLnBrk="0" hangingPunct="1">
+      <a:defRPr sz="1200" kern="1200">
+        <a:solidFill>
+          <a:schemeClr val="tx1"/>
+        </a:solidFill>
+        <a:latin typeface="+mn-lt"/>
+        <a:ea typeface="+mn-ea"/>
+        <a:cs typeface="+mn-cs"/>
+      </a:defRPr>
+    </a:lvl2pPr>
+    <a:lvl3pPr marL="914400" algn="l" defTabSz="914400" rtl="0" eaLnBrk="1" latinLnBrk="0" hangingPunct="1">
+      <a:defRPr sz="1200" kern="1200">
+        <a:solidFill>
+          <a:schemeClr val="tx1"/>
+        </a:solidFill>
+        <a:latin typeface="+mn-lt"/>
+        <a:ea typeface="+mn-ea"/>
+        <a:cs typeface="+mn-cs"/>
+      </a:defRPr>
+    </a:lvl3pPr>
+    <a:lvl4pPr marL="1371600" algn="l" defTabSz="914400" rtl="0" eaLnBrk="1" latinLnBrk="0" hangingPunct="1">
+      <a:defRPr sz="1200" kern="1200">
+        <a:solidFill>
+          <a:schemeClr val="tx1"/>
+        </a:solidFill>
+        <a:latin typeface="+mn-lt"/>
+        <a:ea typeface="+mn-ea"/>
+        <a:cs typeface="+mn-cs"/>
+      </a:defRPr>
+    </a:lvl4pPr>
+    <a:lvl5pPr marL="1828800" algn="l" defTabSz="914400" rtl="0" eaLnBrk="1" latinLnBrk="0" hangingPunct="1">
+      <a:defRPr sz="1200" kern="1200">
+        <a:solidFill>
+          <a:schemeClr val="tx1"/>
+        </a:solidFill>
+        <a:latin typeface="+mn-lt"/>
+        <a:ea typeface="+mn-ea"/>
+        <a:cs typeface="+mn-cs"/>
+      </a:defRPr>
+    </a:lvl5pPr>
+    <a:lvl6pPr marL="2286000" algn="l" defTabSz="914400" rtl="0" eaLnBrk="1" latinLnBrk="0" hangingPunct="1">
+      <a:defRPr sz="1200" kern="1200">
+        <a:solidFill>
+          <a:schemeClr val="tx1"/>
+        </a:solidFill>
+        <a:latin typeface="+mn-lt"/>
+        <a:ea typeface="+mn-ea"/>
+        <a:cs typeface="+mn-cs"/>
+      </a:defRPr>
+    </a:lvl6pPr>
+    <a:lvl7pPr marL="2743200" algn="l" defTabSz="914400" rtl="0" eaLnBrk="1" latinLnBrk="0" hangingPunct="1">
+      <a:defRPr sz="1200" kern="1200">
+        <a:solidFill>
+          <a:schemeClr val="tx1"/>
+        </a:solidFill>
+        <a:latin typeface="+mn-lt"/>
+        <a:ea typeface="+mn-ea"/>
+        <a:cs typeface="+mn-cs"/>
+      </a:defRPr>
+    </a:lvl7pPr>
+    <a:lvl8pPr marL="3200400" algn="l" defTabSz="914400" rtl="0" eaLnBrk="1" latinLnBrk="0" hangingPunct="1">
+      <a:defRPr sz="1200" kern="1200">
+        <a:solidFill>
+          <a:schemeClr val="tx1"/>
+        </a:solidFill>
+        <a:latin typeface="+mn-lt"/>
+        <a:ea typeface="+mn-ea"/>
+        <a:cs typeface="+mn-cs"/>
+      </a:defRPr>
+    </a:lvl8pPr>
+    <a:lvl9pPr marL="3657600" algn="l" defTabSz="914400" rtl="0" eaLnBrk="1" latinLnBrk="0" hangingPunct="1">
+      <a:defRPr sz="1200" kern="1200">
+        <a:solidFill>
+          <a:schemeClr val="tx1"/>
+        </a:solidFill>
+        <a:latin typeface="+mn-lt"/>
+        <a:ea typeface="+mn-ea"/>
+        <a:cs typeface="+mn-cs"/>
+      </a:defRPr>
+    </a:lvl9pPr>
+  </p:notesStyle>
+</p:notesMaster>
 </file>
 
 <file path=ppt/slideLayouts/slideLayout1.xml><?xml version="1.0" encoding="utf-8"?>
@@ -255,7 +650,7 @@
           <a:p>
             <a:fld id="{421B659D-9114-42E9-A27C-68C3B5D8F1B2}" type="datetimeFigureOut">
               <a:rPr lang="ru-RU" smtClean="0"/>
-              <a:t>29.05.2024</a:t>
+              <a:t>08.06.2024</a:t>
             </a:fld>
             <a:endParaRPr lang="ru-RU"/>
           </a:p>
@@ -453,7 +848,7 @@
           <a:p>
             <a:fld id="{421B659D-9114-42E9-A27C-68C3B5D8F1B2}" type="datetimeFigureOut">
               <a:rPr lang="ru-RU" smtClean="0"/>
-              <a:t>29.05.2024</a:t>
+              <a:t>08.06.2024</a:t>
             </a:fld>
             <a:endParaRPr lang="ru-RU"/>
           </a:p>
@@ -661,7 +1056,7 @@
           <a:p>
             <a:fld id="{421B659D-9114-42E9-A27C-68C3B5D8F1B2}" type="datetimeFigureOut">
               <a:rPr lang="ru-RU" smtClean="0"/>
-              <a:t>29.05.2024</a:t>
+              <a:t>08.06.2024</a:t>
             </a:fld>
             <a:endParaRPr lang="ru-RU"/>
           </a:p>
@@ -859,7 +1254,7 @@
           <a:p>
             <a:fld id="{421B659D-9114-42E9-A27C-68C3B5D8F1B2}" type="datetimeFigureOut">
               <a:rPr lang="ru-RU" smtClean="0"/>
-              <a:t>29.05.2024</a:t>
+              <a:t>08.06.2024</a:t>
             </a:fld>
             <a:endParaRPr lang="ru-RU"/>
           </a:p>
@@ -1134,7 +1529,7 @@
           <a:p>
             <a:fld id="{421B659D-9114-42E9-A27C-68C3B5D8F1B2}" type="datetimeFigureOut">
               <a:rPr lang="ru-RU" smtClean="0"/>
-              <a:t>29.05.2024</a:t>
+              <a:t>08.06.2024</a:t>
             </a:fld>
             <a:endParaRPr lang="ru-RU"/>
           </a:p>
@@ -1399,7 +1794,7 @@
           <a:p>
             <a:fld id="{421B659D-9114-42E9-A27C-68C3B5D8F1B2}" type="datetimeFigureOut">
               <a:rPr lang="ru-RU" smtClean="0"/>
-              <a:t>29.05.2024</a:t>
+              <a:t>08.06.2024</a:t>
             </a:fld>
             <a:endParaRPr lang="ru-RU"/>
           </a:p>
@@ -1811,7 +2206,7 @@
           <a:p>
             <a:fld id="{421B659D-9114-42E9-A27C-68C3B5D8F1B2}" type="datetimeFigureOut">
               <a:rPr lang="ru-RU" smtClean="0"/>
-              <a:t>29.05.2024</a:t>
+              <a:t>08.06.2024</a:t>
             </a:fld>
             <a:endParaRPr lang="ru-RU"/>
           </a:p>
@@ -1952,7 +2347,7 @@
           <a:p>
             <a:fld id="{421B659D-9114-42E9-A27C-68C3B5D8F1B2}" type="datetimeFigureOut">
               <a:rPr lang="ru-RU" smtClean="0"/>
-              <a:t>29.05.2024</a:t>
+              <a:t>08.06.2024</a:t>
             </a:fld>
             <a:endParaRPr lang="ru-RU"/>
           </a:p>
@@ -2065,7 +2460,7 @@
           <a:p>
             <a:fld id="{421B659D-9114-42E9-A27C-68C3B5D8F1B2}" type="datetimeFigureOut">
               <a:rPr lang="ru-RU" smtClean="0"/>
-              <a:t>29.05.2024</a:t>
+              <a:t>08.06.2024</a:t>
             </a:fld>
             <a:endParaRPr lang="ru-RU"/>
           </a:p>
@@ -2376,7 +2771,7 @@
           <a:p>
             <a:fld id="{421B659D-9114-42E9-A27C-68C3B5D8F1B2}" type="datetimeFigureOut">
               <a:rPr lang="ru-RU" smtClean="0"/>
-              <a:t>29.05.2024</a:t>
+              <a:t>08.06.2024</a:t>
             </a:fld>
             <a:endParaRPr lang="ru-RU"/>
           </a:p>
@@ -2664,7 +3059,7 @@
           <a:p>
             <a:fld id="{421B659D-9114-42E9-A27C-68C3B5D8F1B2}" type="datetimeFigureOut">
               <a:rPr lang="ru-RU" smtClean="0"/>
-              <a:t>29.05.2024</a:t>
+              <a:t>08.06.2024</a:t>
             </a:fld>
             <a:endParaRPr lang="ru-RU"/>
           </a:p>
@@ -2905,7 +3300,7 @@
           <a:p>
             <a:fld id="{421B659D-9114-42E9-A27C-68C3B5D8F1B2}" type="datetimeFigureOut">
               <a:rPr lang="ru-RU" smtClean="0"/>
-              <a:t>29.05.2024</a:t>
+              <a:t>08.06.2024</a:t>
             </a:fld>
             <a:endParaRPr lang="ru-RU"/>
           </a:p>
@@ -3392,6 +3787,202 @@
 </p:sld>
 </file>
 
+<file path=ppt/slides/slide10.xml><?xml version="1.0" encoding="utf-8"?>
+<p:sld xmlns:a="http://schemas.openxmlformats.org/drawingml/2006/main" xmlns:r="http://schemas.openxmlformats.org/officeDocument/2006/relationships" xmlns:p="http://schemas.openxmlformats.org/presentationml/2006/main">
+  <p:cSld>
+    <p:spTree>
+      <p:nvGrpSpPr>
+        <p:cNvPr id="1" name=""/>
+        <p:cNvGrpSpPr/>
+        <p:nvPr/>
+      </p:nvGrpSpPr>
+      <p:grpSpPr>
+        <a:xfrm>
+          <a:off x="0" y="0"/>
+          <a:ext cx="0" cy="0"/>
+          <a:chOff x="0" y="0"/>
+          <a:chExt cx="0" cy="0"/>
+        </a:xfrm>
+      </p:grpSpPr>
+      <p:sp>
+        <p:nvSpPr>
+          <p:cNvPr id="2" name="Заголовок 1">
+            <a:extLst>
+              <a:ext uri="{FF2B5EF4-FFF2-40B4-BE49-F238E27FC236}">
+                <a16:creationId xmlns:a16="http://schemas.microsoft.com/office/drawing/2014/main" id="{EED20205-7AE5-4408-9082-FA542A243B7D}"/>
+              </a:ext>
+            </a:extLst>
+          </p:cNvPr>
+          <p:cNvSpPr>
+            <a:spLocks noGrp="1"/>
+          </p:cNvSpPr>
+          <p:nvPr>
+            <p:ph type="title"/>
+          </p:nvPr>
+        </p:nvSpPr>
+        <p:spPr/>
+        <p:txBody>
+          <a:bodyPr/>
+          <a:lstStyle/>
+          <a:p>
+            <a:r>
+              <a:rPr lang="ru-RU" dirty="0"/>
+              <a:t>Продолжение следует</a:t>
+            </a:r>
+          </a:p>
+        </p:txBody>
+      </p:sp>
+      <p:sp>
+        <p:nvSpPr>
+          <p:cNvPr id="3" name="Объект 2">
+            <a:extLst>
+              <a:ext uri="{FF2B5EF4-FFF2-40B4-BE49-F238E27FC236}">
+                <a16:creationId xmlns:a16="http://schemas.microsoft.com/office/drawing/2014/main" id="{FBDB23BB-B415-4E3E-84A6-4834A8564859}"/>
+              </a:ext>
+            </a:extLst>
+          </p:cNvPr>
+          <p:cNvSpPr>
+            <a:spLocks noGrp="1"/>
+          </p:cNvSpPr>
+          <p:nvPr>
+            <p:ph idx="1"/>
+          </p:nvPr>
+        </p:nvSpPr>
+        <p:spPr/>
+        <p:txBody>
+          <a:bodyPr/>
+          <a:lstStyle/>
+          <a:p>
+            <a:pPr marL="0" indent="0">
+              <a:buNone/>
+            </a:pPr>
+            <a:r>
+              <a:rPr lang="ru-RU" dirty="0"/>
+              <a:t>Есть и другие разновидности </a:t>
+            </a:r>
+            <a:r>
+              <a:rPr lang="en-US" dirty="0"/>
+              <a:t>b-</a:t>
+            </a:r>
+            <a:r>
+              <a:rPr lang="ru-RU" dirty="0"/>
+              <a:t>деревьев:</a:t>
+            </a:r>
+          </a:p>
+          <a:p>
+            <a:pPr>
+              <a:lnSpc>
+                <a:spcPct val="107000"/>
+              </a:lnSpc>
+              <a:spcBef>
+                <a:spcPts val="360"/>
+              </a:spcBef>
+            </a:pPr>
+            <a:r>
+              <a:rPr lang="ru-RU" sz="2400" dirty="0">
+                <a:solidFill>
+                  <a:srgbClr val="000000"/>
+                </a:solidFill>
+                <a:effectLst/>
+                <a:latin typeface="Arial" panose="020B0604020202020204" pitchFamily="34" charset="0"/>
+                <a:ea typeface="Times New Roman" panose="02020603050405020304" pitchFamily="18" charset="0"/>
+                <a:cs typeface="Times New Roman" panose="02020603050405020304" pitchFamily="18" charset="0"/>
+              </a:rPr>
+              <a:t>B+-дерево</a:t>
+            </a:r>
+            <a:endParaRPr lang="ru-RU" sz="2400" dirty="0">
+              <a:solidFill>
+                <a:srgbClr val="1F3763"/>
+              </a:solidFill>
+              <a:effectLst/>
+              <a:latin typeface="Calibri Light" panose="020F0302020204030204" pitchFamily="34" charset="0"/>
+              <a:ea typeface="Times New Roman" panose="02020603050405020304" pitchFamily="18" charset="0"/>
+              <a:cs typeface="Times New Roman" panose="02020603050405020304" pitchFamily="18" charset="0"/>
+            </a:endParaRPr>
+          </a:p>
+          <a:p>
+            <a:pPr>
+              <a:lnSpc>
+                <a:spcPct val="107000"/>
+              </a:lnSpc>
+              <a:spcBef>
+                <a:spcPts val="360"/>
+              </a:spcBef>
+            </a:pPr>
+            <a:r>
+              <a:rPr lang="ru-RU" sz="2400" dirty="0">
+                <a:solidFill>
+                  <a:srgbClr val="000000"/>
+                </a:solidFill>
+                <a:effectLst/>
+                <a:latin typeface="Arial" panose="020B0604020202020204" pitchFamily="34" charset="0"/>
+                <a:ea typeface="Times New Roman" panose="02020603050405020304" pitchFamily="18" charset="0"/>
+                <a:cs typeface="Times New Roman" panose="02020603050405020304" pitchFamily="18" charset="0"/>
+              </a:rPr>
+              <a:t>B*-дерево</a:t>
+            </a:r>
+            <a:endParaRPr lang="ru-RU" sz="2400" dirty="0">
+              <a:solidFill>
+                <a:srgbClr val="1F3763"/>
+              </a:solidFill>
+              <a:effectLst/>
+              <a:latin typeface="Calibri Light" panose="020F0302020204030204" pitchFamily="34" charset="0"/>
+              <a:ea typeface="Times New Roman" panose="02020603050405020304" pitchFamily="18" charset="0"/>
+              <a:cs typeface="Times New Roman" panose="02020603050405020304" pitchFamily="18" charset="0"/>
+            </a:endParaRPr>
+          </a:p>
+          <a:p>
+            <a:pPr>
+              <a:lnSpc>
+                <a:spcPct val="107000"/>
+              </a:lnSpc>
+              <a:spcBef>
+                <a:spcPts val="360"/>
+              </a:spcBef>
+            </a:pPr>
+            <a:r>
+              <a:rPr lang="ru-RU" sz="2400" dirty="0">
+                <a:solidFill>
+                  <a:srgbClr val="000000"/>
+                </a:solidFill>
+                <a:effectLst/>
+                <a:latin typeface="Arial" panose="020B0604020202020204" pitchFamily="34" charset="0"/>
+                <a:ea typeface="Times New Roman" panose="02020603050405020304" pitchFamily="18" charset="0"/>
+                <a:cs typeface="Times New Roman" panose="02020603050405020304" pitchFamily="18" charset="0"/>
+              </a:rPr>
+              <a:t>2-3 дерево</a:t>
+            </a:r>
+            <a:endParaRPr lang="ru-RU" sz="2400" dirty="0">
+              <a:solidFill>
+                <a:srgbClr val="1F3763"/>
+              </a:solidFill>
+              <a:effectLst/>
+              <a:latin typeface="Calibri Light" panose="020F0302020204030204" pitchFamily="34" charset="0"/>
+              <a:ea typeface="Times New Roman" panose="02020603050405020304" pitchFamily="18" charset="0"/>
+              <a:cs typeface="Times New Roman" panose="02020603050405020304" pitchFamily="18" charset="0"/>
+            </a:endParaRPr>
+          </a:p>
+          <a:p>
+            <a:pPr marL="0" indent="0">
+              <a:buNone/>
+            </a:pPr>
+            <a:endParaRPr lang="ru-RU" dirty="0"/>
+          </a:p>
+        </p:txBody>
+      </p:sp>
+    </p:spTree>
+    <p:extLst>
+      <p:ext uri="{BB962C8B-B14F-4D97-AF65-F5344CB8AC3E}">
+        <p14:creationId xmlns:p14="http://schemas.microsoft.com/office/powerpoint/2010/main" val="3207008161"/>
+      </p:ext>
+    </p:extLst>
+  </p:cSld>
+  <p:clrMapOvr>
+    <a:masterClrMapping/>
+  </p:clrMapOvr>
+</p:sld>
+</file>
+
 <file path=ppt/slides/slide2.xml><?xml version="1.0" encoding="utf-8"?>
 <p:sld xmlns:a="http://schemas.openxmlformats.org/drawingml/2006/main" xmlns:r="http://schemas.openxmlformats.org/officeDocument/2006/relationships" xmlns:p="http://schemas.openxmlformats.org/presentationml/2006/main">
   <p:cSld>
@@ -3461,11 +4052,2408 @@
             <p:ph idx="1"/>
           </p:nvPr>
         </p:nvSpPr>
+        <p:spPr>
+          <a:xfrm>
+            <a:off x="838200" y="1495425"/>
+            <a:ext cx="10515600" cy="1190625"/>
+          </a:xfrm>
+        </p:spPr>
+        <p:txBody>
+          <a:bodyPr/>
+          <a:lstStyle/>
+          <a:p>
+            <a:pPr marL="0" indent="0">
+              <a:buNone/>
+            </a:pPr>
+            <a:r>
+              <a:rPr lang="ru-RU" sz="1800" dirty="0">
+                <a:effectLst/>
+                <a:latin typeface="Calibri" panose="020F0502020204030204" pitchFamily="34" charset="0"/>
+                <a:ea typeface="Calibri" panose="020F0502020204030204" pitchFamily="34" charset="0"/>
+                <a:cs typeface="Times New Roman" panose="02020603050405020304" pitchFamily="18" charset="0"/>
+              </a:rPr>
+              <a:t>B-дерево — это особый тип сбалансированного дерева поиска, в котором каждый узел может содержать более одного ключа и иметь более двух дочерних элементов. Из-за этого свойства B-дерево называют сильноветвящимся.</a:t>
+            </a:r>
+            <a:endParaRPr lang="ru-RU" dirty="0"/>
+          </a:p>
+        </p:txBody>
+      </p:sp>
+      <p:grpSp>
+        <p:nvGrpSpPr>
+          <p:cNvPr id="36" name="Группа 35">
+            <a:extLst>
+              <a:ext uri="{FF2B5EF4-FFF2-40B4-BE49-F238E27FC236}">
+                <a16:creationId xmlns:a16="http://schemas.microsoft.com/office/drawing/2014/main" id="{E2AA8939-DF76-4BC7-B23D-2ECA87CAE2BE}"/>
+              </a:ext>
+            </a:extLst>
+          </p:cNvPr>
+          <p:cNvGrpSpPr/>
+          <p:nvPr/>
+        </p:nvGrpSpPr>
+        <p:grpSpPr>
+          <a:xfrm>
+            <a:off x="4924425" y="2183082"/>
+            <a:ext cx="1609724" cy="950643"/>
+            <a:chOff x="4610099" y="2390775"/>
+            <a:chExt cx="2238375" cy="1160462"/>
+          </a:xfrm>
+        </p:grpSpPr>
+        <p:sp>
+          <p:nvSpPr>
+            <p:cNvPr id="32" name="Прямоугольник 31">
+              <a:extLst>
+                <a:ext uri="{FF2B5EF4-FFF2-40B4-BE49-F238E27FC236}">
+                  <a16:creationId xmlns:a16="http://schemas.microsoft.com/office/drawing/2014/main" id="{9A054FA4-DB2A-4275-BF20-96452AF4A261}"/>
+                </a:ext>
+              </a:extLst>
+            </p:cNvPr>
+            <p:cNvSpPr/>
+            <p:nvPr/>
+          </p:nvSpPr>
+          <p:spPr>
+            <a:xfrm>
+              <a:off x="4610099" y="2390775"/>
+              <a:ext cx="2238375" cy="590550"/>
+            </a:xfrm>
+            <a:prstGeom prst="rect">
+              <a:avLst/>
+            </a:prstGeom>
+          </p:spPr>
+          <p:style>
+            <a:lnRef idx="1">
+              <a:schemeClr val="accent3"/>
+            </a:lnRef>
+            <a:fillRef idx="2">
+              <a:schemeClr val="accent3"/>
+            </a:fillRef>
+            <a:effectRef idx="1">
+              <a:schemeClr val="accent3"/>
+            </a:effectRef>
+            <a:fontRef idx="minor">
+              <a:schemeClr val="dk1"/>
+            </a:fontRef>
+          </p:style>
+          <p:txBody>
+            <a:bodyPr rtlCol="0" anchor="ctr"/>
+            <a:lstStyle/>
+            <a:p>
+              <a:pPr algn="ctr"/>
+              <a:r>
+                <a:rPr lang="ru-RU" dirty="0"/>
+                <a:t>13</a:t>
+              </a:r>
+            </a:p>
+          </p:txBody>
+        </p:sp>
+        <p:sp>
+          <p:nvSpPr>
+            <p:cNvPr id="35" name="Прямоугольник 34">
+              <a:extLst>
+                <a:ext uri="{FF2B5EF4-FFF2-40B4-BE49-F238E27FC236}">
+                  <a16:creationId xmlns:a16="http://schemas.microsoft.com/office/drawing/2014/main" id="{4CED0932-2142-4665-9B3D-FF59CE438C26}"/>
+                </a:ext>
+              </a:extLst>
+            </p:cNvPr>
+            <p:cNvSpPr/>
+            <p:nvPr/>
+          </p:nvSpPr>
+          <p:spPr>
+            <a:xfrm>
+              <a:off x="4610099" y="2981325"/>
+              <a:ext cx="2238375" cy="569912"/>
+            </a:xfrm>
+            <a:prstGeom prst="rect">
+              <a:avLst/>
+            </a:prstGeom>
+          </p:spPr>
+          <p:style>
+            <a:lnRef idx="2">
+              <a:schemeClr val="accent1">
+                <a:shade val="50000"/>
+              </a:schemeClr>
+            </a:lnRef>
+            <a:fillRef idx="1">
+              <a:schemeClr val="accent1"/>
+            </a:fillRef>
+            <a:effectRef idx="0">
+              <a:schemeClr val="accent1"/>
+            </a:effectRef>
+            <a:fontRef idx="minor">
+              <a:schemeClr val="lt1"/>
+            </a:fontRef>
+          </p:style>
+          <p:txBody>
+            <a:bodyPr rtlCol="0" anchor="ctr"/>
+            <a:lstStyle/>
+            <a:p>
+              <a:pPr algn="ctr"/>
+              <a:endParaRPr lang="ru-RU"/>
+            </a:p>
+          </p:txBody>
+        </p:sp>
+      </p:grpSp>
+      <p:grpSp>
+        <p:nvGrpSpPr>
+          <p:cNvPr id="37" name="Группа 36">
+            <a:extLst>
+              <a:ext uri="{FF2B5EF4-FFF2-40B4-BE49-F238E27FC236}">
+                <a16:creationId xmlns:a16="http://schemas.microsoft.com/office/drawing/2014/main" id="{11DF282F-3E18-482C-B88B-EA94EABBD6EA}"/>
+              </a:ext>
+            </a:extLst>
+          </p:cNvPr>
+          <p:cNvGrpSpPr/>
+          <p:nvPr/>
+        </p:nvGrpSpPr>
+        <p:grpSpPr>
+          <a:xfrm>
+            <a:off x="1343019" y="3052366"/>
+            <a:ext cx="1728790" cy="753268"/>
+            <a:chOff x="4610099" y="2390775"/>
+            <a:chExt cx="2238375" cy="1160462"/>
+          </a:xfrm>
+        </p:grpSpPr>
+        <p:sp>
+          <p:nvSpPr>
+            <p:cNvPr id="38" name="Прямоугольник 37">
+              <a:extLst>
+                <a:ext uri="{FF2B5EF4-FFF2-40B4-BE49-F238E27FC236}">
+                  <a16:creationId xmlns:a16="http://schemas.microsoft.com/office/drawing/2014/main" id="{B4BF8E9D-A389-4088-9EC1-A788262B736E}"/>
+                </a:ext>
+              </a:extLst>
+            </p:cNvPr>
+            <p:cNvSpPr/>
+            <p:nvPr/>
+          </p:nvSpPr>
+          <p:spPr>
+            <a:xfrm>
+              <a:off x="4610099" y="2390775"/>
+              <a:ext cx="2238375" cy="590550"/>
+            </a:xfrm>
+            <a:prstGeom prst="rect">
+              <a:avLst/>
+            </a:prstGeom>
+          </p:spPr>
+          <p:style>
+            <a:lnRef idx="1">
+              <a:schemeClr val="accent3"/>
+            </a:lnRef>
+            <a:fillRef idx="2">
+              <a:schemeClr val="accent3"/>
+            </a:fillRef>
+            <a:effectRef idx="1">
+              <a:schemeClr val="accent3"/>
+            </a:effectRef>
+            <a:fontRef idx="minor">
+              <a:schemeClr val="dk1"/>
+            </a:fontRef>
+          </p:style>
+          <p:txBody>
+            <a:bodyPr rtlCol="0" anchor="ctr"/>
+            <a:lstStyle/>
+            <a:p>
+              <a:pPr algn="ctr"/>
+              <a:r>
+                <a:rPr lang="ru-RU" dirty="0"/>
+                <a:t>4 7</a:t>
+              </a:r>
+            </a:p>
+          </p:txBody>
+        </p:sp>
+        <p:sp>
+          <p:nvSpPr>
+            <p:cNvPr id="39" name="Прямоугольник 38">
+              <a:extLst>
+                <a:ext uri="{FF2B5EF4-FFF2-40B4-BE49-F238E27FC236}">
+                  <a16:creationId xmlns:a16="http://schemas.microsoft.com/office/drawing/2014/main" id="{83AFF80E-3DA9-47C9-80B3-91C1783CC89B}"/>
+                </a:ext>
+              </a:extLst>
+            </p:cNvPr>
+            <p:cNvSpPr/>
+            <p:nvPr/>
+          </p:nvSpPr>
+          <p:spPr>
+            <a:xfrm>
+              <a:off x="4610099" y="2981325"/>
+              <a:ext cx="2238375" cy="569912"/>
+            </a:xfrm>
+            <a:prstGeom prst="rect">
+              <a:avLst/>
+            </a:prstGeom>
+          </p:spPr>
+          <p:style>
+            <a:lnRef idx="2">
+              <a:schemeClr val="accent1">
+                <a:shade val="50000"/>
+              </a:schemeClr>
+            </a:lnRef>
+            <a:fillRef idx="1">
+              <a:schemeClr val="accent1"/>
+            </a:fillRef>
+            <a:effectRef idx="0">
+              <a:schemeClr val="accent1"/>
+            </a:effectRef>
+            <a:fontRef idx="minor">
+              <a:schemeClr val="lt1"/>
+            </a:fontRef>
+          </p:style>
+          <p:txBody>
+            <a:bodyPr rtlCol="0" anchor="ctr"/>
+            <a:lstStyle/>
+            <a:p>
+              <a:pPr algn="ctr"/>
+              <a:endParaRPr lang="ru-RU"/>
+            </a:p>
+          </p:txBody>
+        </p:sp>
+      </p:grpSp>
+      <p:grpSp>
+        <p:nvGrpSpPr>
+          <p:cNvPr id="40" name="Группа 39">
+            <a:extLst>
+              <a:ext uri="{FF2B5EF4-FFF2-40B4-BE49-F238E27FC236}">
+                <a16:creationId xmlns:a16="http://schemas.microsoft.com/office/drawing/2014/main" id="{F1259166-1B7F-4F4A-96D5-ACD764ADD526}"/>
+              </a:ext>
+            </a:extLst>
+          </p:cNvPr>
+          <p:cNvGrpSpPr/>
+          <p:nvPr/>
+        </p:nvGrpSpPr>
+        <p:grpSpPr>
+          <a:xfrm>
+            <a:off x="8510591" y="3057127"/>
+            <a:ext cx="1728790" cy="867173"/>
+            <a:chOff x="4610099" y="2390775"/>
+            <a:chExt cx="2238375" cy="1160462"/>
+          </a:xfrm>
+        </p:grpSpPr>
+        <p:sp>
+          <p:nvSpPr>
+            <p:cNvPr id="41" name="Прямоугольник 40">
+              <a:extLst>
+                <a:ext uri="{FF2B5EF4-FFF2-40B4-BE49-F238E27FC236}">
+                  <a16:creationId xmlns:a16="http://schemas.microsoft.com/office/drawing/2014/main" id="{41B6C2F2-D2CF-4511-849E-FFA316D1F989}"/>
+                </a:ext>
+              </a:extLst>
+            </p:cNvPr>
+            <p:cNvSpPr/>
+            <p:nvPr/>
+          </p:nvSpPr>
+          <p:spPr>
+            <a:xfrm>
+              <a:off x="4610099" y="2390775"/>
+              <a:ext cx="2238375" cy="590550"/>
+            </a:xfrm>
+            <a:prstGeom prst="rect">
+              <a:avLst/>
+            </a:prstGeom>
+          </p:spPr>
+          <p:style>
+            <a:lnRef idx="1">
+              <a:schemeClr val="accent3"/>
+            </a:lnRef>
+            <a:fillRef idx="2">
+              <a:schemeClr val="accent3"/>
+            </a:fillRef>
+            <a:effectRef idx="1">
+              <a:schemeClr val="accent3"/>
+            </a:effectRef>
+            <a:fontRef idx="minor">
+              <a:schemeClr val="dk1"/>
+            </a:fontRef>
+          </p:style>
+          <p:txBody>
+            <a:bodyPr rtlCol="0" anchor="ctr"/>
+            <a:lstStyle/>
+            <a:p>
+              <a:pPr algn="ctr"/>
+              <a:r>
+                <a:rPr lang="ru-RU" dirty="0"/>
+                <a:t>17 24</a:t>
+              </a:r>
+            </a:p>
+          </p:txBody>
+        </p:sp>
+        <p:sp>
+          <p:nvSpPr>
+            <p:cNvPr id="42" name="Прямоугольник 41">
+              <a:extLst>
+                <a:ext uri="{FF2B5EF4-FFF2-40B4-BE49-F238E27FC236}">
+                  <a16:creationId xmlns:a16="http://schemas.microsoft.com/office/drawing/2014/main" id="{4959DEDE-5BE7-4F1C-887C-6FBE9AA8B762}"/>
+                </a:ext>
+              </a:extLst>
+            </p:cNvPr>
+            <p:cNvSpPr/>
+            <p:nvPr/>
+          </p:nvSpPr>
+          <p:spPr>
+            <a:xfrm>
+              <a:off x="4610099" y="2981325"/>
+              <a:ext cx="2238375" cy="569912"/>
+            </a:xfrm>
+            <a:prstGeom prst="rect">
+              <a:avLst/>
+            </a:prstGeom>
+          </p:spPr>
+          <p:style>
+            <a:lnRef idx="2">
+              <a:schemeClr val="accent1">
+                <a:shade val="50000"/>
+              </a:schemeClr>
+            </a:lnRef>
+            <a:fillRef idx="1">
+              <a:schemeClr val="accent1"/>
+            </a:fillRef>
+            <a:effectRef idx="0">
+              <a:schemeClr val="accent1"/>
+            </a:effectRef>
+            <a:fontRef idx="minor">
+              <a:schemeClr val="lt1"/>
+            </a:fontRef>
+          </p:style>
+          <p:txBody>
+            <a:bodyPr rtlCol="0" anchor="ctr"/>
+            <a:lstStyle/>
+            <a:p>
+              <a:pPr algn="ctr"/>
+              <a:endParaRPr lang="ru-RU"/>
+            </a:p>
+          </p:txBody>
+        </p:sp>
+      </p:grpSp>
+      <p:grpSp>
+        <p:nvGrpSpPr>
+          <p:cNvPr id="43" name="Группа 42">
+            <a:extLst>
+              <a:ext uri="{FF2B5EF4-FFF2-40B4-BE49-F238E27FC236}">
+                <a16:creationId xmlns:a16="http://schemas.microsoft.com/office/drawing/2014/main" id="{FE56DA2F-0877-4EAD-9E89-10119E492535}"/>
+              </a:ext>
+            </a:extLst>
+          </p:cNvPr>
+          <p:cNvGrpSpPr/>
+          <p:nvPr/>
+        </p:nvGrpSpPr>
+        <p:grpSpPr>
+          <a:xfrm>
+            <a:off x="6286500" y="4301308"/>
+            <a:ext cx="1419225" cy="569912"/>
+            <a:chOff x="4610099" y="2390775"/>
+            <a:chExt cx="2238375" cy="1160462"/>
+          </a:xfrm>
+        </p:grpSpPr>
+        <p:sp>
+          <p:nvSpPr>
+            <p:cNvPr id="44" name="Прямоугольник 43">
+              <a:extLst>
+                <a:ext uri="{FF2B5EF4-FFF2-40B4-BE49-F238E27FC236}">
+                  <a16:creationId xmlns:a16="http://schemas.microsoft.com/office/drawing/2014/main" id="{DFA2EB63-BDCF-4B48-A163-D7F03B4A66AA}"/>
+                </a:ext>
+              </a:extLst>
+            </p:cNvPr>
+            <p:cNvSpPr/>
+            <p:nvPr/>
+          </p:nvSpPr>
+          <p:spPr>
+            <a:xfrm>
+              <a:off x="4610099" y="2390775"/>
+              <a:ext cx="2238375" cy="590551"/>
+            </a:xfrm>
+            <a:prstGeom prst="rect">
+              <a:avLst/>
+            </a:prstGeom>
+          </p:spPr>
+          <p:style>
+            <a:lnRef idx="1">
+              <a:schemeClr val="accent3"/>
+            </a:lnRef>
+            <a:fillRef idx="2">
+              <a:schemeClr val="accent3"/>
+            </a:fillRef>
+            <a:effectRef idx="1">
+              <a:schemeClr val="accent3"/>
+            </a:effectRef>
+            <a:fontRef idx="minor">
+              <a:schemeClr val="dk1"/>
+            </a:fontRef>
+          </p:style>
+          <p:txBody>
+            <a:bodyPr rtlCol="0" anchor="ctr"/>
+            <a:lstStyle/>
+            <a:p>
+              <a:pPr algn="ctr"/>
+              <a:r>
+                <a:rPr lang="ru-RU" dirty="0"/>
+                <a:t>14 16</a:t>
+              </a:r>
+            </a:p>
+          </p:txBody>
+        </p:sp>
+        <p:sp>
+          <p:nvSpPr>
+            <p:cNvPr id="45" name="Прямоугольник 44">
+              <a:extLst>
+                <a:ext uri="{FF2B5EF4-FFF2-40B4-BE49-F238E27FC236}">
+                  <a16:creationId xmlns:a16="http://schemas.microsoft.com/office/drawing/2014/main" id="{1425E7D4-4A10-4F95-A51D-547AAC33A302}"/>
+                </a:ext>
+              </a:extLst>
+            </p:cNvPr>
+            <p:cNvSpPr/>
+            <p:nvPr/>
+          </p:nvSpPr>
+          <p:spPr>
+            <a:xfrm>
+              <a:off x="4610099" y="2981325"/>
+              <a:ext cx="2238375" cy="569912"/>
+            </a:xfrm>
+            <a:prstGeom prst="rect">
+              <a:avLst/>
+            </a:prstGeom>
+          </p:spPr>
+          <p:style>
+            <a:lnRef idx="2">
+              <a:schemeClr val="accent1">
+                <a:shade val="50000"/>
+              </a:schemeClr>
+            </a:lnRef>
+            <a:fillRef idx="1">
+              <a:schemeClr val="accent1"/>
+            </a:fillRef>
+            <a:effectRef idx="0">
+              <a:schemeClr val="accent1"/>
+            </a:effectRef>
+            <a:fontRef idx="minor">
+              <a:schemeClr val="lt1"/>
+            </a:fontRef>
+          </p:style>
+          <p:txBody>
+            <a:bodyPr rtlCol="0" anchor="ctr"/>
+            <a:lstStyle/>
+            <a:p>
+              <a:pPr algn="ctr"/>
+              <a:endParaRPr lang="ru-RU"/>
+            </a:p>
+          </p:txBody>
+        </p:sp>
+      </p:grpSp>
+      <p:grpSp>
+        <p:nvGrpSpPr>
+          <p:cNvPr id="46" name="Группа 45">
+            <a:extLst>
+              <a:ext uri="{FF2B5EF4-FFF2-40B4-BE49-F238E27FC236}">
+                <a16:creationId xmlns:a16="http://schemas.microsoft.com/office/drawing/2014/main" id="{ED8FC1B9-167C-4263-812D-644CF1188886}"/>
+              </a:ext>
+            </a:extLst>
+          </p:cNvPr>
+          <p:cNvGrpSpPr/>
+          <p:nvPr/>
+        </p:nvGrpSpPr>
+        <p:grpSpPr>
+          <a:xfrm>
+            <a:off x="8181974" y="4295660"/>
+            <a:ext cx="1504950" cy="591344"/>
+            <a:chOff x="4610099" y="2389981"/>
+            <a:chExt cx="2238375" cy="1162817"/>
+          </a:xfrm>
+        </p:grpSpPr>
+        <p:sp>
+          <p:nvSpPr>
+            <p:cNvPr id="47" name="Прямоугольник 46">
+              <a:extLst>
+                <a:ext uri="{FF2B5EF4-FFF2-40B4-BE49-F238E27FC236}">
+                  <a16:creationId xmlns:a16="http://schemas.microsoft.com/office/drawing/2014/main" id="{5BAD0FFB-AD81-4882-B905-818AE8AD1851}"/>
+                </a:ext>
+              </a:extLst>
+            </p:cNvPr>
+            <p:cNvSpPr/>
+            <p:nvPr/>
+          </p:nvSpPr>
+          <p:spPr>
+            <a:xfrm>
+              <a:off x="4610099" y="2389981"/>
+              <a:ext cx="2238375" cy="590550"/>
+            </a:xfrm>
+            <a:prstGeom prst="rect">
+              <a:avLst/>
+            </a:prstGeom>
+          </p:spPr>
+          <p:style>
+            <a:lnRef idx="1">
+              <a:schemeClr val="accent3"/>
+            </a:lnRef>
+            <a:fillRef idx="2">
+              <a:schemeClr val="accent3"/>
+            </a:fillRef>
+            <a:effectRef idx="1">
+              <a:schemeClr val="accent3"/>
+            </a:effectRef>
+            <a:fontRef idx="minor">
+              <a:schemeClr val="dk1"/>
+            </a:fontRef>
+          </p:style>
+          <p:txBody>
+            <a:bodyPr rtlCol="0" anchor="ctr"/>
+            <a:lstStyle/>
+            <a:p>
+              <a:pPr algn="ctr"/>
+              <a:r>
+                <a:rPr lang="ru-RU" dirty="0"/>
+                <a:t>18 20</a:t>
+              </a:r>
+            </a:p>
+          </p:txBody>
+        </p:sp>
+        <p:sp>
+          <p:nvSpPr>
+            <p:cNvPr id="48" name="Прямоугольник 47">
+              <a:extLst>
+                <a:ext uri="{FF2B5EF4-FFF2-40B4-BE49-F238E27FC236}">
+                  <a16:creationId xmlns:a16="http://schemas.microsoft.com/office/drawing/2014/main" id="{D1F7BE81-99F2-4DB3-9752-50FF2BB10963}"/>
+                </a:ext>
+              </a:extLst>
+            </p:cNvPr>
+            <p:cNvSpPr/>
+            <p:nvPr/>
+          </p:nvSpPr>
+          <p:spPr>
+            <a:xfrm>
+              <a:off x="4610099" y="2982887"/>
+              <a:ext cx="2238375" cy="569911"/>
+            </a:xfrm>
+            <a:prstGeom prst="rect">
+              <a:avLst/>
+            </a:prstGeom>
+          </p:spPr>
+          <p:style>
+            <a:lnRef idx="2">
+              <a:schemeClr val="accent1">
+                <a:shade val="50000"/>
+              </a:schemeClr>
+            </a:lnRef>
+            <a:fillRef idx="1">
+              <a:schemeClr val="accent1"/>
+            </a:fillRef>
+            <a:effectRef idx="0">
+              <a:schemeClr val="accent1"/>
+            </a:effectRef>
+            <a:fontRef idx="minor">
+              <a:schemeClr val="lt1"/>
+            </a:fontRef>
+          </p:style>
+          <p:txBody>
+            <a:bodyPr rtlCol="0" anchor="ctr"/>
+            <a:lstStyle/>
+            <a:p>
+              <a:pPr algn="ctr"/>
+              <a:endParaRPr lang="ru-RU"/>
+            </a:p>
+          </p:txBody>
+        </p:sp>
+      </p:grpSp>
+      <p:grpSp>
+        <p:nvGrpSpPr>
+          <p:cNvPr id="49" name="Группа 48">
+            <a:extLst>
+              <a:ext uri="{FF2B5EF4-FFF2-40B4-BE49-F238E27FC236}">
+                <a16:creationId xmlns:a16="http://schemas.microsoft.com/office/drawing/2014/main" id="{979EC672-A45A-4BF1-8CC8-8046AA92C172}"/>
+              </a:ext>
+            </a:extLst>
+          </p:cNvPr>
+          <p:cNvGrpSpPr/>
+          <p:nvPr/>
+        </p:nvGrpSpPr>
+        <p:grpSpPr>
+          <a:xfrm>
+            <a:off x="10125074" y="4303405"/>
+            <a:ext cx="1752601" cy="573882"/>
+            <a:chOff x="4610099" y="2390775"/>
+            <a:chExt cx="2238375" cy="1160462"/>
+          </a:xfrm>
+        </p:grpSpPr>
+        <p:sp>
+          <p:nvSpPr>
+            <p:cNvPr id="50" name="Прямоугольник 49">
+              <a:extLst>
+                <a:ext uri="{FF2B5EF4-FFF2-40B4-BE49-F238E27FC236}">
+                  <a16:creationId xmlns:a16="http://schemas.microsoft.com/office/drawing/2014/main" id="{5337A3EF-B964-46D5-A376-094165FC39D1}"/>
+                </a:ext>
+              </a:extLst>
+            </p:cNvPr>
+            <p:cNvSpPr/>
+            <p:nvPr/>
+          </p:nvSpPr>
+          <p:spPr>
+            <a:xfrm>
+              <a:off x="4610099" y="2390775"/>
+              <a:ext cx="2238375" cy="590550"/>
+            </a:xfrm>
+            <a:prstGeom prst="rect">
+              <a:avLst/>
+            </a:prstGeom>
+          </p:spPr>
+          <p:style>
+            <a:lnRef idx="1">
+              <a:schemeClr val="accent3"/>
+            </a:lnRef>
+            <a:fillRef idx="2">
+              <a:schemeClr val="accent3"/>
+            </a:fillRef>
+            <a:effectRef idx="1">
+              <a:schemeClr val="accent3"/>
+            </a:effectRef>
+            <a:fontRef idx="minor">
+              <a:schemeClr val="dk1"/>
+            </a:fontRef>
+          </p:style>
+          <p:txBody>
+            <a:bodyPr rtlCol="0" anchor="ctr"/>
+            <a:lstStyle/>
+            <a:p>
+              <a:pPr algn="ctr"/>
+              <a:r>
+                <a:rPr lang="ru-RU" dirty="0"/>
+                <a:t>25 30 31 35</a:t>
+              </a:r>
+            </a:p>
+          </p:txBody>
+        </p:sp>
+        <p:sp>
+          <p:nvSpPr>
+            <p:cNvPr id="51" name="Прямоугольник 50">
+              <a:extLst>
+                <a:ext uri="{FF2B5EF4-FFF2-40B4-BE49-F238E27FC236}">
+                  <a16:creationId xmlns:a16="http://schemas.microsoft.com/office/drawing/2014/main" id="{E0C2E11A-700A-4685-959E-B6FA3CAF7264}"/>
+                </a:ext>
+              </a:extLst>
+            </p:cNvPr>
+            <p:cNvSpPr/>
+            <p:nvPr/>
+          </p:nvSpPr>
+          <p:spPr>
+            <a:xfrm>
+              <a:off x="4610099" y="2981325"/>
+              <a:ext cx="2238375" cy="569912"/>
+            </a:xfrm>
+            <a:prstGeom prst="rect">
+              <a:avLst/>
+            </a:prstGeom>
+          </p:spPr>
+          <p:style>
+            <a:lnRef idx="2">
+              <a:schemeClr val="accent1">
+                <a:shade val="50000"/>
+              </a:schemeClr>
+            </a:lnRef>
+            <a:fillRef idx="1">
+              <a:schemeClr val="accent1"/>
+            </a:fillRef>
+            <a:effectRef idx="0">
+              <a:schemeClr val="accent1"/>
+            </a:effectRef>
+            <a:fontRef idx="minor">
+              <a:schemeClr val="lt1"/>
+            </a:fontRef>
+          </p:style>
+          <p:txBody>
+            <a:bodyPr rtlCol="0" anchor="ctr"/>
+            <a:lstStyle/>
+            <a:p>
+              <a:pPr algn="ctr"/>
+              <a:endParaRPr lang="ru-RU"/>
+            </a:p>
+          </p:txBody>
+        </p:sp>
+      </p:grpSp>
+      <p:grpSp>
+        <p:nvGrpSpPr>
+          <p:cNvPr id="55" name="Группа 54">
+            <a:extLst>
+              <a:ext uri="{FF2B5EF4-FFF2-40B4-BE49-F238E27FC236}">
+                <a16:creationId xmlns:a16="http://schemas.microsoft.com/office/drawing/2014/main" id="{8E8077E4-C47C-4869-9884-50FEA3154241}"/>
+              </a:ext>
+            </a:extLst>
+          </p:cNvPr>
+          <p:cNvGrpSpPr/>
+          <p:nvPr/>
+        </p:nvGrpSpPr>
+        <p:grpSpPr>
+          <a:xfrm>
+            <a:off x="3533777" y="4318443"/>
+            <a:ext cx="1600201" cy="585519"/>
+            <a:chOff x="4610099" y="2390775"/>
+            <a:chExt cx="2238377" cy="1160462"/>
+          </a:xfrm>
+        </p:grpSpPr>
+        <p:sp>
+          <p:nvSpPr>
+            <p:cNvPr id="56" name="Прямоугольник 55">
+              <a:extLst>
+                <a:ext uri="{FF2B5EF4-FFF2-40B4-BE49-F238E27FC236}">
+                  <a16:creationId xmlns:a16="http://schemas.microsoft.com/office/drawing/2014/main" id="{DD2A3AEB-3530-4DC3-96BA-CB0F99CCDBA9}"/>
+                </a:ext>
+              </a:extLst>
+            </p:cNvPr>
+            <p:cNvSpPr/>
+            <p:nvPr/>
+          </p:nvSpPr>
+          <p:spPr>
+            <a:xfrm>
+              <a:off x="4610101" y="2390775"/>
+              <a:ext cx="2238375" cy="590550"/>
+            </a:xfrm>
+            <a:prstGeom prst="rect">
+              <a:avLst/>
+            </a:prstGeom>
+          </p:spPr>
+          <p:style>
+            <a:lnRef idx="1">
+              <a:schemeClr val="accent3"/>
+            </a:lnRef>
+            <a:fillRef idx="2">
+              <a:schemeClr val="accent3"/>
+            </a:fillRef>
+            <a:effectRef idx="1">
+              <a:schemeClr val="accent3"/>
+            </a:effectRef>
+            <a:fontRef idx="minor">
+              <a:schemeClr val="dk1"/>
+            </a:fontRef>
+          </p:style>
+          <p:txBody>
+            <a:bodyPr rtlCol="0" anchor="ctr"/>
+            <a:lstStyle/>
+            <a:p>
+              <a:pPr algn="ctr"/>
+              <a:r>
+                <a:rPr lang="ru-RU" dirty="0"/>
+                <a:t>8 10 11</a:t>
+              </a:r>
+            </a:p>
+          </p:txBody>
+        </p:sp>
+        <p:sp>
+          <p:nvSpPr>
+            <p:cNvPr id="57" name="Прямоугольник 56">
+              <a:extLst>
+                <a:ext uri="{FF2B5EF4-FFF2-40B4-BE49-F238E27FC236}">
+                  <a16:creationId xmlns:a16="http://schemas.microsoft.com/office/drawing/2014/main" id="{520427D7-6F23-49BC-B5F3-15114D0C77CC}"/>
+                </a:ext>
+              </a:extLst>
+            </p:cNvPr>
+            <p:cNvSpPr/>
+            <p:nvPr/>
+          </p:nvSpPr>
+          <p:spPr>
+            <a:xfrm>
+              <a:off x="4610099" y="2981325"/>
+              <a:ext cx="2238375" cy="569912"/>
+            </a:xfrm>
+            <a:prstGeom prst="rect">
+              <a:avLst/>
+            </a:prstGeom>
+          </p:spPr>
+          <p:style>
+            <a:lnRef idx="2">
+              <a:schemeClr val="accent1">
+                <a:shade val="50000"/>
+              </a:schemeClr>
+            </a:lnRef>
+            <a:fillRef idx="1">
+              <a:schemeClr val="accent1"/>
+            </a:fillRef>
+            <a:effectRef idx="0">
+              <a:schemeClr val="accent1"/>
+            </a:effectRef>
+            <a:fontRef idx="minor">
+              <a:schemeClr val="lt1"/>
+            </a:fontRef>
+          </p:style>
+          <p:txBody>
+            <a:bodyPr rtlCol="0" anchor="ctr"/>
+            <a:lstStyle/>
+            <a:p>
+              <a:pPr algn="ctr"/>
+              <a:endParaRPr lang="ru-RU"/>
+            </a:p>
+          </p:txBody>
+        </p:sp>
+      </p:grpSp>
+      <p:grpSp>
+        <p:nvGrpSpPr>
+          <p:cNvPr id="58" name="Группа 57">
+            <a:extLst>
+              <a:ext uri="{FF2B5EF4-FFF2-40B4-BE49-F238E27FC236}">
+                <a16:creationId xmlns:a16="http://schemas.microsoft.com/office/drawing/2014/main" id="{7796CEB4-52DD-4B91-A635-F0EA993A3B03}"/>
+              </a:ext>
+            </a:extLst>
+          </p:cNvPr>
+          <p:cNvGrpSpPr/>
+          <p:nvPr/>
+        </p:nvGrpSpPr>
+        <p:grpSpPr>
+          <a:xfrm>
+            <a:off x="142877" y="4313237"/>
+            <a:ext cx="1333498" cy="590550"/>
+            <a:chOff x="4610099" y="2390775"/>
+            <a:chExt cx="2238375" cy="1160462"/>
+          </a:xfrm>
+        </p:grpSpPr>
+        <p:sp>
+          <p:nvSpPr>
+            <p:cNvPr id="59" name="Прямоугольник 58">
+              <a:extLst>
+                <a:ext uri="{FF2B5EF4-FFF2-40B4-BE49-F238E27FC236}">
+                  <a16:creationId xmlns:a16="http://schemas.microsoft.com/office/drawing/2014/main" id="{3F4C8C40-8D0C-4A39-ACC8-01C5E1822E56}"/>
+                </a:ext>
+              </a:extLst>
+            </p:cNvPr>
+            <p:cNvSpPr/>
+            <p:nvPr/>
+          </p:nvSpPr>
+          <p:spPr>
+            <a:xfrm>
+              <a:off x="4610099" y="2390775"/>
+              <a:ext cx="2238375" cy="590550"/>
+            </a:xfrm>
+            <a:prstGeom prst="rect">
+              <a:avLst/>
+            </a:prstGeom>
+          </p:spPr>
+          <p:style>
+            <a:lnRef idx="1">
+              <a:schemeClr val="accent3"/>
+            </a:lnRef>
+            <a:fillRef idx="2">
+              <a:schemeClr val="accent3"/>
+            </a:fillRef>
+            <a:effectRef idx="1">
+              <a:schemeClr val="accent3"/>
+            </a:effectRef>
+            <a:fontRef idx="minor">
+              <a:schemeClr val="dk1"/>
+            </a:fontRef>
+          </p:style>
+          <p:txBody>
+            <a:bodyPr rtlCol="0" anchor="ctr"/>
+            <a:lstStyle/>
+            <a:p>
+              <a:pPr algn="ctr"/>
+              <a:r>
+                <a:rPr lang="ru-RU" dirty="0"/>
+                <a:t>1 3</a:t>
+              </a:r>
+            </a:p>
+          </p:txBody>
+        </p:sp>
+        <p:sp>
+          <p:nvSpPr>
+            <p:cNvPr id="60" name="Прямоугольник 59">
+              <a:extLst>
+                <a:ext uri="{FF2B5EF4-FFF2-40B4-BE49-F238E27FC236}">
+                  <a16:creationId xmlns:a16="http://schemas.microsoft.com/office/drawing/2014/main" id="{ACB8A15E-9CAA-4BFF-9647-8FD042647500}"/>
+                </a:ext>
+              </a:extLst>
+            </p:cNvPr>
+            <p:cNvSpPr/>
+            <p:nvPr/>
+          </p:nvSpPr>
+          <p:spPr>
+            <a:xfrm>
+              <a:off x="4610099" y="2981325"/>
+              <a:ext cx="2238375" cy="569912"/>
+            </a:xfrm>
+            <a:prstGeom prst="rect">
+              <a:avLst/>
+            </a:prstGeom>
+          </p:spPr>
+          <p:style>
+            <a:lnRef idx="2">
+              <a:schemeClr val="accent1">
+                <a:shade val="50000"/>
+              </a:schemeClr>
+            </a:lnRef>
+            <a:fillRef idx="1">
+              <a:schemeClr val="accent1"/>
+            </a:fillRef>
+            <a:effectRef idx="0">
+              <a:schemeClr val="accent1"/>
+            </a:effectRef>
+            <a:fontRef idx="minor">
+              <a:schemeClr val="lt1"/>
+            </a:fontRef>
+          </p:style>
+          <p:txBody>
+            <a:bodyPr rtlCol="0" anchor="ctr"/>
+            <a:lstStyle/>
+            <a:p>
+              <a:pPr algn="ctr"/>
+              <a:endParaRPr lang="ru-RU"/>
+            </a:p>
+          </p:txBody>
+        </p:sp>
+      </p:grpSp>
+      <p:grpSp>
+        <p:nvGrpSpPr>
+          <p:cNvPr id="61" name="Группа 60">
+            <a:extLst>
+              <a:ext uri="{FF2B5EF4-FFF2-40B4-BE49-F238E27FC236}">
+                <a16:creationId xmlns:a16="http://schemas.microsoft.com/office/drawing/2014/main" id="{24A4A9B2-15CE-4911-A327-D41C636C629A}"/>
+              </a:ext>
+            </a:extLst>
+          </p:cNvPr>
+          <p:cNvGrpSpPr/>
+          <p:nvPr/>
+        </p:nvGrpSpPr>
+        <p:grpSpPr>
+          <a:xfrm>
+            <a:off x="1704976" y="4313237"/>
+            <a:ext cx="1600200" cy="585519"/>
+            <a:chOff x="4610099" y="2390775"/>
+            <a:chExt cx="2238375" cy="1160462"/>
+          </a:xfrm>
+        </p:grpSpPr>
+        <p:sp>
+          <p:nvSpPr>
+            <p:cNvPr id="62" name="Прямоугольник 61">
+              <a:extLst>
+                <a:ext uri="{FF2B5EF4-FFF2-40B4-BE49-F238E27FC236}">
+                  <a16:creationId xmlns:a16="http://schemas.microsoft.com/office/drawing/2014/main" id="{F06E52D2-0800-422A-9098-8D6065C6CCFF}"/>
+                </a:ext>
+              </a:extLst>
+            </p:cNvPr>
+            <p:cNvSpPr/>
+            <p:nvPr/>
+          </p:nvSpPr>
+          <p:spPr>
+            <a:xfrm>
+              <a:off x="4610099" y="2390775"/>
+              <a:ext cx="2238375" cy="590550"/>
+            </a:xfrm>
+            <a:prstGeom prst="rect">
+              <a:avLst/>
+            </a:prstGeom>
+          </p:spPr>
+          <p:style>
+            <a:lnRef idx="1">
+              <a:schemeClr val="accent3"/>
+            </a:lnRef>
+            <a:fillRef idx="2">
+              <a:schemeClr val="accent3"/>
+            </a:fillRef>
+            <a:effectRef idx="1">
+              <a:schemeClr val="accent3"/>
+            </a:effectRef>
+            <a:fontRef idx="minor">
+              <a:schemeClr val="dk1"/>
+            </a:fontRef>
+          </p:style>
+          <p:txBody>
+            <a:bodyPr rtlCol="0" anchor="ctr"/>
+            <a:lstStyle/>
+            <a:p>
+              <a:pPr algn="ctr"/>
+              <a:r>
+                <a:rPr lang="ru-RU" dirty="0"/>
+                <a:t>5 6</a:t>
+              </a:r>
+            </a:p>
+          </p:txBody>
+        </p:sp>
+        <p:sp>
+          <p:nvSpPr>
+            <p:cNvPr id="63" name="Прямоугольник 62">
+              <a:extLst>
+                <a:ext uri="{FF2B5EF4-FFF2-40B4-BE49-F238E27FC236}">
+                  <a16:creationId xmlns:a16="http://schemas.microsoft.com/office/drawing/2014/main" id="{6BB412A2-0895-4088-89E1-B7A9600D0893}"/>
+                </a:ext>
+              </a:extLst>
+            </p:cNvPr>
+            <p:cNvSpPr/>
+            <p:nvPr/>
+          </p:nvSpPr>
+          <p:spPr>
+            <a:xfrm>
+              <a:off x="4610099" y="2981325"/>
+              <a:ext cx="2238375" cy="569912"/>
+            </a:xfrm>
+            <a:prstGeom prst="rect">
+              <a:avLst/>
+            </a:prstGeom>
+          </p:spPr>
+          <p:style>
+            <a:lnRef idx="2">
+              <a:schemeClr val="accent1">
+                <a:shade val="50000"/>
+              </a:schemeClr>
+            </a:lnRef>
+            <a:fillRef idx="1">
+              <a:schemeClr val="accent1"/>
+            </a:fillRef>
+            <a:effectRef idx="0">
+              <a:schemeClr val="accent1"/>
+            </a:effectRef>
+            <a:fontRef idx="minor">
+              <a:schemeClr val="lt1"/>
+            </a:fontRef>
+          </p:style>
+          <p:txBody>
+            <a:bodyPr rtlCol="0" anchor="ctr"/>
+            <a:lstStyle/>
+            <a:p>
+              <a:pPr algn="ctr"/>
+              <a:endParaRPr lang="ru-RU"/>
+            </a:p>
+          </p:txBody>
+        </p:sp>
+      </p:grpSp>
+      <p:cxnSp>
+        <p:nvCxnSpPr>
+          <p:cNvPr id="65" name="Прямая соединительная линия 64">
+            <a:extLst>
+              <a:ext uri="{FF2B5EF4-FFF2-40B4-BE49-F238E27FC236}">
+                <a16:creationId xmlns:a16="http://schemas.microsoft.com/office/drawing/2014/main" id="{D807EC5A-7097-43AC-9E3F-A8430FAE74A9}"/>
+              </a:ext>
+            </a:extLst>
+          </p:cNvPr>
+          <p:cNvCxnSpPr>
+            <a:cxnSpLocks/>
+          </p:cNvCxnSpPr>
+          <p:nvPr/>
+        </p:nvCxnSpPr>
+        <p:spPr>
+          <a:xfrm>
+            <a:off x="1912139" y="3429000"/>
+            <a:ext cx="0" cy="369936"/>
+          </a:xfrm>
+          <a:prstGeom prst="line">
+            <a:avLst/>
+          </a:prstGeom>
+        </p:spPr>
+        <p:style>
+          <a:lnRef idx="1">
+            <a:schemeClr val="dk1"/>
+          </a:lnRef>
+          <a:fillRef idx="0">
+            <a:schemeClr val="dk1"/>
+          </a:fillRef>
+          <a:effectRef idx="0">
+            <a:schemeClr val="dk1"/>
+          </a:effectRef>
+          <a:fontRef idx="minor">
+            <a:schemeClr val="tx1"/>
+          </a:fontRef>
+        </p:style>
+      </p:cxnSp>
+      <p:cxnSp>
+        <p:nvCxnSpPr>
+          <p:cNvPr id="67" name="Прямая соединительная линия 66">
+            <a:extLst>
+              <a:ext uri="{FF2B5EF4-FFF2-40B4-BE49-F238E27FC236}">
+                <a16:creationId xmlns:a16="http://schemas.microsoft.com/office/drawing/2014/main" id="{F90DEF1C-23D6-455B-B34D-F70A875D7C20}"/>
+              </a:ext>
+            </a:extLst>
+          </p:cNvPr>
+          <p:cNvCxnSpPr>
+            <a:cxnSpLocks/>
+            <a:stCxn id="35" idx="0"/>
+            <a:endCxn id="35" idx="2"/>
+          </p:cNvCxnSpPr>
+          <p:nvPr/>
+        </p:nvCxnSpPr>
+        <p:spPr>
+          <a:xfrm>
+            <a:off x="5729287" y="2666857"/>
+            <a:ext cx="0" cy="466868"/>
+          </a:xfrm>
+          <a:prstGeom prst="line">
+            <a:avLst/>
+          </a:prstGeom>
+        </p:spPr>
+        <p:style>
+          <a:lnRef idx="1">
+            <a:schemeClr val="dk1"/>
+          </a:lnRef>
+          <a:fillRef idx="0">
+            <a:schemeClr val="dk1"/>
+          </a:fillRef>
+          <a:effectRef idx="0">
+            <a:schemeClr val="dk1"/>
+          </a:effectRef>
+          <a:fontRef idx="minor">
+            <a:schemeClr val="tx1"/>
+          </a:fontRef>
+        </p:style>
+      </p:cxnSp>
+      <p:cxnSp>
+        <p:nvCxnSpPr>
+          <p:cNvPr id="70" name="Прямая соединительная линия 69">
+            <a:extLst>
+              <a:ext uri="{FF2B5EF4-FFF2-40B4-BE49-F238E27FC236}">
+                <a16:creationId xmlns:a16="http://schemas.microsoft.com/office/drawing/2014/main" id="{B78AA6B9-73AE-49F5-B3A5-A566506B4E0F}"/>
+              </a:ext>
+            </a:extLst>
+          </p:cNvPr>
+          <p:cNvCxnSpPr>
+            <a:cxnSpLocks/>
+          </p:cNvCxnSpPr>
+          <p:nvPr/>
+        </p:nvCxnSpPr>
+        <p:spPr>
+          <a:xfrm>
+            <a:off x="9108286" y="3498425"/>
+            <a:ext cx="0" cy="425875"/>
+          </a:xfrm>
+          <a:prstGeom prst="line">
+            <a:avLst/>
+          </a:prstGeom>
+        </p:spPr>
+        <p:style>
+          <a:lnRef idx="1">
+            <a:schemeClr val="dk1"/>
+          </a:lnRef>
+          <a:fillRef idx="0">
+            <a:schemeClr val="dk1"/>
+          </a:fillRef>
+          <a:effectRef idx="0">
+            <a:schemeClr val="dk1"/>
+          </a:effectRef>
+          <a:fontRef idx="minor">
+            <a:schemeClr val="tx1"/>
+          </a:fontRef>
+        </p:style>
+      </p:cxnSp>
+      <p:cxnSp>
+        <p:nvCxnSpPr>
+          <p:cNvPr id="73" name="Прямая соединительная линия 72">
+            <a:extLst>
+              <a:ext uri="{FF2B5EF4-FFF2-40B4-BE49-F238E27FC236}">
+                <a16:creationId xmlns:a16="http://schemas.microsoft.com/office/drawing/2014/main" id="{A4F1808E-1C7B-41B6-9039-BCB60AE024DC}"/>
+              </a:ext>
+            </a:extLst>
+          </p:cNvPr>
+          <p:cNvCxnSpPr>
+            <a:cxnSpLocks/>
+          </p:cNvCxnSpPr>
+          <p:nvPr/>
+        </p:nvCxnSpPr>
+        <p:spPr>
+          <a:xfrm>
+            <a:off x="533401" y="4621949"/>
+            <a:ext cx="0" cy="290024"/>
+          </a:xfrm>
+          <a:prstGeom prst="line">
+            <a:avLst/>
+          </a:prstGeom>
+        </p:spPr>
+        <p:style>
+          <a:lnRef idx="1">
+            <a:schemeClr val="dk1"/>
+          </a:lnRef>
+          <a:fillRef idx="0">
+            <a:schemeClr val="dk1"/>
+          </a:fillRef>
+          <a:effectRef idx="0">
+            <a:schemeClr val="dk1"/>
+          </a:effectRef>
+          <a:fontRef idx="minor">
+            <a:schemeClr val="tx1"/>
+          </a:fontRef>
+        </p:style>
+      </p:cxnSp>
+      <p:cxnSp>
+        <p:nvCxnSpPr>
+          <p:cNvPr id="75" name="Прямая соединительная линия 74">
+            <a:extLst>
+              <a:ext uri="{FF2B5EF4-FFF2-40B4-BE49-F238E27FC236}">
+                <a16:creationId xmlns:a16="http://schemas.microsoft.com/office/drawing/2014/main" id="{5B5AEB3C-10A4-43DF-9633-60DAEC694B83}"/>
+              </a:ext>
+            </a:extLst>
+          </p:cNvPr>
+          <p:cNvCxnSpPr>
+            <a:cxnSpLocks/>
+          </p:cNvCxnSpPr>
+          <p:nvPr/>
+        </p:nvCxnSpPr>
+        <p:spPr>
+          <a:xfrm>
+            <a:off x="2207414" y="4624420"/>
+            <a:ext cx="0" cy="287553"/>
+          </a:xfrm>
+          <a:prstGeom prst="line">
+            <a:avLst/>
+          </a:prstGeom>
+        </p:spPr>
+        <p:style>
+          <a:lnRef idx="1">
+            <a:schemeClr val="dk1"/>
+          </a:lnRef>
+          <a:fillRef idx="0">
+            <a:schemeClr val="dk1"/>
+          </a:fillRef>
+          <a:effectRef idx="0">
+            <a:schemeClr val="dk1"/>
+          </a:effectRef>
+          <a:fontRef idx="minor">
+            <a:schemeClr val="tx1"/>
+          </a:fontRef>
+        </p:style>
+      </p:cxnSp>
+      <p:cxnSp>
+        <p:nvCxnSpPr>
+          <p:cNvPr id="77" name="Прямая соединительная линия 76">
+            <a:extLst>
+              <a:ext uri="{FF2B5EF4-FFF2-40B4-BE49-F238E27FC236}">
+                <a16:creationId xmlns:a16="http://schemas.microsoft.com/office/drawing/2014/main" id="{64405E80-2898-43A1-8E13-CACF59C18636}"/>
+              </a:ext>
+            </a:extLst>
+          </p:cNvPr>
+          <p:cNvCxnSpPr>
+            <a:cxnSpLocks/>
+          </p:cNvCxnSpPr>
+          <p:nvPr/>
+        </p:nvCxnSpPr>
+        <p:spPr>
+          <a:xfrm>
+            <a:off x="3883818" y="4617270"/>
+            <a:ext cx="0" cy="260017"/>
+          </a:xfrm>
+          <a:prstGeom prst="line">
+            <a:avLst/>
+          </a:prstGeom>
+        </p:spPr>
+        <p:style>
+          <a:lnRef idx="1">
+            <a:schemeClr val="dk1"/>
+          </a:lnRef>
+          <a:fillRef idx="0">
+            <a:schemeClr val="dk1"/>
+          </a:fillRef>
+          <a:effectRef idx="0">
+            <a:schemeClr val="dk1"/>
+          </a:effectRef>
+          <a:fontRef idx="minor">
+            <a:schemeClr val="tx1"/>
+          </a:fontRef>
+        </p:style>
+      </p:cxnSp>
+      <p:cxnSp>
+        <p:nvCxnSpPr>
+          <p:cNvPr id="81" name="Прямая соединительная линия 80">
+            <a:extLst>
+              <a:ext uri="{FF2B5EF4-FFF2-40B4-BE49-F238E27FC236}">
+                <a16:creationId xmlns:a16="http://schemas.microsoft.com/office/drawing/2014/main" id="{81505ABA-79AB-4127-96F5-6E970A24569A}"/>
+              </a:ext>
+            </a:extLst>
+          </p:cNvPr>
+          <p:cNvCxnSpPr>
+            <a:cxnSpLocks/>
+          </p:cNvCxnSpPr>
+          <p:nvPr/>
+        </p:nvCxnSpPr>
+        <p:spPr>
+          <a:xfrm flipH="1">
+            <a:off x="4341018" y="4608554"/>
+            <a:ext cx="1" cy="287553"/>
+          </a:xfrm>
+          <a:prstGeom prst="line">
+            <a:avLst/>
+          </a:prstGeom>
+        </p:spPr>
+        <p:style>
+          <a:lnRef idx="1">
+            <a:schemeClr val="dk1"/>
+          </a:lnRef>
+          <a:fillRef idx="0">
+            <a:schemeClr val="dk1"/>
+          </a:fillRef>
+          <a:effectRef idx="0">
+            <a:schemeClr val="dk1"/>
+          </a:effectRef>
+          <a:fontRef idx="minor">
+            <a:schemeClr val="tx1"/>
+          </a:fontRef>
+        </p:style>
+      </p:cxnSp>
+      <p:cxnSp>
+        <p:nvCxnSpPr>
+          <p:cNvPr id="84" name="Прямая соединительная линия 83">
+            <a:extLst>
+              <a:ext uri="{FF2B5EF4-FFF2-40B4-BE49-F238E27FC236}">
+                <a16:creationId xmlns:a16="http://schemas.microsoft.com/office/drawing/2014/main" id="{299CDE32-CD08-4B46-9525-A4007EAF338E}"/>
+              </a:ext>
+            </a:extLst>
+          </p:cNvPr>
+          <p:cNvCxnSpPr>
+            <a:cxnSpLocks/>
+          </p:cNvCxnSpPr>
+          <p:nvPr/>
+        </p:nvCxnSpPr>
+        <p:spPr>
+          <a:xfrm>
+            <a:off x="8686799" y="4595981"/>
+            <a:ext cx="0" cy="291023"/>
+          </a:xfrm>
+          <a:prstGeom prst="line">
+            <a:avLst/>
+          </a:prstGeom>
+        </p:spPr>
+        <p:style>
+          <a:lnRef idx="1">
+            <a:schemeClr val="dk1"/>
+          </a:lnRef>
+          <a:fillRef idx="0">
+            <a:schemeClr val="dk1"/>
+          </a:fillRef>
+          <a:effectRef idx="0">
+            <a:schemeClr val="dk1"/>
+          </a:effectRef>
+          <a:fontRef idx="minor">
+            <a:schemeClr val="tx1"/>
+          </a:fontRef>
+        </p:style>
+      </p:cxnSp>
+      <p:cxnSp>
+        <p:nvCxnSpPr>
+          <p:cNvPr id="86" name="Прямая соединительная линия 85">
+            <a:extLst>
+              <a:ext uri="{FF2B5EF4-FFF2-40B4-BE49-F238E27FC236}">
+                <a16:creationId xmlns:a16="http://schemas.microsoft.com/office/drawing/2014/main" id="{5C0FEF4C-7FF5-4603-865B-749F7FBF2C15}"/>
+              </a:ext>
+            </a:extLst>
+          </p:cNvPr>
+          <p:cNvCxnSpPr>
+            <a:cxnSpLocks/>
+          </p:cNvCxnSpPr>
+          <p:nvPr/>
+        </p:nvCxnSpPr>
+        <p:spPr>
+          <a:xfrm>
+            <a:off x="10458456" y="4589382"/>
+            <a:ext cx="0" cy="281838"/>
+          </a:xfrm>
+          <a:prstGeom prst="line">
+            <a:avLst/>
+          </a:prstGeom>
+        </p:spPr>
+        <p:style>
+          <a:lnRef idx="1">
+            <a:schemeClr val="dk1"/>
+          </a:lnRef>
+          <a:fillRef idx="0">
+            <a:schemeClr val="dk1"/>
+          </a:fillRef>
+          <a:effectRef idx="0">
+            <a:schemeClr val="dk1"/>
+          </a:effectRef>
+          <a:fontRef idx="minor">
+            <a:schemeClr val="tx1"/>
+          </a:fontRef>
+        </p:style>
+      </p:cxnSp>
+      <p:cxnSp>
+        <p:nvCxnSpPr>
+          <p:cNvPr id="88" name="Прямая соединительная линия 87">
+            <a:extLst>
+              <a:ext uri="{FF2B5EF4-FFF2-40B4-BE49-F238E27FC236}">
+                <a16:creationId xmlns:a16="http://schemas.microsoft.com/office/drawing/2014/main" id="{83490D48-60CA-4E66-AA5A-304E42462361}"/>
+              </a:ext>
+            </a:extLst>
+          </p:cNvPr>
+          <p:cNvCxnSpPr>
+            <a:cxnSpLocks/>
+          </p:cNvCxnSpPr>
+          <p:nvPr/>
+        </p:nvCxnSpPr>
+        <p:spPr>
+          <a:xfrm>
+            <a:off x="11153775" y="4589382"/>
+            <a:ext cx="0" cy="281838"/>
+          </a:xfrm>
+          <a:prstGeom prst="line">
+            <a:avLst/>
+          </a:prstGeom>
+        </p:spPr>
+        <p:style>
+          <a:lnRef idx="1">
+            <a:schemeClr val="dk1"/>
+          </a:lnRef>
+          <a:fillRef idx="0">
+            <a:schemeClr val="dk1"/>
+          </a:fillRef>
+          <a:effectRef idx="0">
+            <a:schemeClr val="dk1"/>
+          </a:effectRef>
+          <a:fontRef idx="minor">
+            <a:schemeClr val="tx1"/>
+          </a:fontRef>
+        </p:style>
+      </p:cxnSp>
+      <p:cxnSp>
+        <p:nvCxnSpPr>
+          <p:cNvPr id="90" name="Прямая соединительная линия 89">
+            <a:extLst>
+              <a:ext uri="{FF2B5EF4-FFF2-40B4-BE49-F238E27FC236}">
+                <a16:creationId xmlns:a16="http://schemas.microsoft.com/office/drawing/2014/main" id="{AF5C70AA-F2B2-4BCF-BD1E-25E31BF75900}"/>
+              </a:ext>
+            </a:extLst>
+          </p:cNvPr>
+          <p:cNvCxnSpPr>
+            <a:cxnSpLocks/>
+          </p:cNvCxnSpPr>
+          <p:nvPr/>
+        </p:nvCxnSpPr>
+        <p:spPr>
+          <a:xfrm>
+            <a:off x="10820400" y="4595981"/>
+            <a:ext cx="0" cy="281838"/>
+          </a:xfrm>
+          <a:prstGeom prst="line">
+            <a:avLst/>
+          </a:prstGeom>
+        </p:spPr>
+        <p:style>
+          <a:lnRef idx="1">
+            <a:schemeClr val="dk1"/>
+          </a:lnRef>
+          <a:fillRef idx="0">
+            <a:schemeClr val="dk1"/>
+          </a:fillRef>
+          <a:effectRef idx="0">
+            <a:schemeClr val="dk1"/>
+          </a:effectRef>
+          <a:fontRef idx="minor">
+            <a:schemeClr val="tx1"/>
+          </a:fontRef>
+        </p:style>
+      </p:cxnSp>
+      <p:cxnSp>
+        <p:nvCxnSpPr>
+          <p:cNvPr id="92" name="Прямая со стрелкой 91">
+            <a:extLst>
+              <a:ext uri="{FF2B5EF4-FFF2-40B4-BE49-F238E27FC236}">
+                <a16:creationId xmlns:a16="http://schemas.microsoft.com/office/drawing/2014/main" id="{C641881F-8A02-4AFC-B17F-E23B12C3A05B}"/>
+              </a:ext>
+            </a:extLst>
+          </p:cNvPr>
+          <p:cNvCxnSpPr>
+            <a:cxnSpLocks/>
+          </p:cNvCxnSpPr>
+          <p:nvPr/>
+        </p:nvCxnSpPr>
+        <p:spPr>
+          <a:xfrm flipH="1">
+            <a:off x="3071809" y="2928095"/>
+            <a:ext cx="1852616" cy="343741"/>
+          </a:xfrm>
+          <a:prstGeom prst="straightConnector1">
+            <a:avLst/>
+          </a:prstGeom>
+          <a:ln w="57150">
+            <a:tailEnd type="triangle"/>
+          </a:ln>
+        </p:spPr>
+        <p:style>
+          <a:lnRef idx="3">
+            <a:schemeClr val="dk1"/>
+          </a:lnRef>
+          <a:fillRef idx="0">
+            <a:schemeClr val="dk1"/>
+          </a:fillRef>
+          <a:effectRef idx="2">
+            <a:schemeClr val="dk1"/>
+          </a:effectRef>
+          <a:fontRef idx="minor">
+            <a:schemeClr val="tx1"/>
+          </a:fontRef>
+        </p:style>
+      </p:cxnSp>
+      <p:cxnSp>
+        <p:nvCxnSpPr>
+          <p:cNvPr id="94" name="Прямая со стрелкой 93">
+            <a:extLst>
+              <a:ext uri="{FF2B5EF4-FFF2-40B4-BE49-F238E27FC236}">
+                <a16:creationId xmlns:a16="http://schemas.microsoft.com/office/drawing/2014/main" id="{28198736-93DD-4B15-BDDF-13DF5E3167F7}"/>
+              </a:ext>
+            </a:extLst>
+          </p:cNvPr>
+          <p:cNvCxnSpPr>
+            <a:stCxn id="35" idx="3"/>
+            <a:endCxn id="41" idx="1"/>
+          </p:cNvCxnSpPr>
+          <p:nvPr/>
+        </p:nvCxnSpPr>
+        <p:spPr>
+          <a:xfrm>
+            <a:off x="6534149" y="2900291"/>
+            <a:ext cx="1976442" cy="377485"/>
+          </a:xfrm>
+          <a:prstGeom prst="straightConnector1">
+            <a:avLst/>
+          </a:prstGeom>
+          <a:ln w="57150">
+            <a:tailEnd type="triangle"/>
+          </a:ln>
+        </p:spPr>
+        <p:style>
+          <a:lnRef idx="3">
+            <a:schemeClr val="dk1"/>
+          </a:lnRef>
+          <a:fillRef idx="0">
+            <a:schemeClr val="dk1"/>
+          </a:fillRef>
+          <a:effectRef idx="2">
+            <a:schemeClr val="dk1"/>
+          </a:effectRef>
+          <a:fontRef idx="minor">
+            <a:schemeClr val="tx1"/>
+          </a:fontRef>
+        </p:style>
+      </p:cxnSp>
+      <p:cxnSp>
+        <p:nvCxnSpPr>
+          <p:cNvPr id="96" name="Прямая со стрелкой 95">
+            <a:extLst>
+              <a:ext uri="{FF2B5EF4-FFF2-40B4-BE49-F238E27FC236}">
+                <a16:creationId xmlns:a16="http://schemas.microsoft.com/office/drawing/2014/main" id="{70647B19-AF2C-45EE-B685-C3A3B95E8CA8}"/>
+              </a:ext>
+            </a:extLst>
+          </p:cNvPr>
+          <p:cNvCxnSpPr>
+            <a:stCxn id="39" idx="1"/>
+            <a:endCxn id="59" idx="0"/>
+          </p:cNvCxnSpPr>
+          <p:nvPr/>
+        </p:nvCxnSpPr>
+        <p:spPr>
+          <a:xfrm flipH="1">
+            <a:off x="809626" y="3620666"/>
+            <a:ext cx="533393" cy="692571"/>
+          </a:xfrm>
+          <a:prstGeom prst="straightConnector1">
+            <a:avLst/>
+          </a:prstGeom>
+          <a:ln w="57150">
+            <a:tailEnd type="triangle"/>
+          </a:ln>
+        </p:spPr>
+        <p:style>
+          <a:lnRef idx="3">
+            <a:schemeClr val="dk1"/>
+          </a:lnRef>
+          <a:fillRef idx="0">
+            <a:schemeClr val="dk1"/>
+          </a:fillRef>
+          <a:effectRef idx="2">
+            <a:schemeClr val="dk1"/>
+          </a:effectRef>
+          <a:fontRef idx="minor">
+            <a:schemeClr val="tx1"/>
+          </a:fontRef>
+        </p:style>
+      </p:cxnSp>
+      <p:cxnSp>
+        <p:nvCxnSpPr>
+          <p:cNvPr id="99" name="Прямая соединительная линия 98">
+            <a:extLst>
+              <a:ext uri="{FF2B5EF4-FFF2-40B4-BE49-F238E27FC236}">
+                <a16:creationId xmlns:a16="http://schemas.microsoft.com/office/drawing/2014/main" id="{D8C6AE60-5E58-4FAD-A07A-3FDBCE86FD7A}"/>
+              </a:ext>
+            </a:extLst>
+          </p:cNvPr>
+          <p:cNvCxnSpPr>
+            <a:cxnSpLocks/>
+          </p:cNvCxnSpPr>
+          <p:nvPr/>
+        </p:nvCxnSpPr>
+        <p:spPr>
+          <a:xfrm>
+            <a:off x="2505076" y="3435698"/>
+            <a:ext cx="0" cy="369936"/>
+          </a:xfrm>
+          <a:prstGeom prst="line">
+            <a:avLst/>
+          </a:prstGeom>
+        </p:spPr>
+        <p:style>
+          <a:lnRef idx="1">
+            <a:schemeClr val="dk1"/>
+          </a:lnRef>
+          <a:fillRef idx="0">
+            <a:schemeClr val="dk1"/>
+          </a:fillRef>
+          <a:effectRef idx="0">
+            <a:schemeClr val="dk1"/>
+          </a:effectRef>
+          <a:fontRef idx="minor">
+            <a:schemeClr val="tx1"/>
+          </a:fontRef>
+        </p:style>
+      </p:cxnSp>
+      <p:cxnSp>
+        <p:nvCxnSpPr>
+          <p:cNvPr id="100" name="Прямая соединительная линия 99">
+            <a:extLst>
+              <a:ext uri="{FF2B5EF4-FFF2-40B4-BE49-F238E27FC236}">
+                <a16:creationId xmlns:a16="http://schemas.microsoft.com/office/drawing/2014/main" id="{B0D12DBA-B918-434A-B816-208F7ED23911}"/>
+              </a:ext>
+            </a:extLst>
+          </p:cNvPr>
+          <p:cNvCxnSpPr>
+            <a:cxnSpLocks/>
+          </p:cNvCxnSpPr>
+          <p:nvPr/>
+        </p:nvCxnSpPr>
+        <p:spPr>
+          <a:xfrm>
+            <a:off x="9670260" y="3498425"/>
+            <a:ext cx="0" cy="425875"/>
+          </a:xfrm>
+          <a:prstGeom prst="line">
+            <a:avLst/>
+          </a:prstGeom>
+        </p:spPr>
+        <p:style>
+          <a:lnRef idx="1">
+            <a:schemeClr val="dk1"/>
+          </a:lnRef>
+          <a:fillRef idx="0">
+            <a:schemeClr val="dk1"/>
+          </a:fillRef>
+          <a:effectRef idx="0">
+            <a:schemeClr val="dk1"/>
+          </a:effectRef>
+          <a:fontRef idx="minor">
+            <a:schemeClr val="tx1"/>
+          </a:fontRef>
+        </p:style>
+      </p:cxnSp>
+      <p:cxnSp>
+        <p:nvCxnSpPr>
+          <p:cNvPr id="103" name="Прямая со стрелкой 102">
+            <a:extLst>
+              <a:ext uri="{FF2B5EF4-FFF2-40B4-BE49-F238E27FC236}">
+                <a16:creationId xmlns:a16="http://schemas.microsoft.com/office/drawing/2014/main" id="{51F5F126-BBA7-495E-96B0-5FDF75ACD4E5}"/>
+              </a:ext>
+            </a:extLst>
+          </p:cNvPr>
+          <p:cNvCxnSpPr>
+            <a:stCxn id="39" idx="2"/>
+            <a:endCxn id="62" idx="0"/>
+          </p:cNvCxnSpPr>
+          <p:nvPr/>
+        </p:nvCxnSpPr>
+        <p:spPr>
+          <a:xfrm>
+            <a:off x="2207414" y="3805634"/>
+            <a:ext cx="297662" cy="507603"/>
+          </a:xfrm>
+          <a:prstGeom prst="straightConnector1">
+            <a:avLst/>
+          </a:prstGeom>
+          <a:ln w="57150">
+            <a:tailEnd type="triangle"/>
+          </a:ln>
+        </p:spPr>
+        <p:style>
+          <a:lnRef idx="3">
+            <a:schemeClr val="dk1"/>
+          </a:lnRef>
+          <a:fillRef idx="0">
+            <a:schemeClr val="dk1"/>
+          </a:fillRef>
+          <a:effectRef idx="2">
+            <a:schemeClr val="dk1"/>
+          </a:effectRef>
+          <a:fontRef idx="minor">
+            <a:schemeClr val="tx1"/>
+          </a:fontRef>
+        </p:style>
+      </p:cxnSp>
+      <p:cxnSp>
+        <p:nvCxnSpPr>
+          <p:cNvPr id="105" name="Прямая со стрелкой 104">
+            <a:extLst>
+              <a:ext uri="{FF2B5EF4-FFF2-40B4-BE49-F238E27FC236}">
+                <a16:creationId xmlns:a16="http://schemas.microsoft.com/office/drawing/2014/main" id="{70BA7B60-ED38-4564-8FE8-C0508196DEEA}"/>
+              </a:ext>
+            </a:extLst>
+          </p:cNvPr>
+          <p:cNvCxnSpPr>
+            <a:stCxn id="39" idx="3"/>
+            <a:endCxn id="56" idx="0"/>
+          </p:cNvCxnSpPr>
+          <p:nvPr/>
+        </p:nvCxnSpPr>
+        <p:spPr>
+          <a:xfrm>
+            <a:off x="3071809" y="3620666"/>
+            <a:ext cx="1262069" cy="697777"/>
+          </a:xfrm>
+          <a:prstGeom prst="straightConnector1">
+            <a:avLst/>
+          </a:prstGeom>
+          <a:ln w="57150">
+            <a:tailEnd type="triangle"/>
+          </a:ln>
+        </p:spPr>
+        <p:style>
+          <a:lnRef idx="3">
+            <a:schemeClr val="dk1"/>
+          </a:lnRef>
+          <a:fillRef idx="0">
+            <a:schemeClr val="dk1"/>
+          </a:fillRef>
+          <a:effectRef idx="2">
+            <a:schemeClr val="dk1"/>
+          </a:effectRef>
+          <a:fontRef idx="minor">
+            <a:schemeClr val="tx1"/>
+          </a:fontRef>
+        </p:style>
+      </p:cxnSp>
+      <p:cxnSp>
+        <p:nvCxnSpPr>
+          <p:cNvPr id="106" name="Прямая со стрелкой 105">
+            <a:extLst>
+              <a:ext uri="{FF2B5EF4-FFF2-40B4-BE49-F238E27FC236}">
+                <a16:creationId xmlns:a16="http://schemas.microsoft.com/office/drawing/2014/main" id="{D5B7EE2A-17A0-4DE0-9505-C30232C3A278}"/>
+              </a:ext>
+            </a:extLst>
+          </p:cNvPr>
+          <p:cNvCxnSpPr>
+            <a:cxnSpLocks/>
+            <a:stCxn id="42" idx="1"/>
+            <a:endCxn id="44" idx="0"/>
+          </p:cNvCxnSpPr>
+          <p:nvPr/>
+        </p:nvCxnSpPr>
+        <p:spPr>
+          <a:xfrm flipH="1">
+            <a:off x="6996113" y="3711363"/>
+            <a:ext cx="1514478" cy="589945"/>
+          </a:xfrm>
+          <a:prstGeom prst="straightConnector1">
+            <a:avLst/>
+          </a:prstGeom>
+          <a:ln w="57150">
+            <a:tailEnd type="triangle"/>
+          </a:ln>
+        </p:spPr>
+        <p:style>
+          <a:lnRef idx="3">
+            <a:schemeClr val="dk1"/>
+          </a:lnRef>
+          <a:fillRef idx="0">
+            <a:schemeClr val="dk1"/>
+          </a:fillRef>
+          <a:effectRef idx="2">
+            <a:schemeClr val="dk1"/>
+          </a:effectRef>
+          <a:fontRef idx="minor">
+            <a:schemeClr val="tx1"/>
+          </a:fontRef>
+        </p:style>
+      </p:cxnSp>
+      <p:cxnSp>
+        <p:nvCxnSpPr>
+          <p:cNvPr id="109" name="Прямая со стрелкой 108">
+            <a:extLst>
+              <a:ext uri="{FF2B5EF4-FFF2-40B4-BE49-F238E27FC236}">
+                <a16:creationId xmlns:a16="http://schemas.microsoft.com/office/drawing/2014/main" id="{35537AC5-5700-40EC-85CD-60C98153C9E9}"/>
+              </a:ext>
+            </a:extLst>
+          </p:cNvPr>
+          <p:cNvCxnSpPr>
+            <a:cxnSpLocks/>
+            <a:stCxn id="42" idx="2"/>
+            <a:endCxn id="47" idx="0"/>
+          </p:cNvCxnSpPr>
+          <p:nvPr/>
+        </p:nvCxnSpPr>
+        <p:spPr>
+          <a:xfrm flipH="1">
+            <a:off x="8934449" y="3924300"/>
+            <a:ext cx="440537" cy="371360"/>
+          </a:xfrm>
+          <a:prstGeom prst="straightConnector1">
+            <a:avLst/>
+          </a:prstGeom>
+          <a:ln w="57150">
+            <a:tailEnd type="triangle"/>
+          </a:ln>
+        </p:spPr>
+        <p:style>
+          <a:lnRef idx="3">
+            <a:schemeClr val="dk1"/>
+          </a:lnRef>
+          <a:fillRef idx="0">
+            <a:schemeClr val="dk1"/>
+          </a:fillRef>
+          <a:effectRef idx="2">
+            <a:schemeClr val="dk1"/>
+          </a:effectRef>
+          <a:fontRef idx="minor">
+            <a:schemeClr val="tx1"/>
+          </a:fontRef>
+        </p:style>
+      </p:cxnSp>
+      <p:cxnSp>
+        <p:nvCxnSpPr>
+          <p:cNvPr id="112" name="Прямая со стрелкой 111">
+            <a:extLst>
+              <a:ext uri="{FF2B5EF4-FFF2-40B4-BE49-F238E27FC236}">
+                <a16:creationId xmlns:a16="http://schemas.microsoft.com/office/drawing/2014/main" id="{B6A7DA32-120C-44B3-91AB-26C66B77E63A}"/>
+              </a:ext>
+            </a:extLst>
+          </p:cNvPr>
+          <p:cNvCxnSpPr>
+            <a:cxnSpLocks/>
+            <a:stCxn id="42" idx="3"/>
+            <a:endCxn id="50" idx="0"/>
+          </p:cNvCxnSpPr>
+          <p:nvPr/>
+        </p:nvCxnSpPr>
+        <p:spPr>
+          <a:xfrm>
+            <a:off x="10239381" y="3711363"/>
+            <a:ext cx="761994" cy="592042"/>
+          </a:xfrm>
+          <a:prstGeom prst="straightConnector1">
+            <a:avLst/>
+          </a:prstGeom>
+          <a:ln w="57150">
+            <a:tailEnd type="triangle"/>
+          </a:ln>
+        </p:spPr>
+        <p:style>
+          <a:lnRef idx="3">
+            <a:schemeClr val="dk1"/>
+          </a:lnRef>
+          <a:fillRef idx="0">
+            <a:schemeClr val="dk1"/>
+          </a:fillRef>
+          <a:effectRef idx="2">
+            <a:schemeClr val="dk1"/>
+          </a:effectRef>
+          <a:fontRef idx="minor">
+            <a:schemeClr val="tx1"/>
+          </a:fontRef>
+        </p:style>
+      </p:cxnSp>
+      <p:cxnSp>
+        <p:nvCxnSpPr>
+          <p:cNvPr id="116" name="Прямая соединительная линия 115">
+            <a:extLst>
+              <a:ext uri="{FF2B5EF4-FFF2-40B4-BE49-F238E27FC236}">
+                <a16:creationId xmlns:a16="http://schemas.microsoft.com/office/drawing/2014/main" id="{B0943115-CF7A-4310-B2B9-4D6F525C1ACF}"/>
+              </a:ext>
+            </a:extLst>
+          </p:cNvPr>
+          <p:cNvCxnSpPr>
+            <a:cxnSpLocks/>
+          </p:cNvCxnSpPr>
+          <p:nvPr/>
+        </p:nvCxnSpPr>
+        <p:spPr>
+          <a:xfrm>
+            <a:off x="11563350" y="4589382"/>
+            <a:ext cx="0" cy="281838"/>
+          </a:xfrm>
+          <a:prstGeom prst="line">
+            <a:avLst/>
+          </a:prstGeom>
+        </p:spPr>
+        <p:style>
+          <a:lnRef idx="1">
+            <a:schemeClr val="dk1"/>
+          </a:lnRef>
+          <a:fillRef idx="0">
+            <a:schemeClr val="dk1"/>
+          </a:fillRef>
+          <a:effectRef idx="0">
+            <a:schemeClr val="dk1"/>
+          </a:effectRef>
+          <a:fontRef idx="minor">
+            <a:schemeClr val="tx1"/>
+          </a:fontRef>
+        </p:style>
+      </p:cxnSp>
+      <p:cxnSp>
+        <p:nvCxnSpPr>
+          <p:cNvPr id="117" name="Прямая соединительная линия 116">
+            <a:extLst>
+              <a:ext uri="{FF2B5EF4-FFF2-40B4-BE49-F238E27FC236}">
+                <a16:creationId xmlns:a16="http://schemas.microsoft.com/office/drawing/2014/main" id="{55A22F15-C258-4A9F-A83C-DF0E207404A9}"/>
+              </a:ext>
+            </a:extLst>
+          </p:cNvPr>
+          <p:cNvCxnSpPr>
+            <a:cxnSpLocks/>
+          </p:cNvCxnSpPr>
+          <p:nvPr/>
+        </p:nvCxnSpPr>
+        <p:spPr>
+          <a:xfrm>
+            <a:off x="9203536" y="4605166"/>
+            <a:ext cx="0" cy="281838"/>
+          </a:xfrm>
+          <a:prstGeom prst="line">
+            <a:avLst/>
+          </a:prstGeom>
+        </p:spPr>
+        <p:style>
+          <a:lnRef idx="1">
+            <a:schemeClr val="dk1"/>
+          </a:lnRef>
+          <a:fillRef idx="0">
+            <a:schemeClr val="dk1"/>
+          </a:fillRef>
+          <a:effectRef idx="0">
+            <a:schemeClr val="dk1"/>
+          </a:effectRef>
+          <a:fontRef idx="minor">
+            <a:schemeClr val="tx1"/>
+          </a:fontRef>
+        </p:style>
+      </p:cxnSp>
+      <p:cxnSp>
+        <p:nvCxnSpPr>
+          <p:cNvPr id="118" name="Прямая соединительная линия 117">
+            <a:extLst>
+              <a:ext uri="{FF2B5EF4-FFF2-40B4-BE49-F238E27FC236}">
+                <a16:creationId xmlns:a16="http://schemas.microsoft.com/office/drawing/2014/main" id="{77688F1A-F898-418F-97CB-819BA8DB0376}"/>
+              </a:ext>
+            </a:extLst>
+          </p:cNvPr>
+          <p:cNvCxnSpPr>
+            <a:cxnSpLocks/>
+          </p:cNvCxnSpPr>
+          <p:nvPr/>
+        </p:nvCxnSpPr>
+        <p:spPr>
+          <a:xfrm>
+            <a:off x="6743700" y="4595981"/>
+            <a:ext cx="0" cy="281838"/>
+          </a:xfrm>
+          <a:prstGeom prst="line">
+            <a:avLst/>
+          </a:prstGeom>
+        </p:spPr>
+        <p:style>
+          <a:lnRef idx="1">
+            <a:schemeClr val="dk1"/>
+          </a:lnRef>
+          <a:fillRef idx="0">
+            <a:schemeClr val="dk1"/>
+          </a:fillRef>
+          <a:effectRef idx="0">
+            <a:schemeClr val="dk1"/>
+          </a:effectRef>
+          <a:fontRef idx="minor">
+            <a:schemeClr val="tx1"/>
+          </a:fontRef>
+        </p:style>
+      </p:cxnSp>
+      <p:cxnSp>
+        <p:nvCxnSpPr>
+          <p:cNvPr id="120" name="Прямая соединительная линия 119">
+            <a:extLst>
+              <a:ext uri="{FF2B5EF4-FFF2-40B4-BE49-F238E27FC236}">
+                <a16:creationId xmlns:a16="http://schemas.microsoft.com/office/drawing/2014/main" id="{0702673B-CB16-43B2-A2A1-7D47A83BAB37}"/>
+              </a:ext>
+            </a:extLst>
+          </p:cNvPr>
+          <p:cNvCxnSpPr>
+            <a:cxnSpLocks/>
+          </p:cNvCxnSpPr>
+          <p:nvPr/>
+        </p:nvCxnSpPr>
+        <p:spPr>
+          <a:xfrm>
+            <a:off x="7267575" y="4585910"/>
+            <a:ext cx="0" cy="281838"/>
+          </a:xfrm>
+          <a:prstGeom prst="line">
+            <a:avLst/>
+          </a:prstGeom>
+        </p:spPr>
+        <p:style>
+          <a:lnRef idx="1">
+            <a:schemeClr val="dk1"/>
+          </a:lnRef>
+          <a:fillRef idx="0">
+            <a:schemeClr val="dk1"/>
+          </a:fillRef>
+          <a:effectRef idx="0">
+            <a:schemeClr val="dk1"/>
+          </a:effectRef>
+          <a:fontRef idx="minor">
+            <a:schemeClr val="tx1"/>
+          </a:fontRef>
+        </p:style>
+      </p:cxnSp>
+      <p:cxnSp>
+        <p:nvCxnSpPr>
+          <p:cNvPr id="121" name="Прямая соединительная линия 120">
+            <a:extLst>
+              <a:ext uri="{FF2B5EF4-FFF2-40B4-BE49-F238E27FC236}">
+                <a16:creationId xmlns:a16="http://schemas.microsoft.com/office/drawing/2014/main" id="{5E6C8E59-1701-44B9-8412-DC998F2DD198}"/>
+              </a:ext>
+            </a:extLst>
+          </p:cNvPr>
+          <p:cNvCxnSpPr>
+            <a:cxnSpLocks/>
+          </p:cNvCxnSpPr>
+          <p:nvPr/>
+        </p:nvCxnSpPr>
+        <p:spPr>
+          <a:xfrm>
+            <a:off x="4752975" y="4621949"/>
+            <a:ext cx="0" cy="281838"/>
+          </a:xfrm>
+          <a:prstGeom prst="line">
+            <a:avLst/>
+          </a:prstGeom>
+        </p:spPr>
+        <p:style>
+          <a:lnRef idx="1">
+            <a:schemeClr val="dk1"/>
+          </a:lnRef>
+          <a:fillRef idx="0">
+            <a:schemeClr val="dk1"/>
+          </a:fillRef>
+          <a:effectRef idx="0">
+            <a:schemeClr val="dk1"/>
+          </a:effectRef>
+          <a:fontRef idx="minor">
+            <a:schemeClr val="tx1"/>
+          </a:fontRef>
+        </p:style>
+      </p:cxnSp>
+      <p:cxnSp>
+        <p:nvCxnSpPr>
+          <p:cNvPr id="122" name="Прямая соединительная линия 121">
+            <a:extLst>
+              <a:ext uri="{FF2B5EF4-FFF2-40B4-BE49-F238E27FC236}">
+                <a16:creationId xmlns:a16="http://schemas.microsoft.com/office/drawing/2014/main" id="{9230E3F2-D0D6-4B47-9850-448E6618184E}"/>
+              </a:ext>
+            </a:extLst>
+          </p:cNvPr>
+          <p:cNvCxnSpPr>
+            <a:cxnSpLocks/>
+          </p:cNvCxnSpPr>
+          <p:nvPr/>
+        </p:nvCxnSpPr>
+        <p:spPr>
+          <a:xfrm>
+            <a:off x="1000125" y="4613763"/>
+            <a:ext cx="0" cy="281838"/>
+          </a:xfrm>
+          <a:prstGeom prst="line">
+            <a:avLst/>
+          </a:prstGeom>
+        </p:spPr>
+        <p:style>
+          <a:lnRef idx="1">
+            <a:schemeClr val="dk1"/>
+          </a:lnRef>
+          <a:fillRef idx="0">
+            <a:schemeClr val="dk1"/>
+          </a:fillRef>
+          <a:effectRef idx="0">
+            <a:schemeClr val="dk1"/>
+          </a:effectRef>
+          <a:fontRef idx="minor">
+            <a:schemeClr val="tx1"/>
+          </a:fontRef>
+        </p:style>
+      </p:cxnSp>
+      <p:cxnSp>
+        <p:nvCxnSpPr>
+          <p:cNvPr id="123" name="Прямая соединительная линия 122">
+            <a:extLst>
+              <a:ext uri="{FF2B5EF4-FFF2-40B4-BE49-F238E27FC236}">
+                <a16:creationId xmlns:a16="http://schemas.microsoft.com/office/drawing/2014/main" id="{CE295ABE-1B1C-4A82-B290-1462D86FEB92}"/>
+              </a:ext>
+            </a:extLst>
+          </p:cNvPr>
+          <p:cNvCxnSpPr>
+            <a:cxnSpLocks/>
+          </p:cNvCxnSpPr>
+          <p:nvPr/>
+        </p:nvCxnSpPr>
+        <p:spPr>
+          <a:xfrm>
+            <a:off x="2771775" y="4631268"/>
+            <a:ext cx="0" cy="281838"/>
+          </a:xfrm>
+          <a:prstGeom prst="line">
+            <a:avLst/>
+          </a:prstGeom>
+        </p:spPr>
+        <p:style>
+          <a:lnRef idx="1">
+            <a:schemeClr val="dk1"/>
+          </a:lnRef>
+          <a:fillRef idx="0">
+            <a:schemeClr val="dk1"/>
+          </a:fillRef>
+          <a:effectRef idx="0">
+            <a:schemeClr val="dk1"/>
+          </a:effectRef>
+          <a:fontRef idx="minor">
+            <a:schemeClr val="tx1"/>
+          </a:fontRef>
+        </p:style>
+      </p:cxnSp>
+    </p:spTree>
+    <p:extLst>
+      <p:ext uri="{BB962C8B-B14F-4D97-AF65-F5344CB8AC3E}">
+        <p14:creationId xmlns:p14="http://schemas.microsoft.com/office/powerpoint/2010/main" val="3161439594"/>
+      </p:ext>
+    </p:extLst>
+  </p:cSld>
+  <p:clrMapOvr>
+    <a:masterClrMapping/>
+  </p:clrMapOvr>
+</p:sld>
+</file>
+
+<file path=ppt/slides/slide3.xml><?xml version="1.0" encoding="utf-8"?>
+<p:sld xmlns:a="http://schemas.openxmlformats.org/drawingml/2006/main" xmlns:r="http://schemas.openxmlformats.org/officeDocument/2006/relationships" xmlns:p="http://schemas.openxmlformats.org/presentationml/2006/main">
+  <p:cSld>
+    <p:spTree>
+      <p:nvGrpSpPr>
+        <p:cNvPr id="1" name=""/>
+        <p:cNvGrpSpPr/>
+        <p:nvPr/>
+      </p:nvGrpSpPr>
+      <p:grpSpPr>
+        <a:xfrm>
+          <a:off x="0" y="0"/>
+          <a:ext cx="0" cy="0"/>
+          <a:chOff x="0" y="0"/>
+          <a:chExt cx="0" cy="0"/>
+        </a:xfrm>
+      </p:grpSpPr>
+      <p:sp>
+        <p:nvSpPr>
+          <p:cNvPr id="2" name="Заголовок 1">
+            <a:extLst>
+              <a:ext uri="{FF2B5EF4-FFF2-40B4-BE49-F238E27FC236}">
+                <a16:creationId xmlns:a16="http://schemas.microsoft.com/office/drawing/2014/main" id="{265D8430-A8CC-46EF-9DF2-CF3E227F4D9E}"/>
+              </a:ext>
+            </a:extLst>
+          </p:cNvPr>
+          <p:cNvSpPr>
+            <a:spLocks noGrp="1"/>
+          </p:cNvSpPr>
+          <p:nvPr>
+            <p:ph type="title"/>
+          </p:nvPr>
+        </p:nvSpPr>
         <p:spPr/>
         <p:txBody>
           <a:bodyPr/>
           <a:lstStyle/>
           <a:p>
+            <a:r>
+              <a:rPr lang="ru-RU" dirty="0"/>
+              <a:t>Свойства </a:t>
+            </a:r>
+            <a:r>
+              <a:rPr lang="en-US" dirty="0"/>
+              <a:t>B-</a:t>
+            </a:r>
+            <a:r>
+              <a:rPr lang="ru-RU" dirty="0"/>
+              <a:t>дерева</a:t>
+            </a:r>
+          </a:p>
+        </p:txBody>
+      </p:sp>
+      <p:sp>
+        <p:nvSpPr>
+          <p:cNvPr id="3" name="Объект 2">
+            <a:extLst>
+              <a:ext uri="{FF2B5EF4-FFF2-40B4-BE49-F238E27FC236}">
+                <a16:creationId xmlns:a16="http://schemas.microsoft.com/office/drawing/2014/main" id="{E6DEDE16-D823-4522-92B8-A4B68EF9727E}"/>
+              </a:ext>
+            </a:extLst>
+          </p:cNvPr>
+          <p:cNvSpPr>
+            <a:spLocks noGrp="1"/>
+          </p:cNvSpPr>
+          <p:nvPr>
+            <p:ph idx="1"/>
+          </p:nvPr>
+        </p:nvSpPr>
+        <p:spPr/>
+        <p:txBody>
+          <a:bodyPr/>
+          <a:lstStyle/>
+          <a:p>
+            <a:pPr marL="342900" lvl="0" indent="-342900">
+              <a:lnSpc>
+                <a:spcPct val="107000"/>
+              </a:lnSpc>
+              <a:buFont typeface="Symbol" panose="05050102010706020507" pitchFamily="18" charset="2"/>
+              <a:buChar char=""/>
+            </a:pPr>
+            <a:r>
+              <a:rPr lang="ru-RU" sz="1800" dirty="0">
+                <a:effectLst/>
+                <a:latin typeface="Calibri" panose="020F0502020204030204" pitchFamily="34" charset="0"/>
+                <a:ea typeface="Calibri" panose="020F0502020204030204" pitchFamily="34" charset="0"/>
+                <a:cs typeface="Times New Roman" panose="02020603050405020304" pitchFamily="18" charset="0"/>
+              </a:rPr>
+              <a:t>Каждый узел, кроме корня, содержит не менее t−1 ключей, и каждый внутренний узел имеет по меньшей мере t дочерних узлов. Если дерево не является пустым, корень должен содержать как минимум один ключ</a:t>
+            </a:r>
+          </a:p>
+          <a:p>
+            <a:pPr marL="342900" lvl="0" indent="-342900">
+              <a:lnSpc>
+                <a:spcPct val="107000"/>
+              </a:lnSpc>
+              <a:buFont typeface="Symbol" panose="05050102010706020507" pitchFamily="18" charset="2"/>
+              <a:buChar char=""/>
+            </a:pPr>
+            <a:r>
+              <a:rPr lang="ru-RU" sz="1800" dirty="0">
+                <a:effectLst/>
+                <a:latin typeface="Calibri" panose="020F0502020204030204" pitchFamily="34" charset="0"/>
+                <a:ea typeface="Calibri" panose="020F0502020204030204" pitchFamily="34" charset="0"/>
+                <a:cs typeface="Times New Roman" panose="02020603050405020304" pitchFamily="18" charset="0"/>
+              </a:rPr>
+              <a:t>Каждый узел, кроме корня, содержит не более 2t−1ключей и не более чем 2t детей во внутренних узлах</a:t>
+            </a:r>
+          </a:p>
+          <a:p>
+            <a:pPr marL="342900" lvl="0" indent="-342900">
+              <a:lnSpc>
+                <a:spcPct val="107000"/>
+              </a:lnSpc>
+              <a:buFont typeface="Symbol" panose="05050102010706020507" pitchFamily="18" charset="2"/>
+              <a:buChar char=""/>
+            </a:pPr>
+            <a:r>
+              <a:rPr lang="ru-RU" sz="1800" dirty="0">
+                <a:effectLst/>
+                <a:latin typeface="Calibri" panose="020F0502020204030204" pitchFamily="34" charset="0"/>
+                <a:ea typeface="Calibri" panose="020F0502020204030204" pitchFamily="34" charset="0"/>
+                <a:cs typeface="Times New Roman" panose="02020603050405020304" pitchFamily="18" charset="0"/>
+              </a:rPr>
+              <a:t>Корень содержит от 1 до 2t−1 ключей, если дерево не пусто и от 2 до 2t детей при высоте большей 0</a:t>
+            </a:r>
+          </a:p>
+          <a:p>
+            <a:pPr marL="342900" lvl="0" indent="-342900">
+              <a:lnSpc>
+                <a:spcPct val="107000"/>
+              </a:lnSpc>
+              <a:buFont typeface="Symbol" panose="05050102010706020507" pitchFamily="18" charset="2"/>
+              <a:buChar char=""/>
+            </a:pPr>
+            <a:r>
+              <a:rPr lang="ru-RU" sz="1800" dirty="0">
+                <a:effectLst/>
+                <a:latin typeface="Calibri" panose="020F0502020204030204" pitchFamily="34" charset="0"/>
+                <a:ea typeface="Calibri" panose="020F0502020204030204" pitchFamily="34" charset="0"/>
+                <a:cs typeface="Times New Roman" panose="02020603050405020304" pitchFamily="18" charset="0"/>
+              </a:rPr>
+              <a:t>Каждый узел дерева, кроме листьев, содержащий ключи k1,...,</a:t>
+            </a:r>
+            <a:r>
+              <a:rPr lang="ru-RU" sz="1800" dirty="0" err="1">
+                <a:effectLst/>
+                <a:latin typeface="Calibri" panose="020F0502020204030204" pitchFamily="34" charset="0"/>
+                <a:ea typeface="Calibri" panose="020F0502020204030204" pitchFamily="34" charset="0"/>
+                <a:cs typeface="Times New Roman" panose="02020603050405020304" pitchFamily="18" charset="0"/>
+              </a:rPr>
+              <a:t>kn</a:t>
+            </a:r>
+            <a:r>
+              <a:rPr lang="ru-RU" sz="1800" dirty="0">
+                <a:effectLst/>
+                <a:latin typeface="Calibri" panose="020F0502020204030204" pitchFamily="34" charset="0"/>
+                <a:ea typeface="Calibri" panose="020F0502020204030204" pitchFamily="34" charset="0"/>
+                <a:cs typeface="Times New Roman" panose="02020603050405020304" pitchFamily="18" charset="0"/>
+              </a:rPr>
+              <a:t> имеет n+1 сына. i-й сын содержит ключи из отрезка [k</a:t>
+            </a:r>
+            <a:r>
+              <a:rPr lang="en-US" sz="1800" dirty="0">
+                <a:latin typeface="Calibri" panose="020F0502020204030204" pitchFamily="34" charset="0"/>
+                <a:ea typeface="Calibri" panose="020F0502020204030204" pitchFamily="34" charset="0"/>
+                <a:cs typeface="Times New Roman" panose="02020603050405020304" pitchFamily="18" charset="0"/>
+              </a:rPr>
+              <a:t>i</a:t>
+            </a:r>
+            <a:r>
+              <a:rPr lang="ru-RU" sz="1800" dirty="0">
+                <a:effectLst/>
+                <a:latin typeface="Calibri" panose="020F0502020204030204" pitchFamily="34" charset="0"/>
+                <a:ea typeface="Calibri" panose="020F0502020204030204" pitchFamily="34" charset="0"/>
+                <a:cs typeface="Times New Roman" panose="02020603050405020304" pitchFamily="18" charset="0"/>
+              </a:rPr>
+              <a:t>−1;ki],k0=−∞,kn+1= +∞</a:t>
+            </a:r>
+          </a:p>
+          <a:p>
+            <a:pPr marL="342900" lvl="0" indent="-342900">
+              <a:lnSpc>
+                <a:spcPct val="107000"/>
+              </a:lnSpc>
+              <a:buFont typeface="Symbol" panose="05050102010706020507" pitchFamily="18" charset="2"/>
+              <a:buChar char=""/>
+            </a:pPr>
+            <a:r>
+              <a:rPr lang="ru-RU" sz="1800" dirty="0">
+                <a:effectLst/>
+                <a:latin typeface="Calibri" panose="020F0502020204030204" pitchFamily="34" charset="0"/>
+                <a:ea typeface="Calibri" panose="020F0502020204030204" pitchFamily="34" charset="0"/>
+                <a:cs typeface="Times New Roman" panose="02020603050405020304" pitchFamily="18" charset="0"/>
+              </a:rPr>
+              <a:t>Ключи в каждом узле упорядочены по </a:t>
+            </a:r>
+            <a:r>
+              <a:rPr lang="ru-RU" sz="1800" dirty="0">
+                <a:latin typeface="Calibri" panose="020F0502020204030204" pitchFamily="34" charset="0"/>
+                <a:ea typeface="Calibri" panose="020F0502020204030204" pitchFamily="34" charset="0"/>
+                <a:cs typeface="Times New Roman" panose="02020603050405020304" pitchFamily="18" charset="0"/>
+              </a:rPr>
+              <a:t>возрастанию</a:t>
+            </a:r>
+            <a:endParaRPr lang="ru-RU" sz="1800" dirty="0">
+              <a:effectLst/>
+              <a:latin typeface="Calibri" panose="020F0502020204030204" pitchFamily="34" charset="0"/>
+              <a:ea typeface="Calibri" panose="020F0502020204030204" pitchFamily="34" charset="0"/>
+              <a:cs typeface="Times New Roman" panose="02020603050405020304" pitchFamily="18" charset="0"/>
+            </a:endParaRPr>
+          </a:p>
+          <a:p>
+            <a:pPr marL="342900" lvl="0" indent="-342900">
+              <a:lnSpc>
+                <a:spcPct val="107000"/>
+              </a:lnSpc>
+              <a:spcAft>
+                <a:spcPts val="800"/>
+              </a:spcAft>
+              <a:buFont typeface="Symbol" panose="05050102010706020507" pitchFamily="18" charset="2"/>
+              <a:buChar char=""/>
+            </a:pPr>
+            <a:r>
+              <a:rPr lang="ru-RU" sz="1800" dirty="0">
+                <a:effectLst/>
+                <a:latin typeface="Calibri" panose="020F0502020204030204" pitchFamily="34" charset="0"/>
+                <a:ea typeface="Calibri" panose="020F0502020204030204" pitchFamily="34" charset="0"/>
+                <a:cs typeface="Times New Roman" panose="02020603050405020304" pitchFamily="18" charset="0"/>
+              </a:rPr>
+              <a:t>Все листья находятся на одном уровне</a:t>
+            </a:r>
+          </a:p>
+          <a:p>
+            <a:pPr marL="0" indent="0">
+              <a:buNone/>
+            </a:pPr>
             <a:endParaRPr lang="ru-RU" dirty="0"/>
           </a:p>
         </p:txBody>
@@ -3473,7 +6461,4898 @@
     </p:spTree>
     <p:extLst>
       <p:ext uri="{BB962C8B-B14F-4D97-AF65-F5344CB8AC3E}">
-        <p14:creationId xmlns:p14="http://schemas.microsoft.com/office/powerpoint/2010/main" val="3161439594"/>
+        <p14:creationId xmlns:p14="http://schemas.microsoft.com/office/powerpoint/2010/main" val="1637289283"/>
+      </p:ext>
+    </p:extLst>
+  </p:cSld>
+  <p:clrMapOvr>
+    <a:masterClrMapping/>
+  </p:clrMapOvr>
+</p:sld>
+</file>
+
+<file path=ppt/slides/slide4.xml><?xml version="1.0" encoding="utf-8"?>
+<p:sld xmlns:a="http://schemas.openxmlformats.org/drawingml/2006/main" xmlns:r="http://schemas.openxmlformats.org/officeDocument/2006/relationships" xmlns:p="http://schemas.openxmlformats.org/presentationml/2006/main">
+  <p:cSld>
+    <p:spTree>
+      <p:nvGrpSpPr>
+        <p:cNvPr id="1" name=""/>
+        <p:cNvGrpSpPr/>
+        <p:nvPr/>
+      </p:nvGrpSpPr>
+      <p:grpSpPr>
+        <a:xfrm>
+          <a:off x="0" y="0"/>
+          <a:ext cx="0" cy="0"/>
+          <a:chOff x="0" y="0"/>
+          <a:chExt cx="0" cy="0"/>
+        </a:xfrm>
+      </p:grpSpPr>
+      <p:sp>
+        <p:nvSpPr>
+          <p:cNvPr id="2" name="Заголовок 1">
+            <a:extLst>
+              <a:ext uri="{FF2B5EF4-FFF2-40B4-BE49-F238E27FC236}">
+                <a16:creationId xmlns:a16="http://schemas.microsoft.com/office/drawing/2014/main" id="{91793577-F808-4E1D-8F20-8B2C829A6D63}"/>
+              </a:ext>
+            </a:extLst>
+          </p:cNvPr>
+          <p:cNvSpPr>
+            <a:spLocks noGrp="1"/>
+          </p:cNvSpPr>
+          <p:nvPr>
+            <p:ph type="title"/>
+          </p:nvPr>
+        </p:nvSpPr>
+        <p:spPr/>
+        <p:txBody>
+          <a:bodyPr/>
+          <a:lstStyle/>
+          <a:p>
+            <a:r>
+              <a:rPr lang="ru-RU" dirty="0"/>
+              <a:t>Зачем </a:t>
+            </a:r>
+            <a:r>
+              <a:rPr lang="en-US" dirty="0"/>
+              <a:t>B</a:t>
+            </a:r>
+            <a:r>
+              <a:rPr lang="ru-RU" dirty="0"/>
+              <a:t>-дерево?</a:t>
+            </a:r>
+            <a:r>
+              <a:rPr lang="en-US" dirty="0"/>
+              <a:t> </a:t>
+            </a:r>
+            <a:endParaRPr lang="ru-RU" dirty="0"/>
+          </a:p>
+        </p:txBody>
+      </p:sp>
+      <p:sp>
+        <p:nvSpPr>
+          <p:cNvPr id="3" name="Объект 2">
+            <a:extLst>
+              <a:ext uri="{FF2B5EF4-FFF2-40B4-BE49-F238E27FC236}">
+                <a16:creationId xmlns:a16="http://schemas.microsoft.com/office/drawing/2014/main" id="{67F24178-A0A0-4047-821F-AB362E084D76}"/>
+              </a:ext>
+            </a:extLst>
+          </p:cNvPr>
+          <p:cNvSpPr>
+            <a:spLocks noGrp="1"/>
+          </p:cNvSpPr>
+          <p:nvPr>
+            <p:ph idx="1"/>
+          </p:nvPr>
+        </p:nvSpPr>
+        <p:spPr/>
+        <p:txBody>
+          <a:bodyPr/>
+          <a:lstStyle/>
+          <a:p>
+            <a:pPr>
+              <a:lnSpc>
+                <a:spcPct val="107000"/>
+              </a:lnSpc>
+              <a:spcAft>
+                <a:spcPts val="1200"/>
+              </a:spcAft>
+            </a:pPr>
+            <a:r>
+              <a:rPr lang="ru-RU" sz="1800" dirty="0">
+                <a:solidFill>
+                  <a:srgbClr val="4A4A4A"/>
+                </a:solidFill>
+                <a:latin typeface="Segoe UI" panose="020B0502040204020203" pitchFamily="34" charset="0"/>
+                <a:ea typeface="Times New Roman" panose="02020603050405020304" pitchFamily="18" charset="0"/>
+                <a:cs typeface="Times New Roman" panose="02020603050405020304" pitchFamily="18" charset="0"/>
+              </a:rPr>
+              <a:t>С</a:t>
+            </a:r>
+            <a:r>
+              <a:rPr lang="ru-RU" sz="1800" dirty="0">
+                <a:solidFill>
+                  <a:srgbClr val="4A4A4A"/>
+                </a:solidFill>
+                <a:effectLst/>
+                <a:latin typeface="Segoe UI" panose="020B0502040204020203" pitchFamily="34" charset="0"/>
+                <a:ea typeface="Times New Roman" panose="02020603050405020304" pitchFamily="18" charset="0"/>
+                <a:cs typeface="Times New Roman" panose="02020603050405020304" pitchFamily="18" charset="0"/>
+              </a:rPr>
+              <a:t>ократить время доступа к физическим носителям информации </a:t>
+            </a:r>
+          </a:p>
+          <a:p>
+            <a:pPr>
+              <a:lnSpc>
+                <a:spcPct val="107000"/>
+              </a:lnSpc>
+              <a:spcAft>
+                <a:spcPts val="1200"/>
+              </a:spcAft>
+            </a:pPr>
+            <a:r>
+              <a:rPr lang="ru-RU" sz="1800" dirty="0">
+                <a:solidFill>
+                  <a:srgbClr val="4A4A4A"/>
+                </a:solidFill>
+                <a:effectLst/>
+                <a:latin typeface="Segoe UI" panose="020B0502040204020203" pitchFamily="34" charset="0"/>
+                <a:ea typeface="Times New Roman" panose="02020603050405020304" pitchFamily="18" charset="0"/>
+                <a:cs typeface="Times New Roman" panose="02020603050405020304" pitchFamily="18" charset="0"/>
+              </a:rPr>
+              <a:t>Аналоги могут хранить только один ключ в одном узле, из-за этого время доступа сильно увеличивается</a:t>
+            </a:r>
+          </a:p>
+          <a:p>
+            <a:pPr>
+              <a:lnSpc>
+                <a:spcPct val="107000"/>
+              </a:lnSpc>
+              <a:spcAft>
+                <a:spcPts val="1200"/>
+              </a:spcAft>
+            </a:pPr>
+            <a:r>
+              <a:rPr lang="ru-RU" sz="1800" dirty="0">
+                <a:solidFill>
+                  <a:srgbClr val="4A4A4A"/>
+                </a:solidFill>
+                <a:latin typeface="Segoe UI" panose="020B0502040204020203" pitchFamily="34" charset="0"/>
+                <a:ea typeface="Calibri" panose="020F0502020204030204" pitchFamily="34" charset="0"/>
+                <a:cs typeface="Times New Roman" panose="02020603050405020304" pitchFamily="18" charset="0"/>
+              </a:rPr>
+              <a:t>Все операции выполняются за </a:t>
+            </a:r>
+            <a:r>
+              <a:rPr lang="en-US" sz="1800" dirty="0">
+                <a:solidFill>
+                  <a:srgbClr val="4A4A4A"/>
+                </a:solidFill>
+                <a:latin typeface="Segoe UI" panose="020B0502040204020203" pitchFamily="34" charset="0"/>
+                <a:ea typeface="Calibri" panose="020F0502020204030204" pitchFamily="34" charset="0"/>
+                <a:cs typeface="Times New Roman" panose="02020603050405020304" pitchFamily="18" charset="0"/>
+              </a:rPr>
+              <a:t>O(</a:t>
+            </a:r>
+            <a:r>
+              <a:rPr lang="en-US" sz="1800" dirty="0" err="1">
+                <a:solidFill>
+                  <a:srgbClr val="4A4A4A"/>
+                </a:solidFill>
+                <a:latin typeface="Segoe UI" panose="020B0502040204020203" pitchFamily="34" charset="0"/>
+                <a:ea typeface="Calibri" panose="020F0502020204030204" pitchFamily="34" charset="0"/>
+                <a:cs typeface="Times New Roman" panose="02020603050405020304" pitchFamily="18" charset="0"/>
+              </a:rPr>
+              <a:t>logN</a:t>
+            </a:r>
+            <a:r>
+              <a:rPr lang="en-US" sz="1800" dirty="0">
+                <a:solidFill>
+                  <a:srgbClr val="4A4A4A"/>
+                </a:solidFill>
+                <a:latin typeface="Segoe UI" panose="020B0502040204020203" pitchFamily="34" charset="0"/>
+                <a:ea typeface="Calibri" panose="020F0502020204030204" pitchFamily="34" charset="0"/>
+                <a:cs typeface="Times New Roman" panose="02020603050405020304" pitchFamily="18" charset="0"/>
+              </a:rPr>
+              <a:t>)</a:t>
+            </a:r>
+          </a:p>
+          <a:p>
+            <a:pPr>
+              <a:lnSpc>
+                <a:spcPct val="107000"/>
+              </a:lnSpc>
+              <a:spcAft>
+                <a:spcPts val="1200"/>
+              </a:spcAft>
+            </a:pPr>
+            <a:r>
+              <a:rPr lang="ru-RU" sz="1800" dirty="0">
+                <a:solidFill>
+                  <a:srgbClr val="4A4A4A"/>
+                </a:solidFill>
+                <a:latin typeface="Segoe UI" panose="020B0502040204020203" pitchFamily="34" charset="0"/>
+                <a:ea typeface="Calibri" panose="020F0502020204030204" pitchFamily="34" charset="0"/>
+                <a:cs typeface="Times New Roman" panose="02020603050405020304" pitchFamily="18" charset="0"/>
+              </a:rPr>
+              <a:t>Относительная гибкость настройки </a:t>
+            </a:r>
+            <a:endParaRPr lang="ru-RU" sz="1800" dirty="0">
+              <a:effectLst/>
+              <a:latin typeface="Calibri" panose="020F0502020204030204" pitchFamily="34" charset="0"/>
+              <a:ea typeface="Calibri" panose="020F0502020204030204" pitchFamily="34" charset="0"/>
+              <a:cs typeface="Times New Roman" panose="02020603050405020304" pitchFamily="18" charset="0"/>
+            </a:endParaRPr>
+          </a:p>
+          <a:p>
+            <a:pPr marL="0" indent="0">
+              <a:buNone/>
+            </a:pPr>
+            <a:endParaRPr lang="ru-RU" dirty="0"/>
+          </a:p>
+        </p:txBody>
+      </p:sp>
+    </p:spTree>
+    <p:extLst>
+      <p:ext uri="{BB962C8B-B14F-4D97-AF65-F5344CB8AC3E}">
+        <p14:creationId xmlns:p14="http://schemas.microsoft.com/office/powerpoint/2010/main" val="3578342106"/>
+      </p:ext>
+    </p:extLst>
+  </p:cSld>
+  <p:clrMapOvr>
+    <a:masterClrMapping/>
+  </p:clrMapOvr>
+</p:sld>
+</file>
+
+<file path=ppt/slides/slide5.xml><?xml version="1.0" encoding="utf-8"?>
+<p:sld xmlns:a="http://schemas.openxmlformats.org/drawingml/2006/main" xmlns:r="http://schemas.openxmlformats.org/officeDocument/2006/relationships" xmlns:p="http://schemas.openxmlformats.org/presentationml/2006/main">
+  <p:cSld>
+    <p:spTree>
+      <p:nvGrpSpPr>
+        <p:cNvPr id="1" name=""/>
+        <p:cNvGrpSpPr/>
+        <p:nvPr/>
+      </p:nvGrpSpPr>
+      <p:grpSpPr>
+        <a:xfrm>
+          <a:off x="0" y="0"/>
+          <a:ext cx="0" cy="0"/>
+          <a:chOff x="0" y="0"/>
+          <a:chExt cx="0" cy="0"/>
+        </a:xfrm>
+      </p:grpSpPr>
+      <p:sp>
+        <p:nvSpPr>
+          <p:cNvPr id="2" name="Заголовок 1">
+            <a:extLst>
+              <a:ext uri="{FF2B5EF4-FFF2-40B4-BE49-F238E27FC236}">
+                <a16:creationId xmlns:a16="http://schemas.microsoft.com/office/drawing/2014/main" id="{D3C591A4-6573-40A4-8D88-A97B2B7FE58D}"/>
+              </a:ext>
+            </a:extLst>
+          </p:cNvPr>
+          <p:cNvSpPr>
+            <a:spLocks noGrp="1"/>
+          </p:cNvSpPr>
+          <p:nvPr>
+            <p:ph type="title"/>
+          </p:nvPr>
+        </p:nvSpPr>
+        <p:spPr/>
+        <p:txBody>
+          <a:bodyPr/>
+          <a:lstStyle/>
+          <a:p>
+            <a:r>
+              <a:rPr lang="ru-RU" dirty="0"/>
+              <a:t>Операции с </a:t>
+            </a:r>
+            <a:r>
+              <a:rPr lang="en-US" dirty="0"/>
+              <a:t>B-</a:t>
+            </a:r>
+            <a:r>
+              <a:rPr lang="ru-RU" dirty="0"/>
+              <a:t>деревьями</a:t>
+            </a:r>
+          </a:p>
+        </p:txBody>
+      </p:sp>
+      <p:sp>
+        <p:nvSpPr>
+          <p:cNvPr id="3" name="Объект 2">
+            <a:extLst>
+              <a:ext uri="{FF2B5EF4-FFF2-40B4-BE49-F238E27FC236}">
+                <a16:creationId xmlns:a16="http://schemas.microsoft.com/office/drawing/2014/main" id="{A32C3F9E-5C7B-4E3D-A8C2-7E9168B02471}"/>
+              </a:ext>
+            </a:extLst>
+          </p:cNvPr>
+          <p:cNvSpPr>
+            <a:spLocks noGrp="1"/>
+          </p:cNvSpPr>
+          <p:nvPr>
+            <p:ph idx="1"/>
+          </p:nvPr>
+        </p:nvSpPr>
+        <p:spPr/>
+        <p:txBody>
+          <a:bodyPr/>
+          <a:lstStyle/>
+          <a:p>
+            <a:endParaRPr lang="ru-RU" dirty="0"/>
+          </a:p>
+        </p:txBody>
+      </p:sp>
+    </p:spTree>
+    <p:extLst>
+      <p:ext uri="{BB962C8B-B14F-4D97-AF65-F5344CB8AC3E}">
+        <p14:creationId xmlns:p14="http://schemas.microsoft.com/office/powerpoint/2010/main" val="3222778507"/>
+      </p:ext>
+    </p:extLst>
+  </p:cSld>
+  <p:clrMapOvr>
+    <a:masterClrMapping/>
+  </p:clrMapOvr>
+</p:sld>
+</file>
+
+<file path=ppt/slides/slide6.xml><?xml version="1.0" encoding="utf-8"?>
+<p:sld xmlns:a="http://schemas.openxmlformats.org/drawingml/2006/main" xmlns:r="http://schemas.openxmlformats.org/officeDocument/2006/relationships" xmlns:p="http://schemas.openxmlformats.org/presentationml/2006/main">
+  <p:cSld>
+    <p:spTree>
+      <p:nvGrpSpPr>
+        <p:cNvPr id="1" name=""/>
+        <p:cNvGrpSpPr/>
+        <p:nvPr/>
+      </p:nvGrpSpPr>
+      <p:grpSpPr>
+        <a:xfrm>
+          <a:off x="0" y="0"/>
+          <a:ext cx="0" cy="0"/>
+          <a:chOff x="0" y="0"/>
+          <a:chExt cx="0" cy="0"/>
+        </a:xfrm>
+      </p:grpSpPr>
+      <p:sp>
+        <p:nvSpPr>
+          <p:cNvPr id="2" name="Заголовок 1">
+            <a:extLst>
+              <a:ext uri="{FF2B5EF4-FFF2-40B4-BE49-F238E27FC236}">
+                <a16:creationId xmlns:a16="http://schemas.microsoft.com/office/drawing/2014/main" id="{5447B059-20A9-4D55-929E-F0F712248C58}"/>
+              </a:ext>
+            </a:extLst>
+          </p:cNvPr>
+          <p:cNvSpPr>
+            <a:spLocks noGrp="1"/>
+          </p:cNvSpPr>
+          <p:nvPr>
+            <p:ph type="title"/>
+          </p:nvPr>
+        </p:nvSpPr>
+        <p:spPr/>
+        <p:txBody>
+          <a:bodyPr/>
+          <a:lstStyle/>
+          <a:p>
+            <a:r>
+              <a:rPr lang="ru-RU" dirty="0"/>
+              <a:t>Поиск элемента</a:t>
+            </a:r>
+          </a:p>
+        </p:txBody>
+      </p:sp>
+      <p:grpSp>
+        <p:nvGrpSpPr>
+          <p:cNvPr id="4" name="Группа 3">
+            <a:extLst>
+              <a:ext uri="{FF2B5EF4-FFF2-40B4-BE49-F238E27FC236}">
+                <a16:creationId xmlns:a16="http://schemas.microsoft.com/office/drawing/2014/main" id="{E0F784A5-AD61-4631-8AD5-941F1395DFE6}"/>
+              </a:ext>
+            </a:extLst>
+          </p:cNvPr>
+          <p:cNvGrpSpPr/>
+          <p:nvPr/>
+        </p:nvGrpSpPr>
+        <p:grpSpPr>
+          <a:xfrm>
+            <a:off x="4943475" y="2049732"/>
+            <a:ext cx="1609724" cy="950643"/>
+            <a:chOff x="4610099" y="2390775"/>
+            <a:chExt cx="2238375" cy="1160462"/>
+          </a:xfrm>
+        </p:grpSpPr>
+        <p:sp>
+          <p:nvSpPr>
+            <p:cNvPr id="5" name="Прямоугольник 4">
+              <a:extLst>
+                <a:ext uri="{FF2B5EF4-FFF2-40B4-BE49-F238E27FC236}">
+                  <a16:creationId xmlns:a16="http://schemas.microsoft.com/office/drawing/2014/main" id="{011D0B2B-7771-4100-85A5-33EB3708E3E8}"/>
+                </a:ext>
+              </a:extLst>
+            </p:cNvPr>
+            <p:cNvSpPr/>
+            <p:nvPr/>
+          </p:nvSpPr>
+          <p:spPr>
+            <a:xfrm>
+              <a:off x="4610099" y="2390775"/>
+              <a:ext cx="2238375" cy="590550"/>
+            </a:xfrm>
+            <a:prstGeom prst="rect">
+              <a:avLst/>
+            </a:prstGeom>
+          </p:spPr>
+          <p:style>
+            <a:lnRef idx="1">
+              <a:schemeClr val="accent3"/>
+            </a:lnRef>
+            <a:fillRef idx="2">
+              <a:schemeClr val="accent3"/>
+            </a:fillRef>
+            <a:effectRef idx="1">
+              <a:schemeClr val="accent3"/>
+            </a:effectRef>
+            <a:fontRef idx="minor">
+              <a:schemeClr val="dk1"/>
+            </a:fontRef>
+          </p:style>
+          <p:txBody>
+            <a:bodyPr rtlCol="0" anchor="ctr"/>
+            <a:lstStyle/>
+            <a:p>
+              <a:pPr algn="ctr"/>
+              <a:r>
+                <a:rPr lang="ru-RU" dirty="0"/>
+                <a:t>13</a:t>
+              </a:r>
+            </a:p>
+          </p:txBody>
+        </p:sp>
+        <p:sp>
+          <p:nvSpPr>
+            <p:cNvPr id="6" name="Прямоугольник 5">
+              <a:extLst>
+                <a:ext uri="{FF2B5EF4-FFF2-40B4-BE49-F238E27FC236}">
+                  <a16:creationId xmlns:a16="http://schemas.microsoft.com/office/drawing/2014/main" id="{E1D42F59-F753-47EF-9D87-D80335B1C219}"/>
+                </a:ext>
+              </a:extLst>
+            </p:cNvPr>
+            <p:cNvSpPr/>
+            <p:nvPr/>
+          </p:nvSpPr>
+          <p:spPr>
+            <a:xfrm>
+              <a:off x="4610099" y="2981325"/>
+              <a:ext cx="2238375" cy="569912"/>
+            </a:xfrm>
+            <a:prstGeom prst="rect">
+              <a:avLst/>
+            </a:prstGeom>
+          </p:spPr>
+          <p:style>
+            <a:lnRef idx="2">
+              <a:schemeClr val="accent1">
+                <a:shade val="50000"/>
+              </a:schemeClr>
+            </a:lnRef>
+            <a:fillRef idx="1">
+              <a:schemeClr val="accent1"/>
+            </a:fillRef>
+            <a:effectRef idx="0">
+              <a:schemeClr val="accent1"/>
+            </a:effectRef>
+            <a:fontRef idx="minor">
+              <a:schemeClr val="lt1"/>
+            </a:fontRef>
+          </p:style>
+          <p:txBody>
+            <a:bodyPr rtlCol="0" anchor="ctr"/>
+            <a:lstStyle/>
+            <a:p>
+              <a:pPr algn="ctr"/>
+              <a:endParaRPr lang="ru-RU"/>
+            </a:p>
+          </p:txBody>
+        </p:sp>
+      </p:grpSp>
+      <p:grpSp>
+        <p:nvGrpSpPr>
+          <p:cNvPr id="7" name="Группа 6">
+            <a:extLst>
+              <a:ext uri="{FF2B5EF4-FFF2-40B4-BE49-F238E27FC236}">
+                <a16:creationId xmlns:a16="http://schemas.microsoft.com/office/drawing/2014/main" id="{40A42B5C-C461-4611-BC89-C10DA4FAF5AE}"/>
+              </a:ext>
+            </a:extLst>
+          </p:cNvPr>
+          <p:cNvGrpSpPr/>
+          <p:nvPr/>
+        </p:nvGrpSpPr>
+        <p:grpSpPr>
+          <a:xfrm>
+            <a:off x="1362069" y="2919016"/>
+            <a:ext cx="1728790" cy="753268"/>
+            <a:chOff x="4610099" y="2390775"/>
+            <a:chExt cx="2238375" cy="1160462"/>
+          </a:xfrm>
+        </p:grpSpPr>
+        <p:sp>
+          <p:nvSpPr>
+            <p:cNvPr id="8" name="Прямоугольник 7">
+              <a:extLst>
+                <a:ext uri="{FF2B5EF4-FFF2-40B4-BE49-F238E27FC236}">
+                  <a16:creationId xmlns:a16="http://schemas.microsoft.com/office/drawing/2014/main" id="{D0BB8A9E-53F2-47C3-B891-2DC8873AA8B9}"/>
+                </a:ext>
+              </a:extLst>
+            </p:cNvPr>
+            <p:cNvSpPr/>
+            <p:nvPr/>
+          </p:nvSpPr>
+          <p:spPr>
+            <a:xfrm>
+              <a:off x="4610099" y="2390775"/>
+              <a:ext cx="2238375" cy="590550"/>
+            </a:xfrm>
+            <a:prstGeom prst="rect">
+              <a:avLst/>
+            </a:prstGeom>
+          </p:spPr>
+          <p:style>
+            <a:lnRef idx="1">
+              <a:schemeClr val="accent3"/>
+            </a:lnRef>
+            <a:fillRef idx="2">
+              <a:schemeClr val="accent3"/>
+            </a:fillRef>
+            <a:effectRef idx="1">
+              <a:schemeClr val="accent3"/>
+            </a:effectRef>
+            <a:fontRef idx="minor">
+              <a:schemeClr val="dk1"/>
+            </a:fontRef>
+          </p:style>
+          <p:txBody>
+            <a:bodyPr rtlCol="0" anchor="ctr"/>
+            <a:lstStyle/>
+            <a:p>
+              <a:pPr algn="ctr"/>
+              <a:r>
+                <a:rPr lang="ru-RU" dirty="0"/>
+                <a:t>4         7</a:t>
+              </a:r>
+            </a:p>
+          </p:txBody>
+        </p:sp>
+        <p:sp>
+          <p:nvSpPr>
+            <p:cNvPr id="9" name="Прямоугольник 8">
+              <a:extLst>
+                <a:ext uri="{FF2B5EF4-FFF2-40B4-BE49-F238E27FC236}">
+                  <a16:creationId xmlns:a16="http://schemas.microsoft.com/office/drawing/2014/main" id="{BCE5C234-30BD-471B-9B5A-69DA2752AD37}"/>
+                </a:ext>
+              </a:extLst>
+            </p:cNvPr>
+            <p:cNvSpPr/>
+            <p:nvPr/>
+          </p:nvSpPr>
+          <p:spPr>
+            <a:xfrm>
+              <a:off x="4610099" y="2981325"/>
+              <a:ext cx="2238375" cy="569912"/>
+            </a:xfrm>
+            <a:prstGeom prst="rect">
+              <a:avLst/>
+            </a:prstGeom>
+          </p:spPr>
+          <p:style>
+            <a:lnRef idx="2">
+              <a:schemeClr val="accent1">
+                <a:shade val="50000"/>
+              </a:schemeClr>
+            </a:lnRef>
+            <a:fillRef idx="1">
+              <a:schemeClr val="accent1"/>
+            </a:fillRef>
+            <a:effectRef idx="0">
+              <a:schemeClr val="accent1"/>
+            </a:effectRef>
+            <a:fontRef idx="minor">
+              <a:schemeClr val="lt1"/>
+            </a:fontRef>
+          </p:style>
+          <p:txBody>
+            <a:bodyPr rtlCol="0" anchor="ctr"/>
+            <a:lstStyle/>
+            <a:p>
+              <a:pPr algn="ctr"/>
+              <a:endParaRPr lang="ru-RU"/>
+            </a:p>
+          </p:txBody>
+        </p:sp>
+      </p:grpSp>
+      <p:grpSp>
+        <p:nvGrpSpPr>
+          <p:cNvPr id="10" name="Группа 9">
+            <a:extLst>
+              <a:ext uri="{FF2B5EF4-FFF2-40B4-BE49-F238E27FC236}">
+                <a16:creationId xmlns:a16="http://schemas.microsoft.com/office/drawing/2014/main" id="{BCCA9BD5-2005-43A3-8DD7-654DD98408A4}"/>
+              </a:ext>
+            </a:extLst>
+          </p:cNvPr>
+          <p:cNvGrpSpPr/>
+          <p:nvPr/>
+        </p:nvGrpSpPr>
+        <p:grpSpPr>
+          <a:xfrm>
+            <a:off x="8529641" y="2923777"/>
+            <a:ext cx="1728790" cy="867173"/>
+            <a:chOff x="4610099" y="2390775"/>
+            <a:chExt cx="2238375" cy="1160462"/>
+          </a:xfrm>
+        </p:grpSpPr>
+        <p:sp>
+          <p:nvSpPr>
+            <p:cNvPr id="11" name="Прямоугольник 10">
+              <a:extLst>
+                <a:ext uri="{FF2B5EF4-FFF2-40B4-BE49-F238E27FC236}">
+                  <a16:creationId xmlns:a16="http://schemas.microsoft.com/office/drawing/2014/main" id="{05AF9A2D-16AA-4BBD-95AF-E2C406FE326A}"/>
+                </a:ext>
+              </a:extLst>
+            </p:cNvPr>
+            <p:cNvSpPr/>
+            <p:nvPr/>
+          </p:nvSpPr>
+          <p:spPr>
+            <a:xfrm>
+              <a:off x="4610099" y="2390775"/>
+              <a:ext cx="2238375" cy="590550"/>
+            </a:xfrm>
+            <a:prstGeom prst="rect">
+              <a:avLst/>
+            </a:prstGeom>
+          </p:spPr>
+          <p:style>
+            <a:lnRef idx="1">
+              <a:schemeClr val="accent3"/>
+            </a:lnRef>
+            <a:fillRef idx="2">
+              <a:schemeClr val="accent3"/>
+            </a:fillRef>
+            <a:effectRef idx="1">
+              <a:schemeClr val="accent3"/>
+            </a:effectRef>
+            <a:fontRef idx="minor">
+              <a:schemeClr val="dk1"/>
+            </a:fontRef>
+          </p:style>
+          <p:txBody>
+            <a:bodyPr rtlCol="0" anchor="ctr"/>
+            <a:lstStyle/>
+            <a:p>
+              <a:pPr algn="ctr"/>
+              <a:r>
+                <a:rPr lang="ru-RU" dirty="0"/>
+                <a:t>17    24</a:t>
+              </a:r>
+            </a:p>
+          </p:txBody>
+        </p:sp>
+        <p:sp>
+          <p:nvSpPr>
+            <p:cNvPr id="12" name="Прямоугольник 11">
+              <a:extLst>
+                <a:ext uri="{FF2B5EF4-FFF2-40B4-BE49-F238E27FC236}">
+                  <a16:creationId xmlns:a16="http://schemas.microsoft.com/office/drawing/2014/main" id="{900C1BF8-8789-4AE4-A1FC-1CE8BB8BB76D}"/>
+                </a:ext>
+              </a:extLst>
+            </p:cNvPr>
+            <p:cNvSpPr/>
+            <p:nvPr/>
+          </p:nvSpPr>
+          <p:spPr>
+            <a:xfrm>
+              <a:off x="4610099" y="2981325"/>
+              <a:ext cx="2238375" cy="569912"/>
+            </a:xfrm>
+            <a:prstGeom prst="rect">
+              <a:avLst/>
+            </a:prstGeom>
+          </p:spPr>
+          <p:style>
+            <a:lnRef idx="2">
+              <a:schemeClr val="accent1">
+                <a:shade val="50000"/>
+              </a:schemeClr>
+            </a:lnRef>
+            <a:fillRef idx="1">
+              <a:schemeClr val="accent1"/>
+            </a:fillRef>
+            <a:effectRef idx="0">
+              <a:schemeClr val="accent1"/>
+            </a:effectRef>
+            <a:fontRef idx="minor">
+              <a:schemeClr val="lt1"/>
+            </a:fontRef>
+          </p:style>
+          <p:txBody>
+            <a:bodyPr rtlCol="0" anchor="ctr"/>
+            <a:lstStyle/>
+            <a:p>
+              <a:pPr algn="ctr"/>
+              <a:endParaRPr lang="ru-RU"/>
+            </a:p>
+          </p:txBody>
+        </p:sp>
+      </p:grpSp>
+      <p:grpSp>
+        <p:nvGrpSpPr>
+          <p:cNvPr id="13" name="Группа 12">
+            <a:extLst>
+              <a:ext uri="{FF2B5EF4-FFF2-40B4-BE49-F238E27FC236}">
+                <a16:creationId xmlns:a16="http://schemas.microsoft.com/office/drawing/2014/main" id="{732DA94B-0C15-4C62-A415-F949EE9D475D}"/>
+              </a:ext>
+            </a:extLst>
+          </p:cNvPr>
+          <p:cNvGrpSpPr/>
+          <p:nvPr/>
+        </p:nvGrpSpPr>
+        <p:grpSpPr>
+          <a:xfrm>
+            <a:off x="6305550" y="4167958"/>
+            <a:ext cx="1419225" cy="569912"/>
+            <a:chOff x="4610099" y="2390775"/>
+            <a:chExt cx="2238375" cy="1160462"/>
+          </a:xfrm>
+        </p:grpSpPr>
+        <p:sp>
+          <p:nvSpPr>
+            <p:cNvPr id="14" name="Прямоугольник 13">
+              <a:extLst>
+                <a:ext uri="{FF2B5EF4-FFF2-40B4-BE49-F238E27FC236}">
+                  <a16:creationId xmlns:a16="http://schemas.microsoft.com/office/drawing/2014/main" id="{F39B8EAF-BBDB-41B5-B088-4A5C3A489948}"/>
+                </a:ext>
+              </a:extLst>
+            </p:cNvPr>
+            <p:cNvSpPr/>
+            <p:nvPr/>
+          </p:nvSpPr>
+          <p:spPr>
+            <a:xfrm>
+              <a:off x="4610099" y="2390775"/>
+              <a:ext cx="2238375" cy="590551"/>
+            </a:xfrm>
+            <a:prstGeom prst="rect">
+              <a:avLst/>
+            </a:prstGeom>
+          </p:spPr>
+          <p:style>
+            <a:lnRef idx="1">
+              <a:schemeClr val="accent3"/>
+            </a:lnRef>
+            <a:fillRef idx="2">
+              <a:schemeClr val="accent3"/>
+            </a:fillRef>
+            <a:effectRef idx="1">
+              <a:schemeClr val="accent3"/>
+            </a:effectRef>
+            <a:fontRef idx="minor">
+              <a:schemeClr val="dk1"/>
+            </a:fontRef>
+          </p:style>
+          <p:txBody>
+            <a:bodyPr rtlCol="0" anchor="ctr"/>
+            <a:lstStyle/>
+            <a:p>
+              <a:pPr algn="ctr"/>
+              <a:r>
+                <a:rPr lang="ru-RU" dirty="0"/>
+                <a:t>14      16</a:t>
+              </a:r>
+            </a:p>
+          </p:txBody>
+        </p:sp>
+        <p:sp>
+          <p:nvSpPr>
+            <p:cNvPr id="15" name="Прямоугольник 14">
+              <a:extLst>
+                <a:ext uri="{FF2B5EF4-FFF2-40B4-BE49-F238E27FC236}">
+                  <a16:creationId xmlns:a16="http://schemas.microsoft.com/office/drawing/2014/main" id="{06328D59-56E0-405A-8C6E-E8544A92E485}"/>
+                </a:ext>
+              </a:extLst>
+            </p:cNvPr>
+            <p:cNvSpPr/>
+            <p:nvPr/>
+          </p:nvSpPr>
+          <p:spPr>
+            <a:xfrm>
+              <a:off x="4610099" y="2981325"/>
+              <a:ext cx="2238375" cy="569912"/>
+            </a:xfrm>
+            <a:prstGeom prst="rect">
+              <a:avLst/>
+            </a:prstGeom>
+          </p:spPr>
+          <p:style>
+            <a:lnRef idx="2">
+              <a:schemeClr val="accent1">
+                <a:shade val="50000"/>
+              </a:schemeClr>
+            </a:lnRef>
+            <a:fillRef idx="1">
+              <a:schemeClr val="accent1"/>
+            </a:fillRef>
+            <a:effectRef idx="0">
+              <a:schemeClr val="accent1"/>
+            </a:effectRef>
+            <a:fontRef idx="minor">
+              <a:schemeClr val="lt1"/>
+            </a:fontRef>
+          </p:style>
+          <p:txBody>
+            <a:bodyPr rtlCol="0" anchor="ctr"/>
+            <a:lstStyle/>
+            <a:p>
+              <a:pPr algn="ctr"/>
+              <a:endParaRPr lang="ru-RU"/>
+            </a:p>
+          </p:txBody>
+        </p:sp>
+      </p:grpSp>
+      <p:grpSp>
+        <p:nvGrpSpPr>
+          <p:cNvPr id="16" name="Группа 15">
+            <a:extLst>
+              <a:ext uri="{FF2B5EF4-FFF2-40B4-BE49-F238E27FC236}">
+                <a16:creationId xmlns:a16="http://schemas.microsoft.com/office/drawing/2014/main" id="{B2032C9A-DA59-4DE0-8F75-8E7B6994D13C}"/>
+              </a:ext>
+            </a:extLst>
+          </p:cNvPr>
+          <p:cNvGrpSpPr/>
+          <p:nvPr/>
+        </p:nvGrpSpPr>
+        <p:grpSpPr>
+          <a:xfrm>
+            <a:off x="8201024" y="4162310"/>
+            <a:ext cx="1504950" cy="591344"/>
+            <a:chOff x="4610099" y="2389981"/>
+            <a:chExt cx="2238375" cy="1162817"/>
+          </a:xfrm>
+        </p:grpSpPr>
+        <p:sp>
+          <p:nvSpPr>
+            <p:cNvPr id="17" name="Прямоугольник 16">
+              <a:extLst>
+                <a:ext uri="{FF2B5EF4-FFF2-40B4-BE49-F238E27FC236}">
+                  <a16:creationId xmlns:a16="http://schemas.microsoft.com/office/drawing/2014/main" id="{0FF2D2DC-C387-4237-A7EE-DDCF3FE161D7}"/>
+                </a:ext>
+              </a:extLst>
+            </p:cNvPr>
+            <p:cNvSpPr/>
+            <p:nvPr/>
+          </p:nvSpPr>
+          <p:spPr>
+            <a:xfrm>
+              <a:off x="4610099" y="2389981"/>
+              <a:ext cx="2238375" cy="590550"/>
+            </a:xfrm>
+            <a:prstGeom prst="rect">
+              <a:avLst/>
+            </a:prstGeom>
+          </p:spPr>
+          <p:style>
+            <a:lnRef idx="1">
+              <a:schemeClr val="accent3"/>
+            </a:lnRef>
+            <a:fillRef idx="2">
+              <a:schemeClr val="accent3"/>
+            </a:fillRef>
+            <a:effectRef idx="1">
+              <a:schemeClr val="accent3"/>
+            </a:effectRef>
+            <a:fontRef idx="minor">
+              <a:schemeClr val="dk1"/>
+            </a:fontRef>
+          </p:style>
+          <p:txBody>
+            <a:bodyPr rtlCol="0" anchor="ctr"/>
+            <a:lstStyle/>
+            <a:p>
+              <a:pPr algn="ctr"/>
+              <a:r>
+                <a:rPr lang="ru-RU" dirty="0"/>
+                <a:t>18     20</a:t>
+              </a:r>
+            </a:p>
+          </p:txBody>
+        </p:sp>
+        <p:sp>
+          <p:nvSpPr>
+            <p:cNvPr id="18" name="Прямоугольник 17">
+              <a:extLst>
+                <a:ext uri="{FF2B5EF4-FFF2-40B4-BE49-F238E27FC236}">
+                  <a16:creationId xmlns:a16="http://schemas.microsoft.com/office/drawing/2014/main" id="{345EAE27-5960-4267-9410-B7592D6B0D2B}"/>
+                </a:ext>
+              </a:extLst>
+            </p:cNvPr>
+            <p:cNvSpPr/>
+            <p:nvPr/>
+          </p:nvSpPr>
+          <p:spPr>
+            <a:xfrm>
+              <a:off x="4610099" y="2982887"/>
+              <a:ext cx="2238375" cy="569911"/>
+            </a:xfrm>
+            <a:prstGeom prst="rect">
+              <a:avLst/>
+            </a:prstGeom>
+          </p:spPr>
+          <p:style>
+            <a:lnRef idx="2">
+              <a:schemeClr val="accent1">
+                <a:shade val="50000"/>
+              </a:schemeClr>
+            </a:lnRef>
+            <a:fillRef idx="1">
+              <a:schemeClr val="accent1"/>
+            </a:fillRef>
+            <a:effectRef idx="0">
+              <a:schemeClr val="accent1"/>
+            </a:effectRef>
+            <a:fontRef idx="minor">
+              <a:schemeClr val="lt1"/>
+            </a:fontRef>
+          </p:style>
+          <p:txBody>
+            <a:bodyPr rtlCol="0" anchor="ctr"/>
+            <a:lstStyle/>
+            <a:p>
+              <a:pPr algn="ctr"/>
+              <a:endParaRPr lang="ru-RU"/>
+            </a:p>
+          </p:txBody>
+        </p:sp>
+      </p:grpSp>
+      <p:grpSp>
+        <p:nvGrpSpPr>
+          <p:cNvPr id="19" name="Группа 18">
+            <a:extLst>
+              <a:ext uri="{FF2B5EF4-FFF2-40B4-BE49-F238E27FC236}">
+                <a16:creationId xmlns:a16="http://schemas.microsoft.com/office/drawing/2014/main" id="{F88BC7EA-379B-4F31-84C0-7809D7D2E03D}"/>
+              </a:ext>
+            </a:extLst>
+          </p:cNvPr>
+          <p:cNvGrpSpPr/>
+          <p:nvPr/>
+        </p:nvGrpSpPr>
+        <p:grpSpPr>
+          <a:xfrm>
+            <a:off x="10144124" y="4170055"/>
+            <a:ext cx="1752601" cy="573882"/>
+            <a:chOff x="4610099" y="2390775"/>
+            <a:chExt cx="2238375" cy="1160462"/>
+          </a:xfrm>
+        </p:grpSpPr>
+        <p:sp>
+          <p:nvSpPr>
+            <p:cNvPr id="20" name="Прямоугольник 19">
+              <a:extLst>
+                <a:ext uri="{FF2B5EF4-FFF2-40B4-BE49-F238E27FC236}">
+                  <a16:creationId xmlns:a16="http://schemas.microsoft.com/office/drawing/2014/main" id="{7B88216D-ECA1-4B68-879C-76EEF9A4173B}"/>
+                </a:ext>
+              </a:extLst>
+            </p:cNvPr>
+            <p:cNvSpPr/>
+            <p:nvPr/>
+          </p:nvSpPr>
+          <p:spPr>
+            <a:xfrm>
+              <a:off x="4610099" y="2390775"/>
+              <a:ext cx="2238375" cy="590550"/>
+            </a:xfrm>
+            <a:prstGeom prst="rect">
+              <a:avLst/>
+            </a:prstGeom>
+          </p:spPr>
+          <p:style>
+            <a:lnRef idx="1">
+              <a:schemeClr val="accent3"/>
+            </a:lnRef>
+            <a:fillRef idx="2">
+              <a:schemeClr val="accent3"/>
+            </a:fillRef>
+            <a:effectRef idx="1">
+              <a:schemeClr val="accent3"/>
+            </a:effectRef>
+            <a:fontRef idx="minor">
+              <a:schemeClr val="dk1"/>
+            </a:fontRef>
+          </p:style>
+          <p:txBody>
+            <a:bodyPr rtlCol="0" anchor="ctr"/>
+            <a:lstStyle/>
+            <a:p>
+              <a:pPr algn="ctr"/>
+              <a:r>
+                <a:rPr lang="ru-RU" dirty="0"/>
+                <a:t>25   </a:t>
+              </a:r>
+              <a:r>
+                <a:rPr lang="ru-RU" dirty="0">
+                  <a:solidFill>
+                    <a:srgbClr val="FF0000"/>
+                  </a:solidFill>
+                </a:rPr>
+                <a:t>30</a:t>
+              </a:r>
+              <a:r>
+                <a:rPr lang="ru-RU" dirty="0"/>
+                <a:t>   31   35</a:t>
+              </a:r>
+            </a:p>
+          </p:txBody>
+        </p:sp>
+        <p:sp>
+          <p:nvSpPr>
+            <p:cNvPr id="21" name="Прямоугольник 20">
+              <a:extLst>
+                <a:ext uri="{FF2B5EF4-FFF2-40B4-BE49-F238E27FC236}">
+                  <a16:creationId xmlns:a16="http://schemas.microsoft.com/office/drawing/2014/main" id="{049B6188-83A3-43D8-BB6A-59EFF9480EE6}"/>
+                </a:ext>
+              </a:extLst>
+            </p:cNvPr>
+            <p:cNvSpPr/>
+            <p:nvPr/>
+          </p:nvSpPr>
+          <p:spPr>
+            <a:xfrm>
+              <a:off x="4610099" y="2981325"/>
+              <a:ext cx="2238375" cy="569912"/>
+            </a:xfrm>
+            <a:prstGeom prst="rect">
+              <a:avLst/>
+            </a:prstGeom>
+          </p:spPr>
+          <p:style>
+            <a:lnRef idx="2">
+              <a:schemeClr val="accent1">
+                <a:shade val="50000"/>
+              </a:schemeClr>
+            </a:lnRef>
+            <a:fillRef idx="1">
+              <a:schemeClr val="accent1"/>
+            </a:fillRef>
+            <a:effectRef idx="0">
+              <a:schemeClr val="accent1"/>
+            </a:effectRef>
+            <a:fontRef idx="minor">
+              <a:schemeClr val="lt1"/>
+            </a:fontRef>
+          </p:style>
+          <p:txBody>
+            <a:bodyPr rtlCol="0" anchor="ctr"/>
+            <a:lstStyle/>
+            <a:p>
+              <a:pPr algn="ctr"/>
+              <a:endParaRPr lang="ru-RU"/>
+            </a:p>
+          </p:txBody>
+        </p:sp>
+      </p:grpSp>
+      <p:grpSp>
+        <p:nvGrpSpPr>
+          <p:cNvPr id="22" name="Группа 21">
+            <a:extLst>
+              <a:ext uri="{FF2B5EF4-FFF2-40B4-BE49-F238E27FC236}">
+                <a16:creationId xmlns:a16="http://schemas.microsoft.com/office/drawing/2014/main" id="{B01429B4-C8C8-4FFB-AA9A-2C27CE9B0264}"/>
+              </a:ext>
+            </a:extLst>
+          </p:cNvPr>
+          <p:cNvGrpSpPr/>
+          <p:nvPr/>
+        </p:nvGrpSpPr>
+        <p:grpSpPr>
+          <a:xfrm>
+            <a:off x="3552827" y="4185093"/>
+            <a:ext cx="1600201" cy="585519"/>
+            <a:chOff x="4610099" y="2390775"/>
+            <a:chExt cx="2238377" cy="1160462"/>
+          </a:xfrm>
+        </p:grpSpPr>
+        <p:sp>
+          <p:nvSpPr>
+            <p:cNvPr id="23" name="Прямоугольник 22">
+              <a:extLst>
+                <a:ext uri="{FF2B5EF4-FFF2-40B4-BE49-F238E27FC236}">
+                  <a16:creationId xmlns:a16="http://schemas.microsoft.com/office/drawing/2014/main" id="{ECB58A5E-4AEB-4FC5-B202-8BFF89F2D271}"/>
+                </a:ext>
+              </a:extLst>
+            </p:cNvPr>
+            <p:cNvSpPr/>
+            <p:nvPr/>
+          </p:nvSpPr>
+          <p:spPr>
+            <a:xfrm>
+              <a:off x="4610101" y="2390775"/>
+              <a:ext cx="2238375" cy="590550"/>
+            </a:xfrm>
+            <a:prstGeom prst="rect">
+              <a:avLst/>
+            </a:prstGeom>
+          </p:spPr>
+          <p:style>
+            <a:lnRef idx="1">
+              <a:schemeClr val="accent3"/>
+            </a:lnRef>
+            <a:fillRef idx="2">
+              <a:schemeClr val="accent3"/>
+            </a:fillRef>
+            <a:effectRef idx="1">
+              <a:schemeClr val="accent3"/>
+            </a:effectRef>
+            <a:fontRef idx="minor">
+              <a:schemeClr val="dk1"/>
+            </a:fontRef>
+          </p:style>
+          <p:txBody>
+            <a:bodyPr rtlCol="0" anchor="ctr"/>
+            <a:lstStyle/>
+            <a:p>
+              <a:pPr algn="ctr"/>
+              <a:r>
+                <a:rPr lang="ru-RU" dirty="0"/>
+                <a:t>8    10    11</a:t>
+              </a:r>
+            </a:p>
+          </p:txBody>
+        </p:sp>
+        <p:sp>
+          <p:nvSpPr>
+            <p:cNvPr id="24" name="Прямоугольник 23">
+              <a:extLst>
+                <a:ext uri="{FF2B5EF4-FFF2-40B4-BE49-F238E27FC236}">
+                  <a16:creationId xmlns:a16="http://schemas.microsoft.com/office/drawing/2014/main" id="{3112A965-4125-42A4-A5EE-4CC5DCBD9108}"/>
+                </a:ext>
+              </a:extLst>
+            </p:cNvPr>
+            <p:cNvSpPr/>
+            <p:nvPr/>
+          </p:nvSpPr>
+          <p:spPr>
+            <a:xfrm>
+              <a:off x="4610099" y="2981325"/>
+              <a:ext cx="2238375" cy="569912"/>
+            </a:xfrm>
+            <a:prstGeom prst="rect">
+              <a:avLst/>
+            </a:prstGeom>
+          </p:spPr>
+          <p:style>
+            <a:lnRef idx="2">
+              <a:schemeClr val="accent1">
+                <a:shade val="50000"/>
+              </a:schemeClr>
+            </a:lnRef>
+            <a:fillRef idx="1">
+              <a:schemeClr val="accent1"/>
+            </a:fillRef>
+            <a:effectRef idx="0">
+              <a:schemeClr val="accent1"/>
+            </a:effectRef>
+            <a:fontRef idx="minor">
+              <a:schemeClr val="lt1"/>
+            </a:fontRef>
+          </p:style>
+          <p:txBody>
+            <a:bodyPr rtlCol="0" anchor="ctr"/>
+            <a:lstStyle/>
+            <a:p>
+              <a:pPr algn="ctr"/>
+              <a:endParaRPr lang="ru-RU"/>
+            </a:p>
+          </p:txBody>
+        </p:sp>
+      </p:grpSp>
+      <p:grpSp>
+        <p:nvGrpSpPr>
+          <p:cNvPr id="25" name="Группа 24">
+            <a:extLst>
+              <a:ext uri="{FF2B5EF4-FFF2-40B4-BE49-F238E27FC236}">
+                <a16:creationId xmlns:a16="http://schemas.microsoft.com/office/drawing/2014/main" id="{A46B0960-F644-45A1-95DC-88CF084D5880}"/>
+              </a:ext>
+            </a:extLst>
+          </p:cNvPr>
+          <p:cNvGrpSpPr/>
+          <p:nvPr/>
+        </p:nvGrpSpPr>
+        <p:grpSpPr>
+          <a:xfrm>
+            <a:off x="161927" y="4179887"/>
+            <a:ext cx="1333498" cy="590550"/>
+            <a:chOff x="4610099" y="2390775"/>
+            <a:chExt cx="2238375" cy="1160462"/>
+          </a:xfrm>
+        </p:grpSpPr>
+        <p:sp>
+          <p:nvSpPr>
+            <p:cNvPr id="26" name="Прямоугольник 25">
+              <a:extLst>
+                <a:ext uri="{FF2B5EF4-FFF2-40B4-BE49-F238E27FC236}">
+                  <a16:creationId xmlns:a16="http://schemas.microsoft.com/office/drawing/2014/main" id="{3E604B97-5579-4401-A974-C53428B7C5F8}"/>
+                </a:ext>
+              </a:extLst>
+            </p:cNvPr>
+            <p:cNvSpPr/>
+            <p:nvPr/>
+          </p:nvSpPr>
+          <p:spPr>
+            <a:xfrm>
+              <a:off x="4610099" y="2390775"/>
+              <a:ext cx="2238375" cy="590550"/>
+            </a:xfrm>
+            <a:prstGeom prst="rect">
+              <a:avLst/>
+            </a:prstGeom>
+          </p:spPr>
+          <p:style>
+            <a:lnRef idx="1">
+              <a:schemeClr val="accent3"/>
+            </a:lnRef>
+            <a:fillRef idx="2">
+              <a:schemeClr val="accent3"/>
+            </a:fillRef>
+            <a:effectRef idx="1">
+              <a:schemeClr val="accent3"/>
+            </a:effectRef>
+            <a:fontRef idx="minor">
+              <a:schemeClr val="dk1"/>
+            </a:fontRef>
+          </p:style>
+          <p:txBody>
+            <a:bodyPr rtlCol="0" anchor="ctr"/>
+            <a:lstStyle/>
+            <a:p>
+              <a:pPr algn="ctr"/>
+              <a:r>
+                <a:rPr lang="ru-RU" dirty="0"/>
+                <a:t>1     3</a:t>
+              </a:r>
+            </a:p>
+          </p:txBody>
+        </p:sp>
+        <p:sp>
+          <p:nvSpPr>
+            <p:cNvPr id="27" name="Прямоугольник 26">
+              <a:extLst>
+                <a:ext uri="{FF2B5EF4-FFF2-40B4-BE49-F238E27FC236}">
+                  <a16:creationId xmlns:a16="http://schemas.microsoft.com/office/drawing/2014/main" id="{D0C1EA57-E4EC-4520-99EC-AC7ECEC4DABE}"/>
+                </a:ext>
+              </a:extLst>
+            </p:cNvPr>
+            <p:cNvSpPr/>
+            <p:nvPr/>
+          </p:nvSpPr>
+          <p:spPr>
+            <a:xfrm>
+              <a:off x="4610099" y="2981325"/>
+              <a:ext cx="2238375" cy="569912"/>
+            </a:xfrm>
+            <a:prstGeom prst="rect">
+              <a:avLst/>
+            </a:prstGeom>
+          </p:spPr>
+          <p:style>
+            <a:lnRef idx="2">
+              <a:schemeClr val="accent1">
+                <a:shade val="50000"/>
+              </a:schemeClr>
+            </a:lnRef>
+            <a:fillRef idx="1">
+              <a:schemeClr val="accent1"/>
+            </a:fillRef>
+            <a:effectRef idx="0">
+              <a:schemeClr val="accent1"/>
+            </a:effectRef>
+            <a:fontRef idx="minor">
+              <a:schemeClr val="lt1"/>
+            </a:fontRef>
+          </p:style>
+          <p:txBody>
+            <a:bodyPr rtlCol="0" anchor="ctr"/>
+            <a:lstStyle/>
+            <a:p>
+              <a:pPr algn="ctr"/>
+              <a:endParaRPr lang="ru-RU"/>
+            </a:p>
+          </p:txBody>
+        </p:sp>
+      </p:grpSp>
+      <p:grpSp>
+        <p:nvGrpSpPr>
+          <p:cNvPr id="28" name="Группа 27">
+            <a:extLst>
+              <a:ext uri="{FF2B5EF4-FFF2-40B4-BE49-F238E27FC236}">
+                <a16:creationId xmlns:a16="http://schemas.microsoft.com/office/drawing/2014/main" id="{1A232161-D9CE-4391-938A-B1615DD824D5}"/>
+              </a:ext>
+            </a:extLst>
+          </p:cNvPr>
+          <p:cNvGrpSpPr/>
+          <p:nvPr/>
+        </p:nvGrpSpPr>
+        <p:grpSpPr>
+          <a:xfrm>
+            <a:off x="1724026" y="4179887"/>
+            <a:ext cx="1600200" cy="585519"/>
+            <a:chOff x="4610099" y="2390775"/>
+            <a:chExt cx="2238375" cy="1160462"/>
+          </a:xfrm>
+        </p:grpSpPr>
+        <p:sp>
+          <p:nvSpPr>
+            <p:cNvPr id="29" name="Прямоугольник 28">
+              <a:extLst>
+                <a:ext uri="{FF2B5EF4-FFF2-40B4-BE49-F238E27FC236}">
+                  <a16:creationId xmlns:a16="http://schemas.microsoft.com/office/drawing/2014/main" id="{5FBFAA1E-D85C-4631-8F4F-9B50BC7A2038}"/>
+                </a:ext>
+              </a:extLst>
+            </p:cNvPr>
+            <p:cNvSpPr/>
+            <p:nvPr/>
+          </p:nvSpPr>
+          <p:spPr>
+            <a:xfrm>
+              <a:off x="4610099" y="2390775"/>
+              <a:ext cx="2238375" cy="590550"/>
+            </a:xfrm>
+            <a:prstGeom prst="rect">
+              <a:avLst/>
+            </a:prstGeom>
+          </p:spPr>
+          <p:style>
+            <a:lnRef idx="1">
+              <a:schemeClr val="accent3"/>
+            </a:lnRef>
+            <a:fillRef idx="2">
+              <a:schemeClr val="accent3"/>
+            </a:fillRef>
+            <a:effectRef idx="1">
+              <a:schemeClr val="accent3"/>
+            </a:effectRef>
+            <a:fontRef idx="minor">
+              <a:schemeClr val="dk1"/>
+            </a:fontRef>
+          </p:style>
+          <p:txBody>
+            <a:bodyPr rtlCol="0" anchor="ctr"/>
+            <a:lstStyle/>
+            <a:p>
+              <a:pPr algn="ctr"/>
+              <a:r>
+                <a:rPr lang="ru-RU" dirty="0"/>
+                <a:t>5        6</a:t>
+              </a:r>
+            </a:p>
+          </p:txBody>
+        </p:sp>
+        <p:sp>
+          <p:nvSpPr>
+            <p:cNvPr id="30" name="Прямоугольник 29">
+              <a:extLst>
+                <a:ext uri="{FF2B5EF4-FFF2-40B4-BE49-F238E27FC236}">
+                  <a16:creationId xmlns:a16="http://schemas.microsoft.com/office/drawing/2014/main" id="{7109C3B7-51C9-4FD6-B2A2-607C960EE42C}"/>
+                </a:ext>
+              </a:extLst>
+            </p:cNvPr>
+            <p:cNvSpPr/>
+            <p:nvPr/>
+          </p:nvSpPr>
+          <p:spPr>
+            <a:xfrm>
+              <a:off x="4610099" y="2981325"/>
+              <a:ext cx="2238375" cy="569912"/>
+            </a:xfrm>
+            <a:prstGeom prst="rect">
+              <a:avLst/>
+            </a:prstGeom>
+          </p:spPr>
+          <p:style>
+            <a:lnRef idx="2">
+              <a:schemeClr val="accent1">
+                <a:shade val="50000"/>
+              </a:schemeClr>
+            </a:lnRef>
+            <a:fillRef idx="1">
+              <a:schemeClr val="accent1"/>
+            </a:fillRef>
+            <a:effectRef idx="0">
+              <a:schemeClr val="accent1"/>
+            </a:effectRef>
+            <a:fontRef idx="minor">
+              <a:schemeClr val="lt1"/>
+            </a:fontRef>
+          </p:style>
+          <p:txBody>
+            <a:bodyPr rtlCol="0" anchor="ctr"/>
+            <a:lstStyle/>
+            <a:p>
+              <a:pPr algn="ctr"/>
+              <a:endParaRPr lang="ru-RU"/>
+            </a:p>
+          </p:txBody>
+        </p:sp>
+      </p:grpSp>
+      <p:cxnSp>
+        <p:nvCxnSpPr>
+          <p:cNvPr id="31" name="Прямая соединительная линия 30">
+            <a:extLst>
+              <a:ext uri="{FF2B5EF4-FFF2-40B4-BE49-F238E27FC236}">
+                <a16:creationId xmlns:a16="http://schemas.microsoft.com/office/drawing/2014/main" id="{00D43D59-BC5C-4309-A891-30B738F9536D}"/>
+              </a:ext>
+            </a:extLst>
+          </p:cNvPr>
+          <p:cNvCxnSpPr>
+            <a:cxnSpLocks/>
+          </p:cNvCxnSpPr>
+          <p:nvPr/>
+        </p:nvCxnSpPr>
+        <p:spPr>
+          <a:xfrm>
+            <a:off x="1931189" y="3295650"/>
+            <a:ext cx="0" cy="369936"/>
+          </a:xfrm>
+          <a:prstGeom prst="line">
+            <a:avLst/>
+          </a:prstGeom>
+        </p:spPr>
+        <p:style>
+          <a:lnRef idx="1">
+            <a:schemeClr val="dk1"/>
+          </a:lnRef>
+          <a:fillRef idx="0">
+            <a:schemeClr val="dk1"/>
+          </a:fillRef>
+          <a:effectRef idx="0">
+            <a:schemeClr val="dk1"/>
+          </a:effectRef>
+          <a:fontRef idx="minor">
+            <a:schemeClr val="tx1"/>
+          </a:fontRef>
+        </p:style>
+      </p:cxnSp>
+      <p:cxnSp>
+        <p:nvCxnSpPr>
+          <p:cNvPr id="32" name="Прямая соединительная линия 31">
+            <a:extLst>
+              <a:ext uri="{FF2B5EF4-FFF2-40B4-BE49-F238E27FC236}">
+                <a16:creationId xmlns:a16="http://schemas.microsoft.com/office/drawing/2014/main" id="{5218B38F-B0FF-466B-8A11-B4C4A37835F4}"/>
+              </a:ext>
+            </a:extLst>
+          </p:cNvPr>
+          <p:cNvCxnSpPr>
+            <a:cxnSpLocks/>
+            <a:stCxn id="6" idx="0"/>
+            <a:endCxn id="6" idx="2"/>
+          </p:cNvCxnSpPr>
+          <p:nvPr/>
+        </p:nvCxnSpPr>
+        <p:spPr>
+          <a:xfrm>
+            <a:off x="5748337" y="2533507"/>
+            <a:ext cx="0" cy="466868"/>
+          </a:xfrm>
+          <a:prstGeom prst="line">
+            <a:avLst/>
+          </a:prstGeom>
+        </p:spPr>
+        <p:style>
+          <a:lnRef idx="1">
+            <a:schemeClr val="dk1"/>
+          </a:lnRef>
+          <a:fillRef idx="0">
+            <a:schemeClr val="dk1"/>
+          </a:fillRef>
+          <a:effectRef idx="0">
+            <a:schemeClr val="dk1"/>
+          </a:effectRef>
+          <a:fontRef idx="minor">
+            <a:schemeClr val="tx1"/>
+          </a:fontRef>
+        </p:style>
+      </p:cxnSp>
+      <p:cxnSp>
+        <p:nvCxnSpPr>
+          <p:cNvPr id="33" name="Прямая соединительная линия 32">
+            <a:extLst>
+              <a:ext uri="{FF2B5EF4-FFF2-40B4-BE49-F238E27FC236}">
+                <a16:creationId xmlns:a16="http://schemas.microsoft.com/office/drawing/2014/main" id="{544D2C96-A93D-4B87-9936-FE07DB03A58D}"/>
+              </a:ext>
+            </a:extLst>
+          </p:cNvPr>
+          <p:cNvCxnSpPr>
+            <a:cxnSpLocks/>
+          </p:cNvCxnSpPr>
+          <p:nvPr/>
+        </p:nvCxnSpPr>
+        <p:spPr>
+          <a:xfrm>
+            <a:off x="9127336" y="3365075"/>
+            <a:ext cx="0" cy="425875"/>
+          </a:xfrm>
+          <a:prstGeom prst="line">
+            <a:avLst/>
+          </a:prstGeom>
+        </p:spPr>
+        <p:style>
+          <a:lnRef idx="1">
+            <a:schemeClr val="dk1"/>
+          </a:lnRef>
+          <a:fillRef idx="0">
+            <a:schemeClr val="dk1"/>
+          </a:fillRef>
+          <a:effectRef idx="0">
+            <a:schemeClr val="dk1"/>
+          </a:effectRef>
+          <a:fontRef idx="minor">
+            <a:schemeClr val="tx1"/>
+          </a:fontRef>
+        </p:style>
+      </p:cxnSp>
+      <p:cxnSp>
+        <p:nvCxnSpPr>
+          <p:cNvPr id="34" name="Прямая соединительная линия 33">
+            <a:extLst>
+              <a:ext uri="{FF2B5EF4-FFF2-40B4-BE49-F238E27FC236}">
+                <a16:creationId xmlns:a16="http://schemas.microsoft.com/office/drawing/2014/main" id="{617E0122-A734-4EA2-887F-C4D122158781}"/>
+              </a:ext>
+            </a:extLst>
+          </p:cNvPr>
+          <p:cNvCxnSpPr>
+            <a:cxnSpLocks/>
+          </p:cNvCxnSpPr>
+          <p:nvPr/>
+        </p:nvCxnSpPr>
+        <p:spPr>
+          <a:xfrm>
+            <a:off x="552451" y="4488599"/>
+            <a:ext cx="0" cy="290024"/>
+          </a:xfrm>
+          <a:prstGeom prst="line">
+            <a:avLst/>
+          </a:prstGeom>
+        </p:spPr>
+        <p:style>
+          <a:lnRef idx="1">
+            <a:schemeClr val="dk1"/>
+          </a:lnRef>
+          <a:fillRef idx="0">
+            <a:schemeClr val="dk1"/>
+          </a:fillRef>
+          <a:effectRef idx="0">
+            <a:schemeClr val="dk1"/>
+          </a:effectRef>
+          <a:fontRef idx="minor">
+            <a:schemeClr val="tx1"/>
+          </a:fontRef>
+        </p:style>
+      </p:cxnSp>
+      <p:cxnSp>
+        <p:nvCxnSpPr>
+          <p:cNvPr id="35" name="Прямая соединительная линия 34">
+            <a:extLst>
+              <a:ext uri="{FF2B5EF4-FFF2-40B4-BE49-F238E27FC236}">
+                <a16:creationId xmlns:a16="http://schemas.microsoft.com/office/drawing/2014/main" id="{CEB330AF-3DDE-4802-8D2B-02AAE5713615}"/>
+              </a:ext>
+            </a:extLst>
+          </p:cNvPr>
+          <p:cNvCxnSpPr>
+            <a:cxnSpLocks/>
+          </p:cNvCxnSpPr>
+          <p:nvPr/>
+        </p:nvCxnSpPr>
+        <p:spPr>
+          <a:xfrm>
+            <a:off x="2226464" y="4491070"/>
+            <a:ext cx="0" cy="287553"/>
+          </a:xfrm>
+          <a:prstGeom prst="line">
+            <a:avLst/>
+          </a:prstGeom>
+        </p:spPr>
+        <p:style>
+          <a:lnRef idx="1">
+            <a:schemeClr val="dk1"/>
+          </a:lnRef>
+          <a:fillRef idx="0">
+            <a:schemeClr val="dk1"/>
+          </a:fillRef>
+          <a:effectRef idx="0">
+            <a:schemeClr val="dk1"/>
+          </a:effectRef>
+          <a:fontRef idx="minor">
+            <a:schemeClr val="tx1"/>
+          </a:fontRef>
+        </p:style>
+      </p:cxnSp>
+      <p:cxnSp>
+        <p:nvCxnSpPr>
+          <p:cNvPr id="36" name="Прямая соединительная линия 35">
+            <a:extLst>
+              <a:ext uri="{FF2B5EF4-FFF2-40B4-BE49-F238E27FC236}">
+                <a16:creationId xmlns:a16="http://schemas.microsoft.com/office/drawing/2014/main" id="{A8F0FDB1-3348-4025-B68D-32D6F69A780F}"/>
+              </a:ext>
+            </a:extLst>
+          </p:cNvPr>
+          <p:cNvCxnSpPr>
+            <a:cxnSpLocks/>
+          </p:cNvCxnSpPr>
+          <p:nvPr/>
+        </p:nvCxnSpPr>
+        <p:spPr>
+          <a:xfrm>
+            <a:off x="3902868" y="4483920"/>
+            <a:ext cx="0" cy="260017"/>
+          </a:xfrm>
+          <a:prstGeom prst="line">
+            <a:avLst/>
+          </a:prstGeom>
+        </p:spPr>
+        <p:style>
+          <a:lnRef idx="1">
+            <a:schemeClr val="dk1"/>
+          </a:lnRef>
+          <a:fillRef idx="0">
+            <a:schemeClr val="dk1"/>
+          </a:fillRef>
+          <a:effectRef idx="0">
+            <a:schemeClr val="dk1"/>
+          </a:effectRef>
+          <a:fontRef idx="minor">
+            <a:schemeClr val="tx1"/>
+          </a:fontRef>
+        </p:style>
+      </p:cxnSp>
+      <p:cxnSp>
+        <p:nvCxnSpPr>
+          <p:cNvPr id="37" name="Прямая соединительная линия 36">
+            <a:extLst>
+              <a:ext uri="{FF2B5EF4-FFF2-40B4-BE49-F238E27FC236}">
+                <a16:creationId xmlns:a16="http://schemas.microsoft.com/office/drawing/2014/main" id="{5181BCFD-81CD-400E-9DAD-092060685136}"/>
+              </a:ext>
+            </a:extLst>
+          </p:cNvPr>
+          <p:cNvCxnSpPr>
+            <a:cxnSpLocks/>
+          </p:cNvCxnSpPr>
+          <p:nvPr/>
+        </p:nvCxnSpPr>
+        <p:spPr>
+          <a:xfrm flipH="1">
+            <a:off x="4360068" y="4475204"/>
+            <a:ext cx="1" cy="287553"/>
+          </a:xfrm>
+          <a:prstGeom prst="line">
+            <a:avLst/>
+          </a:prstGeom>
+        </p:spPr>
+        <p:style>
+          <a:lnRef idx="1">
+            <a:schemeClr val="dk1"/>
+          </a:lnRef>
+          <a:fillRef idx="0">
+            <a:schemeClr val="dk1"/>
+          </a:fillRef>
+          <a:effectRef idx="0">
+            <a:schemeClr val="dk1"/>
+          </a:effectRef>
+          <a:fontRef idx="minor">
+            <a:schemeClr val="tx1"/>
+          </a:fontRef>
+        </p:style>
+      </p:cxnSp>
+      <p:cxnSp>
+        <p:nvCxnSpPr>
+          <p:cNvPr id="38" name="Прямая соединительная линия 37">
+            <a:extLst>
+              <a:ext uri="{FF2B5EF4-FFF2-40B4-BE49-F238E27FC236}">
+                <a16:creationId xmlns:a16="http://schemas.microsoft.com/office/drawing/2014/main" id="{B36A7B8C-36A5-435C-B52A-3B2BC148702B}"/>
+              </a:ext>
+            </a:extLst>
+          </p:cNvPr>
+          <p:cNvCxnSpPr>
+            <a:cxnSpLocks/>
+          </p:cNvCxnSpPr>
+          <p:nvPr/>
+        </p:nvCxnSpPr>
+        <p:spPr>
+          <a:xfrm>
+            <a:off x="8705849" y="4462631"/>
+            <a:ext cx="0" cy="291023"/>
+          </a:xfrm>
+          <a:prstGeom prst="line">
+            <a:avLst/>
+          </a:prstGeom>
+        </p:spPr>
+        <p:style>
+          <a:lnRef idx="1">
+            <a:schemeClr val="dk1"/>
+          </a:lnRef>
+          <a:fillRef idx="0">
+            <a:schemeClr val="dk1"/>
+          </a:fillRef>
+          <a:effectRef idx="0">
+            <a:schemeClr val="dk1"/>
+          </a:effectRef>
+          <a:fontRef idx="minor">
+            <a:schemeClr val="tx1"/>
+          </a:fontRef>
+        </p:style>
+      </p:cxnSp>
+      <p:cxnSp>
+        <p:nvCxnSpPr>
+          <p:cNvPr id="39" name="Прямая соединительная линия 38">
+            <a:extLst>
+              <a:ext uri="{FF2B5EF4-FFF2-40B4-BE49-F238E27FC236}">
+                <a16:creationId xmlns:a16="http://schemas.microsoft.com/office/drawing/2014/main" id="{76D7C532-B30B-4D8A-BAB5-5E89A64A5A14}"/>
+              </a:ext>
+            </a:extLst>
+          </p:cNvPr>
+          <p:cNvCxnSpPr>
+            <a:cxnSpLocks/>
+          </p:cNvCxnSpPr>
+          <p:nvPr/>
+        </p:nvCxnSpPr>
+        <p:spPr>
+          <a:xfrm>
+            <a:off x="10477506" y="4456032"/>
+            <a:ext cx="0" cy="281838"/>
+          </a:xfrm>
+          <a:prstGeom prst="line">
+            <a:avLst/>
+          </a:prstGeom>
+        </p:spPr>
+        <p:style>
+          <a:lnRef idx="1">
+            <a:schemeClr val="dk1"/>
+          </a:lnRef>
+          <a:fillRef idx="0">
+            <a:schemeClr val="dk1"/>
+          </a:fillRef>
+          <a:effectRef idx="0">
+            <a:schemeClr val="dk1"/>
+          </a:effectRef>
+          <a:fontRef idx="minor">
+            <a:schemeClr val="tx1"/>
+          </a:fontRef>
+        </p:style>
+      </p:cxnSp>
+      <p:cxnSp>
+        <p:nvCxnSpPr>
+          <p:cNvPr id="40" name="Прямая соединительная линия 39">
+            <a:extLst>
+              <a:ext uri="{FF2B5EF4-FFF2-40B4-BE49-F238E27FC236}">
+                <a16:creationId xmlns:a16="http://schemas.microsoft.com/office/drawing/2014/main" id="{AAB48F84-6615-4A78-AA81-B23423FF8D11}"/>
+              </a:ext>
+            </a:extLst>
+          </p:cNvPr>
+          <p:cNvCxnSpPr>
+            <a:cxnSpLocks/>
+          </p:cNvCxnSpPr>
+          <p:nvPr/>
+        </p:nvCxnSpPr>
+        <p:spPr>
+          <a:xfrm>
+            <a:off x="11172825" y="4456032"/>
+            <a:ext cx="0" cy="281838"/>
+          </a:xfrm>
+          <a:prstGeom prst="line">
+            <a:avLst/>
+          </a:prstGeom>
+        </p:spPr>
+        <p:style>
+          <a:lnRef idx="1">
+            <a:schemeClr val="dk1"/>
+          </a:lnRef>
+          <a:fillRef idx="0">
+            <a:schemeClr val="dk1"/>
+          </a:fillRef>
+          <a:effectRef idx="0">
+            <a:schemeClr val="dk1"/>
+          </a:effectRef>
+          <a:fontRef idx="minor">
+            <a:schemeClr val="tx1"/>
+          </a:fontRef>
+        </p:style>
+      </p:cxnSp>
+      <p:cxnSp>
+        <p:nvCxnSpPr>
+          <p:cNvPr id="41" name="Прямая соединительная линия 40">
+            <a:extLst>
+              <a:ext uri="{FF2B5EF4-FFF2-40B4-BE49-F238E27FC236}">
+                <a16:creationId xmlns:a16="http://schemas.microsoft.com/office/drawing/2014/main" id="{0C93C042-FC7D-4E11-AD03-AE29F9FCB4FA}"/>
+              </a:ext>
+            </a:extLst>
+          </p:cNvPr>
+          <p:cNvCxnSpPr>
+            <a:cxnSpLocks/>
+          </p:cNvCxnSpPr>
+          <p:nvPr/>
+        </p:nvCxnSpPr>
+        <p:spPr>
+          <a:xfrm>
+            <a:off x="10839450" y="4462631"/>
+            <a:ext cx="0" cy="281838"/>
+          </a:xfrm>
+          <a:prstGeom prst="line">
+            <a:avLst/>
+          </a:prstGeom>
+        </p:spPr>
+        <p:style>
+          <a:lnRef idx="1">
+            <a:schemeClr val="dk1"/>
+          </a:lnRef>
+          <a:fillRef idx="0">
+            <a:schemeClr val="dk1"/>
+          </a:fillRef>
+          <a:effectRef idx="0">
+            <a:schemeClr val="dk1"/>
+          </a:effectRef>
+          <a:fontRef idx="minor">
+            <a:schemeClr val="tx1"/>
+          </a:fontRef>
+        </p:style>
+      </p:cxnSp>
+      <p:cxnSp>
+        <p:nvCxnSpPr>
+          <p:cNvPr id="42" name="Прямая со стрелкой 41">
+            <a:extLst>
+              <a:ext uri="{FF2B5EF4-FFF2-40B4-BE49-F238E27FC236}">
+                <a16:creationId xmlns:a16="http://schemas.microsoft.com/office/drawing/2014/main" id="{C2F31602-9871-45D8-9114-2958CE2712DF}"/>
+              </a:ext>
+            </a:extLst>
+          </p:cNvPr>
+          <p:cNvCxnSpPr>
+            <a:cxnSpLocks/>
+          </p:cNvCxnSpPr>
+          <p:nvPr/>
+        </p:nvCxnSpPr>
+        <p:spPr>
+          <a:xfrm flipH="1">
+            <a:off x="3090859" y="2794745"/>
+            <a:ext cx="1852616" cy="343741"/>
+          </a:xfrm>
+          <a:prstGeom prst="straightConnector1">
+            <a:avLst/>
+          </a:prstGeom>
+          <a:ln w="57150">
+            <a:tailEnd type="triangle"/>
+          </a:ln>
+        </p:spPr>
+        <p:style>
+          <a:lnRef idx="3">
+            <a:schemeClr val="dk1"/>
+          </a:lnRef>
+          <a:fillRef idx="0">
+            <a:schemeClr val="dk1"/>
+          </a:fillRef>
+          <a:effectRef idx="2">
+            <a:schemeClr val="dk1"/>
+          </a:effectRef>
+          <a:fontRef idx="minor">
+            <a:schemeClr val="tx1"/>
+          </a:fontRef>
+        </p:style>
+      </p:cxnSp>
+      <p:cxnSp>
+        <p:nvCxnSpPr>
+          <p:cNvPr id="43" name="Прямая со стрелкой 42">
+            <a:extLst>
+              <a:ext uri="{FF2B5EF4-FFF2-40B4-BE49-F238E27FC236}">
+                <a16:creationId xmlns:a16="http://schemas.microsoft.com/office/drawing/2014/main" id="{57BBDCDE-A136-4E6D-B2D1-F340F656457D}"/>
+              </a:ext>
+            </a:extLst>
+          </p:cNvPr>
+          <p:cNvCxnSpPr>
+            <a:stCxn id="6" idx="3"/>
+            <a:endCxn id="11" idx="1"/>
+          </p:cNvCxnSpPr>
+          <p:nvPr/>
+        </p:nvCxnSpPr>
+        <p:spPr>
+          <a:xfrm>
+            <a:off x="6553199" y="2766941"/>
+            <a:ext cx="1976442" cy="377485"/>
+          </a:xfrm>
+          <a:prstGeom prst="straightConnector1">
+            <a:avLst/>
+          </a:prstGeom>
+          <a:ln w="57150">
+            <a:tailEnd type="triangle"/>
+          </a:ln>
+        </p:spPr>
+        <p:style>
+          <a:lnRef idx="3">
+            <a:schemeClr val="dk1"/>
+          </a:lnRef>
+          <a:fillRef idx="0">
+            <a:schemeClr val="dk1"/>
+          </a:fillRef>
+          <a:effectRef idx="2">
+            <a:schemeClr val="dk1"/>
+          </a:effectRef>
+          <a:fontRef idx="minor">
+            <a:schemeClr val="tx1"/>
+          </a:fontRef>
+        </p:style>
+      </p:cxnSp>
+      <p:cxnSp>
+        <p:nvCxnSpPr>
+          <p:cNvPr id="44" name="Прямая со стрелкой 43">
+            <a:extLst>
+              <a:ext uri="{FF2B5EF4-FFF2-40B4-BE49-F238E27FC236}">
+                <a16:creationId xmlns:a16="http://schemas.microsoft.com/office/drawing/2014/main" id="{083AFCA4-7D6F-44CD-BCFF-A463A91A3C84}"/>
+              </a:ext>
+            </a:extLst>
+          </p:cNvPr>
+          <p:cNvCxnSpPr>
+            <a:stCxn id="9" idx="1"/>
+            <a:endCxn id="26" idx="0"/>
+          </p:cNvCxnSpPr>
+          <p:nvPr/>
+        </p:nvCxnSpPr>
+        <p:spPr>
+          <a:xfrm flipH="1">
+            <a:off x="828676" y="3487316"/>
+            <a:ext cx="533393" cy="692571"/>
+          </a:xfrm>
+          <a:prstGeom prst="straightConnector1">
+            <a:avLst/>
+          </a:prstGeom>
+          <a:ln w="57150">
+            <a:tailEnd type="triangle"/>
+          </a:ln>
+        </p:spPr>
+        <p:style>
+          <a:lnRef idx="3">
+            <a:schemeClr val="dk1"/>
+          </a:lnRef>
+          <a:fillRef idx="0">
+            <a:schemeClr val="dk1"/>
+          </a:fillRef>
+          <a:effectRef idx="2">
+            <a:schemeClr val="dk1"/>
+          </a:effectRef>
+          <a:fontRef idx="minor">
+            <a:schemeClr val="tx1"/>
+          </a:fontRef>
+        </p:style>
+      </p:cxnSp>
+      <p:cxnSp>
+        <p:nvCxnSpPr>
+          <p:cNvPr id="45" name="Прямая соединительная линия 44">
+            <a:extLst>
+              <a:ext uri="{FF2B5EF4-FFF2-40B4-BE49-F238E27FC236}">
+                <a16:creationId xmlns:a16="http://schemas.microsoft.com/office/drawing/2014/main" id="{A11CD83C-DF56-4810-BE04-C1BC1E0FB366}"/>
+              </a:ext>
+            </a:extLst>
+          </p:cNvPr>
+          <p:cNvCxnSpPr>
+            <a:cxnSpLocks/>
+          </p:cNvCxnSpPr>
+          <p:nvPr/>
+        </p:nvCxnSpPr>
+        <p:spPr>
+          <a:xfrm>
+            <a:off x="2524126" y="3302348"/>
+            <a:ext cx="0" cy="369936"/>
+          </a:xfrm>
+          <a:prstGeom prst="line">
+            <a:avLst/>
+          </a:prstGeom>
+        </p:spPr>
+        <p:style>
+          <a:lnRef idx="1">
+            <a:schemeClr val="dk1"/>
+          </a:lnRef>
+          <a:fillRef idx="0">
+            <a:schemeClr val="dk1"/>
+          </a:fillRef>
+          <a:effectRef idx="0">
+            <a:schemeClr val="dk1"/>
+          </a:effectRef>
+          <a:fontRef idx="minor">
+            <a:schemeClr val="tx1"/>
+          </a:fontRef>
+        </p:style>
+      </p:cxnSp>
+      <p:cxnSp>
+        <p:nvCxnSpPr>
+          <p:cNvPr id="46" name="Прямая соединительная линия 45">
+            <a:extLst>
+              <a:ext uri="{FF2B5EF4-FFF2-40B4-BE49-F238E27FC236}">
+                <a16:creationId xmlns:a16="http://schemas.microsoft.com/office/drawing/2014/main" id="{F8AAF6E2-DC3C-4C94-BA8C-2AB6AAD4216C}"/>
+              </a:ext>
+            </a:extLst>
+          </p:cNvPr>
+          <p:cNvCxnSpPr>
+            <a:cxnSpLocks/>
+          </p:cNvCxnSpPr>
+          <p:nvPr/>
+        </p:nvCxnSpPr>
+        <p:spPr>
+          <a:xfrm>
+            <a:off x="9689310" y="3365075"/>
+            <a:ext cx="0" cy="425875"/>
+          </a:xfrm>
+          <a:prstGeom prst="line">
+            <a:avLst/>
+          </a:prstGeom>
+        </p:spPr>
+        <p:style>
+          <a:lnRef idx="1">
+            <a:schemeClr val="dk1"/>
+          </a:lnRef>
+          <a:fillRef idx="0">
+            <a:schemeClr val="dk1"/>
+          </a:fillRef>
+          <a:effectRef idx="0">
+            <a:schemeClr val="dk1"/>
+          </a:effectRef>
+          <a:fontRef idx="minor">
+            <a:schemeClr val="tx1"/>
+          </a:fontRef>
+        </p:style>
+      </p:cxnSp>
+      <p:cxnSp>
+        <p:nvCxnSpPr>
+          <p:cNvPr id="47" name="Прямая со стрелкой 46">
+            <a:extLst>
+              <a:ext uri="{FF2B5EF4-FFF2-40B4-BE49-F238E27FC236}">
+                <a16:creationId xmlns:a16="http://schemas.microsoft.com/office/drawing/2014/main" id="{76CBB7F2-37D6-4CBF-9B4E-01BB4D6752AE}"/>
+              </a:ext>
+            </a:extLst>
+          </p:cNvPr>
+          <p:cNvCxnSpPr>
+            <a:stCxn id="9" idx="2"/>
+            <a:endCxn id="29" idx="0"/>
+          </p:cNvCxnSpPr>
+          <p:nvPr/>
+        </p:nvCxnSpPr>
+        <p:spPr>
+          <a:xfrm>
+            <a:off x="2226464" y="3672284"/>
+            <a:ext cx="297662" cy="507603"/>
+          </a:xfrm>
+          <a:prstGeom prst="straightConnector1">
+            <a:avLst/>
+          </a:prstGeom>
+          <a:ln w="57150">
+            <a:tailEnd type="triangle"/>
+          </a:ln>
+        </p:spPr>
+        <p:style>
+          <a:lnRef idx="3">
+            <a:schemeClr val="dk1"/>
+          </a:lnRef>
+          <a:fillRef idx="0">
+            <a:schemeClr val="dk1"/>
+          </a:fillRef>
+          <a:effectRef idx="2">
+            <a:schemeClr val="dk1"/>
+          </a:effectRef>
+          <a:fontRef idx="minor">
+            <a:schemeClr val="tx1"/>
+          </a:fontRef>
+        </p:style>
+      </p:cxnSp>
+      <p:cxnSp>
+        <p:nvCxnSpPr>
+          <p:cNvPr id="48" name="Прямая со стрелкой 47">
+            <a:extLst>
+              <a:ext uri="{FF2B5EF4-FFF2-40B4-BE49-F238E27FC236}">
+                <a16:creationId xmlns:a16="http://schemas.microsoft.com/office/drawing/2014/main" id="{37E9A25E-6EEA-4C49-867D-6325306C87F7}"/>
+              </a:ext>
+            </a:extLst>
+          </p:cNvPr>
+          <p:cNvCxnSpPr>
+            <a:stCxn id="9" idx="3"/>
+            <a:endCxn id="23" idx="0"/>
+          </p:cNvCxnSpPr>
+          <p:nvPr/>
+        </p:nvCxnSpPr>
+        <p:spPr>
+          <a:xfrm>
+            <a:off x="3090859" y="3487316"/>
+            <a:ext cx="1262069" cy="697777"/>
+          </a:xfrm>
+          <a:prstGeom prst="straightConnector1">
+            <a:avLst/>
+          </a:prstGeom>
+          <a:ln w="57150">
+            <a:tailEnd type="triangle"/>
+          </a:ln>
+        </p:spPr>
+        <p:style>
+          <a:lnRef idx="3">
+            <a:schemeClr val="dk1"/>
+          </a:lnRef>
+          <a:fillRef idx="0">
+            <a:schemeClr val="dk1"/>
+          </a:fillRef>
+          <a:effectRef idx="2">
+            <a:schemeClr val="dk1"/>
+          </a:effectRef>
+          <a:fontRef idx="minor">
+            <a:schemeClr val="tx1"/>
+          </a:fontRef>
+        </p:style>
+      </p:cxnSp>
+      <p:cxnSp>
+        <p:nvCxnSpPr>
+          <p:cNvPr id="49" name="Прямая со стрелкой 48">
+            <a:extLst>
+              <a:ext uri="{FF2B5EF4-FFF2-40B4-BE49-F238E27FC236}">
+                <a16:creationId xmlns:a16="http://schemas.microsoft.com/office/drawing/2014/main" id="{DB7F5258-DEBF-465E-8663-925ACA89B638}"/>
+              </a:ext>
+            </a:extLst>
+          </p:cNvPr>
+          <p:cNvCxnSpPr>
+            <a:cxnSpLocks/>
+            <a:stCxn id="12" idx="1"/>
+            <a:endCxn id="14" idx="0"/>
+          </p:cNvCxnSpPr>
+          <p:nvPr/>
+        </p:nvCxnSpPr>
+        <p:spPr>
+          <a:xfrm flipH="1">
+            <a:off x="7015163" y="3578013"/>
+            <a:ext cx="1514478" cy="589945"/>
+          </a:xfrm>
+          <a:prstGeom prst="straightConnector1">
+            <a:avLst/>
+          </a:prstGeom>
+          <a:ln w="57150">
+            <a:tailEnd type="triangle"/>
+          </a:ln>
+        </p:spPr>
+        <p:style>
+          <a:lnRef idx="3">
+            <a:schemeClr val="dk1"/>
+          </a:lnRef>
+          <a:fillRef idx="0">
+            <a:schemeClr val="dk1"/>
+          </a:fillRef>
+          <a:effectRef idx="2">
+            <a:schemeClr val="dk1"/>
+          </a:effectRef>
+          <a:fontRef idx="minor">
+            <a:schemeClr val="tx1"/>
+          </a:fontRef>
+        </p:style>
+      </p:cxnSp>
+      <p:cxnSp>
+        <p:nvCxnSpPr>
+          <p:cNvPr id="50" name="Прямая со стрелкой 49">
+            <a:extLst>
+              <a:ext uri="{FF2B5EF4-FFF2-40B4-BE49-F238E27FC236}">
+                <a16:creationId xmlns:a16="http://schemas.microsoft.com/office/drawing/2014/main" id="{2ED46097-0842-4160-82A8-5EC4BC5D7494}"/>
+              </a:ext>
+            </a:extLst>
+          </p:cNvPr>
+          <p:cNvCxnSpPr>
+            <a:cxnSpLocks/>
+            <a:stCxn id="12" idx="2"/>
+            <a:endCxn id="17" idx="0"/>
+          </p:cNvCxnSpPr>
+          <p:nvPr/>
+        </p:nvCxnSpPr>
+        <p:spPr>
+          <a:xfrm flipH="1">
+            <a:off x="8953499" y="3790950"/>
+            <a:ext cx="440537" cy="371360"/>
+          </a:xfrm>
+          <a:prstGeom prst="straightConnector1">
+            <a:avLst/>
+          </a:prstGeom>
+          <a:ln w="57150">
+            <a:tailEnd type="triangle"/>
+          </a:ln>
+        </p:spPr>
+        <p:style>
+          <a:lnRef idx="3">
+            <a:schemeClr val="dk1"/>
+          </a:lnRef>
+          <a:fillRef idx="0">
+            <a:schemeClr val="dk1"/>
+          </a:fillRef>
+          <a:effectRef idx="2">
+            <a:schemeClr val="dk1"/>
+          </a:effectRef>
+          <a:fontRef idx="minor">
+            <a:schemeClr val="tx1"/>
+          </a:fontRef>
+        </p:style>
+      </p:cxnSp>
+      <p:cxnSp>
+        <p:nvCxnSpPr>
+          <p:cNvPr id="51" name="Прямая со стрелкой 50">
+            <a:extLst>
+              <a:ext uri="{FF2B5EF4-FFF2-40B4-BE49-F238E27FC236}">
+                <a16:creationId xmlns:a16="http://schemas.microsoft.com/office/drawing/2014/main" id="{4BE6AFB3-5844-4E5A-A958-3A5AA30F3D83}"/>
+              </a:ext>
+            </a:extLst>
+          </p:cNvPr>
+          <p:cNvCxnSpPr>
+            <a:cxnSpLocks/>
+            <a:stCxn id="12" idx="3"/>
+            <a:endCxn id="20" idx="0"/>
+          </p:cNvCxnSpPr>
+          <p:nvPr/>
+        </p:nvCxnSpPr>
+        <p:spPr>
+          <a:xfrm>
+            <a:off x="10258431" y="3578013"/>
+            <a:ext cx="761994" cy="592042"/>
+          </a:xfrm>
+          <a:prstGeom prst="straightConnector1">
+            <a:avLst/>
+          </a:prstGeom>
+          <a:ln w="57150">
+            <a:tailEnd type="triangle"/>
+          </a:ln>
+        </p:spPr>
+        <p:style>
+          <a:lnRef idx="3">
+            <a:schemeClr val="dk1"/>
+          </a:lnRef>
+          <a:fillRef idx="0">
+            <a:schemeClr val="dk1"/>
+          </a:fillRef>
+          <a:effectRef idx="2">
+            <a:schemeClr val="dk1"/>
+          </a:effectRef>
+          <a:fontRef idx="minor">
+            <a:schemeClr val="tx1"/>
+          </a:fontRef>
+        </p:style>
+      </p:cxnSp>
+      <p:cxnSp>
+        <p:nvCxnSpPr>
+          <p:cNvPr id="52" name="Прямая соединительная линия 51">
+            <a:extLst>
+              <a:ext uri="{FF2B5EF4-FFF2-40B4-BE49-F238E27FC236}">
+                <a16:creationId xmlns:a16="http://schemas.microsoft.com/office/drawing/2014/main" id="{99BAB2CE-7120-4072-83C0-4B9909F77F8E}"/>
+              </a:ext>
+            </a:extLst>
+          </p:cNvPr>
+          <p:cNvCxnSpPr>
+            <a:cxnSpLocks/>
+          </p:cNvCxnSpPr>
+          <p:nvPr/>
+        </p:nvCxnSpPr>
+        <p:spPr>
+          <a:xfrm>
+            <a:off x="11582400" y="4456032"/>
+            <a:ext cx="0" cy="281838"/>
+          </a:xfrm>
+          <a:prstGeom prst="line">
+            <a:avLst/>
+          </a:prstGeom>
+        </p:spPr>
+        <p:style>
+          <a:lnRef idx="1">
+            <a:schemeClr val="dk1"/>
+          </a:lnRef>
+          <a:fillRef idx="0">
+            <a:schemeClr val="dk1"/>
+          </a:fillRef>
+          <a:effectRef idx="0">
+            <a:schemeClr val="dk1"/>
+          </a:effectRef>
+          <a:fontRef idx="minor">
+            <a:schemeClr val="tx1"/>
+          </a:fontRef>
+        </p:style>
+      </p:cxnSp>
+      <p:cxnSp>
+        <p:nvCxnSpPr>
+          <p:cNvPr id="53" name="Прямая соединительная линия 52">
+            <a:extLst>
+              <a:ext uri="{FF2B5EF4-FFF2-40B4-BE49-F238E27FC236}">
+                <a16:creationId xmlns:a16="http://schemas.microsoft.com/office/drawing/2014/main" id="{5FA28297-FFFA-4679-B4EE-B5ADDF31C1EA}"/>
+              </a:ext>
+            </a:extLst>
+          </p:cNvPr>
+          <p:cNvCxnSpPr>
+            <a:cxnSpLocks/>
+          </p:cNvCxnSpPr>
+          <p:nvPr/>
+        </p:nvCxnSpPr>
+        <p:spPr>
+          <a:xfrm>
+            <a:off x="9222586" y="4471816"/>
+            <a:ext cx="0" cy="281838"/>
+          </a:xfrm>
+          <a:prstGeom prst="line">
+            <a:avLst/>
+          </a:prstGeom>
+        </p:spPr>
+        <p:style>
+          <a:lnRef idx="1">
+            <a:schemeClr val="dk1"/>
+          </a:lnRef>
+          <a:fillRef idx="0">
+            <a:schemeClr val="dk1"/>
+          </a:fillRef>
+          <a:effectRef idx="0">
+            <a:schemeClr val="dk1"/>
+          </a:effectRef>
+          <a:fontRef idx="minor">
+            <a:schemeClr val="tx1"/>
+          </a:fontRef>
+        </p:style>
+      </p:cxnSp>
+      <p:cxnSp>
+        <p:nvCxnSpPr>
+          <p:cNvPr id="54" name="Прямая соединительная линия 53">
+            <a:extLst>
+              <a:ext uri="{FF2B5EF4-FFF2-40B4-BE49-F238E27FC236}">
+                <a16:creationId xmlns:a16="http://schemas.microsoft.com/office/drawing/2014/main" id="{EACC4919-93BF-4A53-8652-D74E6386B91D}"/>
+              </a:ext>
+            </a:extLst>
+          </p:cNvPr>
+          <p:cNvCxnSpPr>
+            <a:cxnSpLocks/>
+          </p:cNvCxnSpPr>
+          <p:nvPr/>
+        </p:nvCxnSpPr>
+        <p:spPr>
+          <a:xfrm>
+            <a:off x="6762750" y="4462631"/>
+            <a:ext cx="0" cy="281838"/>
+          </a:xfrm>
+          <a:prstGeom prst="line">
+            <a:avLst/>
+          </a:prstGeom>
+        </p:spPr>
+        <p:style>
+          <a:lnRef idx="1">
+            <a:schemeClr val="dk1"/>
+          </a:lnRef>
+          <a:fillRef idx="0">
+            <a:schemeClr val="dk1"/>
+          </a:fillRef>
+          <a:effectRef idx="0">
+            <a:schemeClr val="dk1"/>
+          </a:effectRef>
+          <a:fontRef idx="minor">
+            <a:schemeClr val="tx1"/>
+          </a:fontRef>
+        </p:style>
+      </p:cxnSp>
+      <p:cxnSp>
+        <p:nvCxnSpPr>
+          <p:cNvPr id="55" name="Прямая соединительная линия 54">
+            <a:extLst>
+              <a:ext uri="{FF2B5EF4-FFF2-40B4-BE49-F238E27FC236}">
+                <a16:creationId xmlns:a16="http://schemas.microsoft.com/office/drawing/2014/main" id="{D86C6644-5FEB-4B3E-89F8-B94EB9F90214}"/>
+              </a:ext>
+            </a:extLst>
+          </p:cNvPr>
+          <p:cNvCxnSpPr>
+            <a:cxnSpLocks/>
+          </p:cNvCxnSpPr>
+          <p:nvPr/>
+        </p:nvCxnSpPr>
+        <p:spPr>
+          <a:xfrm>
+            <a:off x="7286625" y="4452560"/>
+            <a:ext cx="0" cy="281838"/>
+          </a:xfrm>
+          <a:prstGeom prst="line">
+            <a:avLst/>
+          </a:prstGeom>
+        </p:spPr>
+        <p:style>
+          <a:lnRef idx="1">
+            <a:schemeClr val="dk1"/>
+          </a:lnRef>
+          <a:fillRef idx="0">
+            <a:schemeClr val="dk1"/>
+          </a:fillRef>
+          <a:effectRef idx="0">
+            <a:schemeClr val="dk1"/>
+          </a:effectRef>
+          <a:fontRef idx="minor">
+            <a:schemeClr val="tx1"/>
+          </a:fontRef>
+        </p:style>
+      </p:cxnSp>
+      <p:cxnSp>
+        <p:nvCxnSpPr>
+          <p:cNvPr id="56" name="Прямая соединительная линия 55">
+            <a:extLst>
+              <a:ext uri="{FF2B5EF4-FFF2-40B4-BE49-F238E27FC236}">
+                <a16:creationId xmlns:a16="http://schemas.microsoft.com/office/drawing/2014/main" id="{15F49B4A-786B-4FB2-97DA-16727DA74B07}"/>
+              </a:ext>
+            </a:extLst>
+          </p:cNvPr>
+          <p:cNvCxnSpPr>
+            <a:cxnSpLocks/>
+          </p:cNvCxnSpPr>
+          <p:nvPr/>
+        </p:nvCxnSpPr>
+        <p:spPr>
+          <a:xfrm>
+            <a:off x="4772025" y="4488599"/>
+            <a:ext cx="0" cy="281838"/>
+          </a:xfrm>
+          <a:prstGeom prst="line">
+            <a:avLst/>
+          </a:prstGeom>
+        </p:spPr>
+        <p:style>
+          <a:lnRef idx="1">
+            <a:schemeClr val="dk1"/>
+          </a:lnRef>
+          <a:fillRef idx="0">
+            <a:schemeClr val="dk1"/>
+          </a:fillRef>
+          <a:effectRef idx="0">
+            <a:schemeClr val="dk1"/>
+          </a:effectRef>
+          <a:fontRef idx="minor">
+            <a:schemeClr val="tx1"/>
+          </a:fontRef>
+        </p:style>
+      </p:cxnSp>
+      <p:cxnSp>
+        <p:nvCxnSpPr>
+          <p:cNvPr id="57" name="Прямая соединительная линия 56">
+            <a:extLst>
+              <a:ext uri="{FF2B5EF4-FFF2-40B4-BE49-F238E27FC236}">
+                <a16:creationId xmlns:a16="http://schemas.microsoft.com/office/drawing/2014/main" id="{7371CA07-6D61-4B8B-9876-1A406162CFCB}"/>
+              </a:ext>
+            </a:extLst>
+          </p:cNvPr>
+          <p:cNvCxnSpPr>
+            <a:cxnSpLocks/>
+          </p:cNvCxnSpPr>
+          <p:nvPr/>
+        </p:nvCxnSpPr>
+        <p:spPr>
+          <a:xfrm>
+            <a:off x="1019175" y="4480413"/>
+            <a:ext cx="0" cy="281838"/>
+          </a:xfrm>
+          <a:prstGeom prst="line">
+            <a:avLst/>
+          </a:prstGeom>
+        </p:spPr>
+        <p:style>
+          <a:lnRef idx="1">
+            <a:schemeClr val="dk1"/>
+          </a:lnRef>
+          <a:fillRef idx="0">
+            <a:schemeClr val="dk1"/>
+          </a:fillRef>
+          <a:effectRef idx="0">
+            <a:schemeClr val="dk1"/>
+          </a:effectRef>
+          <a:fontRef idx="minor">
+            <a:schemeClr val="tx1"/>
+          </a:fontRef>
+        </p:style>
+      </p:cxnSp>
+      <p:cxnSp>
+        <p:nvCxnSpPr>
+          <p:cNvPr id="58" name="Прямая соединительная линия 57">
+            <a:extLst>
+              <a:ext uri="{FF2B5EF4-FFF2-40B4-BE49-F238E27FC236}">
+                <a16:creationId xmlns:a16="http://schemas.microsoft.com/office/drawing/2014/main" id="{5520CBA7-8C94-42F1-9825-D48E153D6364}"/>
+              </a:ext>
+            </a:extLst>
+          </p:cNvPr>
+          <p:cNvCxnSpPr>
+            <a:cxnSpLocks/>
+          </p:cNvCxnSpPr>
+          <p:nvPr/>
+        </p:nvCxnSpPr>
+        <p:spPr>
+          <a:xfrm>
+            <a:off x="2790825" y="4497918"/>
+            <a:ext cx="0" cy="281838"/>
+          </a:xfrm>
+          <a:prstGeom prst="line">
+            <a:avLst/>
+          </a:prstGeom>
+        </p:spPr>
+        <p:style>
+          <a:lnRef idx="1">
+            <a:schemeClr val="dk1"/>
+          </a:lnRef>
+          <a:fillRef idx="0">
+            <a:schemeClr val="dk1"/>
+          </a:fillRef>
+          <a:effectRef idx="0">
+            <a:schemeClr val="dk1"/>
+          </a:effectRef>
+          <a:fontRef idx="minor">
+            <a:schemeClr val="tx1"/>
+          </a:fontRef>
+        </p:style>
+      </p:cxnSp>
+    </p:spTree>
+    <p:extLst>
+      <p:ext uri="{BB962C8B-B14F-4D97-AF65-F5344CB8AC3E}">
+        <p14:creationId xmlns:p14="http://schemas.microsoft.com/office/powerpoint/2010/main" val="1633005284"/>
+      </p:ext>
+    </p:extLst>
+  </p:cSld>
+  <p:clrMapOvr>
+    <a:masterClrMapping/>
+  </p:clrMapOvr>
+</p:sld>
+</file>
+
+<file path=ppt/slides/slide7.xml><?xml version="1.0" encoding="utf-8"?>
+<p:sld xmlns:a="http://schemas.openxmlformats.org/drawingml/2006/main" xmlns:r="http://schemas.openxmlformats.org/officeDocument/2006/relationships" xmlns:p="http://schemas.openxmlformats.org/presentationml/2006/main">
+  <p:cSld>
+    <p:spTree>
+      <p:nvGrpSpPr>
+        <p:cNvPr id="1" name=""/>
+        <p:cNvGrpSpPr/>
+        <p:nvPr/>
+      </p:nvGrpSpPr>
+      <p:grpSpPr>
+        <a:xfrm>
+          <a:off x="0" y="0"/>
+          <a:ext cx="0" cy="0"/>
+          <a:chOff x="0" y="0"/>
+          <a:chExt cx="0" cy="0"/>
+        </a:xfrm>
+      </p:grpSpPr>
+      <p:sp>
+        <p:nvSpPr>
+          <p:cNvPr id="2" name="Заголовок 1">
+            <a:extLst>
+              <a:ext uri="{FF2B5EF4-FFF2-40B4-BE49-F238E27FC236}">
+                <a16:creationId xmlns:a16="http://schemas.microsoft.com/office/drawing/2014/main" id="{BCF294E4-C377-41F8-8A22-22CB7AE02CFB}"/>
+              </a:ext>
+            </a:extLst>
+          </p:cNvPr>
+          <p:cNvSpPr>
+            <a:spLocks noGrp="1"/>
+          </p:cNvSpPr>
+          <p:nvPr>
+            <p:ph type="title"/>
+          </p:nvPr>
+        </p:nvSpPr>
+        <p:spPr>
+          <a:xfrm>
+            <a:off x="838200" y="-92190"/>
+            <a:ext cx="10515600" cy="1325563"/>
+          </a:xfrm>
+        </p:spPr>
+        <p:txBody>
+          <a:bodyPr/>
+          <a:lstStyle/>
+          <a:p>
+            <a:r>
+              <a:rPr lang="ru-RU" dirty="0"/>
+              <a:t>Вставка</a:t>
+            </a:r>
+          </a:p>
+        </p:txBody>
+      </p:sp>
+      <p:sp>
+        <p:nvSpPr>
+          <p:cNvPr id="4" name="TextBox 3">
+            <a:extLst>
+              <a:ext uri="{FF2B5EF4-FFF2-40B4-BE49-F238E27FC236}">
+                <a16:creationId xmlns:a16="http://schemas.microsoft.com/office/drawing/2014/main" id="{7DE935D1-9E13-400B-82ED-05B442577CCB}"/>
+              </a:ext>
+            </a:extLst>
+          </p:cNvPr>
+          <p:cNvSpPr txBox="1"/>
+          <p:nvPr/>
+        </p:nvSpPr>
+        <p:spPr>
+          <a:xfrm>
+            <a:off x="838200" y="864042"/>
+            <a:ext cx="5619751" cy="369332"/>
+          </a:xfrm>
+          <a:prstGeom prst="rect">
+            <a:avLst/>
+          </a:prstGeom>
+          <a:noFill/>
+        </p:spPr>
+        <p:txBody>
+          <a:bodyPr wrap="square" rtlCol="0">
+            <a:spAutoFit/>
+          </a:bodyPr>
+          <a:lstStyle/>
+          <a:p>
+            <a:r>
+              <a:rPr lang="ru-RU" dirty="0"/>
+              <a:t>Пусть </a:t>
+            </a:r>
+            <a:r>
+              <a:rPr lang="en-US" dirty="0"/>
+              <a:t>t = </a:t>
+            </a:r>
+            <a:r>
+              <a:rPr lang="ru-RU" dirty="0"/>
+              <a:t>2 (минимум 1 и максимум 3 элемента в узле)</a:t>
+            </a:r>
+          </a:p>
+        </p:txBody>
+      </p:sp>
+      <p:grpSp>
+        <p:nvGrpSpPr>
+          <p:cNvPr id="5" name="Группа 4">
+            <a:extLst>
+              <a:ext uri="{FF2B5EF4-FFF2-40B4-BE49-F238E27FC236}">
+                <a16:creationId xmlns:a16="http://schemas.microsoft.com/office/drawing/2014/main" id="{851BB081-6779-4B42-B3AE-9B49E5041E93}"/>
+              </a:ext>
+            </a:extLst>
+          </p:cNvPr>
+          <p:cNvGrpSpPr/>
+          <p:nvPr/>
+        </p:nvGrpSpPr>
+        <p:grpSpPr>
+          <a:xfrm>
+            <a:off x="7886700" y="2004899"/>
+            <a:ext cx="1495424" cy="950644"/>
+            <a:chOff x="4610099" y="2390774"/>
+            <a:chExt cx="2238376" cy="1160463"/>
+          </a:xfrm>
+        </p:grpSpPr>
+        <p:sp>
+          <p:nvSpPr>
+            <p:cNvPr id="6" name="Прямоугольник 5">
+              <a:extLst>
+                <a:ext uri="{FF2B5EF4-FFF2-40B4-BE49-F238E27FC236}">
+                  <a16:creationId xmlns:a16="http://schemas.microsoft.com/office/drawing/2014/main" id="{089B9A06-AF8D-4A94-88A9-652CDD47FF00}"/>
+                </a:ext>
+              </a:extLst>
+            </p:cNvPr>
+            <p:cNvSpPr/>
+            <p:nvPr/>
+          </p:nvSpPr>
+          <p:spPr>
+            <a:xfrm>
+              <a:off x="4610100" y="2390774"/>
+              <a:ext cx="2238375" cy="590550"/>
+            </a:xfrm>
+            <a:prstGeom prst="rect">
+              <a:avLst/>
+            </a:prstGeom>
+          </p:spPr>
+          <p:style>
+            <a:lnRef idx="1">
+              <a:schemeClr val="accent3"/>
+            </a:lnRef>
+            <a:fillRef idx="2">
+              <a:schemeClr val="accent3"/>
+            </a:fillRef>
+            <a:effectRef idx="1">
+              <a:schemeClr val="accent3"/>
+            </a:effectRef>
+            <a:fontRef idx="minor">
+              <a:schemeClr val="dk1"/>
+            </a:fontRef>
+          </p:style>
+          <p:txBody>
+            <a:bodyPr rtlCol="0" anchor="ctr"/>
+            <a:lstStyle/>
+            <a:p>
+              <a:pPr algn="ctr"/>
+              <a:r>
+                <a:rPr lang="ru-RU" dirty="0">
+                  <a:solidFill>
+                    <a:srgbClr val="FF0000"/>
+                  </a:solidFill>
+                </a:rPr>
+                <a:t>9     15   20</a:t>
+              </a:r>
+            </a:p>
+          </p:txBody>
+        </p:sp>
+        <p:sp>
+          <p:nvSpPr>
+            <p:cNvPr id="7" name="Прямоугольник 6">
+              <a:extLst>
+                <a:ext uri="{FF2B5EF4-FFF2-40B4-BE49-F238E27FC236}">
+                  <a16:creationId xmlns:a16="http://schemas.microsoft.com/office/drawing/2014/main" id="{AAC4E419-EF8F-4A53-A391-52F97F024D19}"/>
+                </a:ext>
+              </a:extLst>
+            </p:cNvPr>
+            <p:cNvSpPr/>
+            <p:nvPr/>
+          </p:nvSpPr>
+          <p:spPr>
+            <a:xfrm>
+              <a:off x="4610099" y="2981325"/>
+              <a:ext cx="2238375" cy="569912"/>
+            </a:xfrm>
+            <a:prstGeom prst="rect">
+              <a:avLst/>
+            </a:prstGeom>
+          </p:spPr>
+          <p:style>
+            <a:lnRef idx="2">
+              <a:schemeClr val="accent1">
+                <a:shade val="50000"/>
+              </a:schemeClr>
+            </a:lnRef>
+            <a:fillRef idx="1">
+              <a:schemeClr val="accent1"/>
+            </a:fillRef>
+            <a:effectRef idx="0">
+              <a:schemeClr val="accent1"/>
+            </a:effectRef>
+            <a:fontRef idx="minor">
+              <a:schemeClr val="lt1"/>
+            </a:fontRef>
+          </p:style>
+          <p:txBody>
+            <a:bodyPr rtlCol="0" anchor="ctr"/>
+            <a:lstStyle/>
+            <a:p>
+              <a:pPr algn="ctr"/>
+              <a:endParaRPr lang="ru-RU"/>
+            </a:p>
+          </p:txBody>
+        </p:sp>
+      </p:grpSp>
+      <p:sp>
+        <p:nvSpPr>
+          <p:cNvPr id="8" name="TextBox 7">
+            <a:extLst>
+              <a:ext uri="{FF2B5EF4-FFF2-40B4-BE49-F238E27FC236}">
+                <a16:creationId xmlns:a16="http://schemas.microsoft.com/office/drawing/2014/main" id="{C201BCCB-EEDE-4641-9D09-92BDFD2C4B32}"/>
+              </a:ext>
+            </a:extLst>
+          </p:cNvPr>
+          <p:cNvSpPr txBox="1"/>
+          <p:nvPr/>
+        </p:nvSpPr>
+        <p:spPr>
+          <a:xfrm>
+            <a:off x="872871" y="2312029"/>
+            <a:ext cx="3874009" cy="369332"/>
+          </a:xfrm>
+          <a:prstGeom prst="rect">
+            <a:avLst/>
+          </a:prstGeom>
+          <a:noFill/>
+        </p:spPr>
+        <p:txBody>
+          <a:bodyPr wrap="none" rtlCol="0">
+            <a:spAutoFit/>
+          </a:bodyPr>
+          <a:lstStyle/>
+          <a:p>
+            <a:r>
+              <a:rPr lang="ru-RU" dirty="0"/>
+              <a:t>1) Вставили 9 15 и 20 в пустое дерево</a:t>
+            </a:r>
+          </a:p>
+        </p:txBody>
+      </p:sp>
+      <p:sp>
+        <p:nvSpPr>
+          <p:cNvPr id="9" name="TextBox 8">
+            <a:extLst>
+              <a:ext uri="{FF2B5EF4-FFF2-40B4-BE49-F238E27FC236}">
+                <a16:creationId xmlns:a16="http://schemas.microsoft.com/office/drawing/2014/main" id="{28B661EB-00FF-4081-ACED-FDB831DC6290}"/>
+              </a:ext>
+            </a:extLst>
+          </p:cNvPr>
+          <p:cNvSpPr txBox="1"/>
+          <p:nvPr/>
+        </p:nvSpPr>
+        <p:spPr>
+          <a:xfrm>
+            <a:off x="838200" y="4176639"/>
+            <a:ext cx="3895875" cy="369332"/>
+          </a:xfrm>
+          <a:prstGeom prst="rect">
+            <a:avLst/>
+          </a:prstGeom>
+          <a:noFill/>
+        </p:spPr>
+        <p:txBody>
+          <a:bodyPr wrap="none" rtlCol="0">
+            <a:spAutoFit/>
+          </a:bodyPr>
+          <a:lstStyle/>
+          <a:p>
+            <a:r>
+              <a:rPr lang="ru-RU" dirty="0"/>
+              <a:t>2) Вставили 14 при заполненном узле</a:t>
+            </a:r>
+          </a:p>
+        </p:txBody>
+      </p:sp>
+      <p:grpSp>
+        <p:nvGrpSpPr>
+          <p:cNvPr id="11" name="Группа 10">
+            <a:extLst>
+              <a:ext uri="{FF2B5EF4-FFF2-40B4-BE49-F238E27FC236}">
+                <a16:creationId xmlns:a16="http://schemas.microsoft.com/office/drawing/2014/main" id="{EC1F6C99-7B9D-46C5-AC51-019BD59901E3}"/>
+              </a:ext>
+            </a:extLst>
+          </p:cNvPr>
+          <p:cNvGrpSpPr/>
+          <p:nvPr/>
+        </p:nvGrpSpPr>
+        <p:grpSpPr>
+          <a:xfrm>
+            <a:off x="7886701" y="4283668"/>
+            <a:ext cx="1495425" cy="950642"/>
+            <a:chOff x="4610099" y="2390776"/>
+            <a:chExt cx="2238378" cy="1160461"/>
+          </a:xfrm>
+        </p:grpSpPr>
+        <p:sp>
+          <p:nvSpPr>
+            <p:cNvPr id="12" name="Прямоугольник 11">
+              <a:extLst>
+                <a:ext uri="{FF2B5EF4-FFF2-40B4-BE49-F238E27FC236}">
+                  <a16:creationId xmlns:a16="http://schemas.microsoft.com/office/drawing/2014/main" id="{8C2F3DED-808F-4178-82C9-543424CA865A}"/>
+                </a:ext>
+              </a:extLst>
+            </p:cNvPr>
+            <p:cNvSpPr/>
+            <p:nvPr/>
+          </p:nvSpPr>
+          <p:spPr>
+            <a:xfrm>
+              <a:off x="4610102" y="2390776"/>
+              <a:ext cx="2238375" cy="590549"/>
+            </a:xfrm>
+            <a:prstGeom prst="rect">
+              <a:avLst/>
+            </a:prstGeom>
+          </p:spPr>
+          <p:style>
+            <a:lnRef idx="1">
+              <a:schemeClr val="accent3"/>
+            </a:lnRef>
+            <a:fillRef idx="2">
+              <a:schemeClr val="accent3"/>
+            </a:fillRef>
+            <a:effectRef idx="1">
+              <a:schemeClr val="accent3"/>
+            </a:effectRef>
+            <a:fontRef idx="minor">
+              <a:schemeClr val="dk1"/>
+            </a:fontRef>
+          </p:style>
+          <p:txBody>
+            <a:bodyPr rtlCol="0" anchor="ctr"/>
+            <a:lstStyle/>
+            <a:p>
+              <a:pPr algn="ctr"/>
+              <a:r>
+                <a:rPr lang="ru-RU" dirty="0"/>
+                <a:t>15</a:t>
+              </a:r>
+            </a:p>
+          </p:txBody>
+        </p:sp>
+        <p:sp>
+          <p:nvSpPr>
+            <p:cNvPr id="13" name="Прямоугольник 12">
+              <a:extLst>
+                <a:ext uri="{FF2B5EF4-FFF2-40B4-BE49-F238E27FC236}">
+                  <a16:creationId xmlns:a16="http://schemas.microsoft.com/office/drawing/2014/main" id="{FA40502F-50FC-4596-A5AE-358DB07E909F}"/>
+                </a:ext>
+              </a:extLst>
+            </p:cNvPr>
+            <p:cNvSpPr/>
+            <p:nvPr/>
+          </p:nvSpPr>
+          <p:spPr>
+            <a:xfrm>
+              <a:off x="4610099" y="2981325"/>
+              <a:ext cx="2238375" cy="569912"/>
+            </a:xfrm>
+            <a:prstGeom prst="rect">
+              <a:avLst/>
+            </a:prstGeom>
+          </p:spPr>
+          <p:style>
+            <a:lnRef idx="2">
+              <a:schemeClr val="accent1">
+                <a:shade val="50000"/>
+              </a:schemeClr>
+            </a:lnRef>
+            <a:fillRef idx="1">
+              <a:schemeClr val="accent1"/>
+            </a:fillRef>
+            <a:effectRef idx="0">
+              <a:schemeClr val="accent1"/>
+            </a:effectRef>
+            <a:fontRef idx="minor">
+              <a:schemeClr val="lt1"/>
+            </a:fontRef>
+          </p:style>
+          <p:txBody>
+            <a:bodyPr rtlCol="0" anchor="ctr"/>
+            <a:lstStyle/>
+            <a:p>
+              <a:pPr algn="ctr"/>
+              <a:endParaRPr lang="ru-RU"/>
+            </a:p>
+          </p:txBody>
+        </p:sp>
+      </p:grpSp>
+      <p:cxnSp>
+        <p:nvCxnSpPr>
+          <p:cNvPr id="14" name="Прямая со стрелкой 13">
+            <a:extLst>
+              <a:ext uri="{FF2B5EF4-FFF2-40B4-BE49-F238E27FC236}">
+                <a16:creationId xmlns:a16="http://schemas.microsoft.com/office/drawing/2014/main" id="{DD4D87BF-D4F9-4F0C-A357-20B9A5513509}"/>
+              </a:ext>
+            </a:extLst>
+          </p:cNvPr>
+          <p:cNvCxnSpPr>
+            <a:cxnSpLocks/>
+            <a:stCxn id="13" idx="1"/>
+            <a:endCxn id="24" idx="0"/>
+          </p:cNvCxnSpPr>
+          <p:nvPr/>
+        </p:nvCxnSpPr>
+        <p:spPr>
+          <a:xfrm flipH="1">
+            <a:off x="6938964" y="5000876"/>
+            <a:ext cx="947737" cy="448942"/>
+          </a:xfrm>
+          <a:prstGeom prst="straightConnector1">
+            <a:avLst/>
+          </a:prstGeom>
+          <a:ln w="57150">
+            <a:tailEnd type="triangle"/>
+          </a:ln>
+        </p:spPr>
+        <p:style>
+          <a:lnRef idx="3">
+            <a:schemeClr val="dk1"/>
+          </a:lnRef>
+          <a:fillRef idx="0">
+            <a:schemeClr val="dk1"/>
+          </a:fillRef>
+          <a:effectRef idx="2">
+            <a:schemeClr val="dk1"/>
+          </a:effectRef>
+          <a:fontRef idx="minor">
+            <a:schemeClr val="tx1"/>
+          </a:fontRef>
+        </p:style>
+      </p:cxnSp>
+      <p:cxnSp>
+        <p:nvCxnSpPr>
+          <p:cNvPr id="18" name="Прямая со стрелкой 17">
+            <a:extLst>
+              <a:ext uri="{FF2B5EF4-FFF2-40B4-BE49-F238E27FC236}">
+                <a16:creationId xmlns:a16="http://schemas.microsoft.com/office/drawing/2014/main" id="{4A9E8160-CB44-44D5-A05E-99E2B5E3555B}"/>
+              </a:ext>
+            </a:extLst>
+          </p:cNvPr>
+          <p:cNvCxnSpPr>
+            <a:cxnSpLocks/>
+            <a:stCxn id="13" idx="3"/>
+            <a:endCxn id="27" idx="0"/>
+          </p:cNvCxnSpPr>
+          <p:nvPr/>
+        </p:nvCxnSpPr>
+        <p:spPr>
+          <a:xfrm>
+            <a:off x="9382124" y="5000876"/>
+            <a:ext cx="947739" cy="457395"/>
+          </a:xfrm>
+          <a:prstGeom prst="straightConnector1">
+            <a:avLst/>
+          </a:prstGeom>
+          <a:ln w="57150">
+            <a:tailEnd type="triangle"/>
+          </a:ln>
+        </p:spPr>
+        <p:style>
+          <a:lnRef idx="3">
+            <a:schemeClr val="dk1"/>
+          </a:lnRef>
+          <a:fillRef idx="0">
+            <a:schemeClr val="dk1"/>
+          </a:fillRef>
+          <a:effectRef idx="2">
+            <a:schemeClr val="dk1"/>
+          </a:effectRef>
+          <a:fontRef idx="minor">
+            <a:schemeClr val="tx1"/>
+          </a:fontRef>
+        </p:style>
+      </p:cxnSp>
+      <p:grpSp>
+        <p:nvGrpSpPr>
+          <p:cNvPr id="23" name="Группа 22">
+            <a:extLst>
+              <a:ext uri="{FF2B5EF4-FFF2-40B4-BE49-F238E27FC236}">
+                <a16:creationId xmlns:a16="http://schemas.microsoft.com/office/drawing/2014/main" id="{4D22F2E3-73BE-42E5-B2FD-E2D1F8A4EC1A}"/>
+              </a:ext>
+            </a:extLst>
+          </p:cNvPr>
+          <p:cNvGrpSpPr/>
+          <p:nvPr/>
+        </p:nvGrpSpPr>
+        <p:grpSpPr>
+          <a:xfrm>
+            <a:off x="6191251" y="5449818"/>
+            <a:ext cx="1495424" cy="950644"/>
+            <a:chOff x="4610099" y="2390774"/>
+            <a:chExt cx="2238376" cy="1160463"/>
+          </a:xfrm>
+        </p:grpSpPr>
+        <p:sp>
+          <p:nvSpPr>
+            <p:cNvPr id="24" name="Прямоугольник 23">
+              <a:extLst>
+                <a:ext uri="{FF2B5EF4-FFF2-40B4-BE49-F238E27FC236}">
+                  <a16:creationId xmlns:a16="http://schemas.microsoft.com/office/drawing/2014/main" id="{6562B544-BCF4-4E9B-9AA1-9B4BFA496F36}"/>
+                </a:ext>
+              </a:extLst>
+            </p:cNvPr>
+            <p:cNvSpPr/>
+            <p:nvPr/>
+          </p:nvSpPr>
+          <p:spPr>
+            <a:xfrm>
+              <a:off x="4610100" y="2390774"/>
+              <a:ext cx="2238375" cy="590550"/>
+            </a:xfrm>
+            <a:prstGeom prst="rect">
+              <a:avLst/>
+            </a:prstGeom>
+          </p:spPr>
+          <p:style>
+            <a:lnRef idx="1">
+              <a:schemeClr val="accent3"/>
+            </a:lnRef>
+            <a:fillRef idx="2">
+              <a:schemeClr val="accent3"/>
+            </a:fillRef>
+            <a:effectRef idx="1">
+              <a:schemeClr val="accent3"/>
+            </a:effectRef>
+            <a:fontRef idx="minor">
+              <a:schemeClr val="dk1"/>
+            </a:fontRef>
+          </p:style>
+          <p:txBody>
+            <a:bodyPr rtlCol="0" anchor="ctr"/>
+            <a:lstStyle/>
+            <a:p>
+              <a:pPr algn="ctr"/>
+              <a:r>
+                <a:rPr lang="ru-RU" dirty="0"/>
+                <a:t>9      </a:t>
+              </a:r>
+              <a:r>
+                <a:rPr lang="ru-RU" dirty="0">
+                  <a:solidFill>
+                    <a:srgbClr val="FF0000"/>
+                  </a:solidFill>
+                </a:rPr>
+                <a:t>14</a:t>
+              </a:r>
+            </a:p>
+          </p:txBody>
+        </p:sp>
+        <p:sp>
+          <p:nvSpPr>
+            <p:cNvPr id="25" name="Прямоугольник 24">
+              <a:extLst>
+                <a:ext uri="{FF2B5EF4-FFF2-40B4-BE49-F238E27FC236}">
+                  <a16:creationId xmlns:a16="http://schemas.microsoft.com/office/drawing/2014/main" id="{F8019CF7-9BA9-4638-90A5-B4710432ACD5}"/>
+                </a:ext>
+              </a:extLst>
+            </p:cNvPr>
+            <p:cNvSpPr/>
+            <p:nvPr/>
+          </p:nvSpPr>
+          <p:spPr>
+            <a:xfrm>
+              <a:off x="4610099" y="2981325"/>
+              <a:ext cx="2238375" cy="569912"/>
+            </a:xfrm>
+            <a:prstGeom prst="rect">
+              <a:avLst/>
+            </a:prstGeom>
+          </p:spPr>
+          <p:style>
+            <a:lnRef idx="2">
+              <a:schemeClr val="accent1">
+                <a:shade val="50000"/>
+              </a:schemeClr>
+            </a:lnRef>
+            <a:fillRef idx="1">
+              <a:schemeClr val="accent1"/>
+            </a:fillRef>
+            <a:effectRef idx="0">
+              <a:schemeClr val="accent1"/>
+            </a:effectRef>
+            <a:fontRef idx="minor">
+              <a:schemeClr val="lt1"/>
+            </a:fontRef>
+          </p:style>
+          <p:txBody>
+            <a:bodyPr rtlCol="0" anchor="ctr"/>
+            <a:lstStyle/>
+            <a:p>
+              <a:pPr algn="ctr"/>
+              <a:endParaRPr lang="ru-RU"/>
+            </a:p>
+          </p:txBody>
+        </p:sp>
+      </p:grpSp>
+      <p:grpSp>
+        <p:nvGrpSpPr>
+          <p:cNvPr id="26" name="Группа 25">
+            <a:extLst>
+              <a:ext uri="{FF2B5EF4-FFF2-40B4-BE49-F238E27FC236}">
+                <a16:creationId xmlns:a16="http://schemas.microsoft.com/office/drawing/2014/main" id="{E2405C48-117E-4A98-9212-37AFDF2F283D}"/>
+              </a:ext>
+            </a:extLst>
+          </p:cNvPr>
+          <p:cNvGrpSpPr/>
+          <p:nvPr/>
+        </p:nvGrpSpPr>
+        <p:grpSpPr>
+          <a:xfrm>
+            <a:off x="9582150" y="5458271"/>
+            <a:ext cx="1495424" cy="950644"/>
+            <a:chOff x="4610099" y="2390774"/>
+            <a:chExt cx="2238376" cy="1160463"/>
+          </a:xfrm>
+        </p:grpSpPr>
+        <p:sp>
+          <p:nvSpPr>
+            <p:cNvPr id="27" name="Прямоугольник 26">
+              <a:extLst>
+                <a:ext uri="{FF2B5EF4-FFF2-40B4-BE49-F238E27FC236}">
+                  <a16:creationId xmlns:a16="http://schemas.microsoft.com/office/drawing/2014/main" id="{DF2182D5-29B4-4A4D-8B97-60440E43C8F7}"/>
+                </a:ext>
+              </a:extLst>
+            </p:cNvPr>
+            <p:cNvSpPr/>
+            <p:nvPr/>
+          </p:nvSpPr>
+          <p:spPr>
+            <a:xfrm>
+              <a:off x="4610100" y="2390774"/>
+              <a:ext cx="2238375" cy="590550"/>
+            </a:xfrm>
+            <a:prstGeom prst="rect">
+              <a:avLst/>
+            </a:prstGeom>
+          </p:spPr>
+          <p:style>
+            <a:lnRef idx="1">
+              <a:schemeClr val="accent3"/>
+            </a:lnRef>
+            <a:fillRef idx="2">
+              <a:schemeClr val="accent3"/>
+            </a:fillRef>
+            <a:effectRef idx="1">
+              <a:schemeClr val="accent3"/>
+            </a:effectRef>
+            <a:fontRef idx="minor">
+              <a:schemeClr val="dk1"/>
+            </a:fontRef>
+          </p:style>
+          <p:txBody>
+            <a:bodyPr rtlCol="0" anchor="ctr"/>
+            <a:lstStyle/>
+            <a:p>
+              <a:pPr algn="ctr"/>
+              <a:r>
+                <a:rPr lang="ru-RU" dirty="0"/>
+                <a:t>20</a:t>
+              </a:r>
+            </a:p>
+          </p:txBody>
+        </p:sp>
+        <p:sp>
+          <p:nvSpPr>
+            <p:cNvPr id="28" name="Прямоугольник 27">
+              <a:extLst>
+                <a:ext uri="{FF2B5EF4-FFF2-40B4-BE49-F238E27FC236}">
+                  <a16:creationId xmlns:a16="http://schemas.microsoft.com/office/drawing/2014/main" id="{B448BE26-2122-42DD-B061-6C7DE1AEE13F}"/>
+                </a:ext>
+              </a:extLst>
+            </p:cNvPr>
+            <p:cNvSpPr/>
+            <p:nvPr/>
+          </p:nvSpPr>
+          <p:spPr>
+            <a:xfrm>
+              <a:off x="4610099" y="2981325"/>
+              <a:ext cx="2238375" cy="569912"/>
+            </a:xfrm>
+            <a:prstGeom prst="rect">
+              <a:avLst/>
+            </a:prstGeom>
+          </p:spPr>
+          <p:style>
+            <a:lnRef idx="2">
+              <a:schemeClr val="accent1">
+                <a:shade val="50000"/>
+              </a:schemeClr>
+            </a:lnRef>
+            <a:fillRef idx="1">
+              <a:schemeClr val="accent1"/>
+            </a:fillRef>
+            <a:effectRef idx="0">
+              <a:schemeClr val="accent1"/>
+            </a:effectRef>
+            <a:fontRef idx="minor">
+              <a:schemeClr val="lt1"/>
+            </a:fontRef>
+          </p:style>
+          <p:txBody>
+            <a:bodyPr rtlCol="0" anchor="ctr"/>
+            <a:lstStyle/>
+            <a:p>
+              <a:pPr algn="ctr"/>
+              <a:endParaRPr lang="ru-RU"/>
+            </a:p>
+          </p:txBody>
+        </p:sp>
+      </p:grpSp>
+      <p:cxnSp>
+        <p:nvCxnSpPr>
+          <p:cNvPr id="37" name="Прямая соединительная линия 36">
+            <a:extLst>
+              <a:ext uri="{FF2B5EF4-FFF2-40B4-BE49-F238E27FC236}">
+                <a16:creationId xmlns:a16="http://schemas.microsoft.com/office/drawing/2014/main" id="{91267385-6656-4328-84E3-DEBDC4A14E9E}"/>
+              </a:ext>
+            </a:extLst>
+          </p:cNvPr>
+          <p:cNvCxnSpPr>
+            <a:cxnSpLocks/>
+          </p:cNvCxnSpPr>
+          <p:nvPr/>
+        </p:nvCxnSpPr>
+        <p:spPr>
+          <a:xfrm>
+            <a:off x="8377237" y="2488675"/>
+            <a:ext cx="0" cy="466868"/>
+          </a:xfrm>
+          <a:prstGeom prst="line">
+            <a:avLst/>
+          </a:prstGeom>
+        </p:spPr>
+        <p:style>
+          <a:lnRef idx="1">
+            <a:schemeClr val="dk1"/>
+          </a:lnRef>
+          <a:fillRef idx="0">
+            <a:schemeClr val="dk1"/>
+          </a:fillRef>
+          <a:effectRef idx="0">
+            <a:schemeClr val="dk1"/>
+          </a:effectRef>
+          <a:fontRef idx="minor">
+            <a:schemeClr val="tx1"/>
+          </a:fontRef>
+        </p:style>
+      </p:cxnSp>
+      <p:cxnSp>
+        <p:nvCxnSpPr>
+          <p:cNvPr id="38" name="Прямая соединительная линия 37">
+            <a:extLst>
+              <a:ext uri="{FF2B5EF4-FFF2-40B4-BE49-F238E27FC236}">
+                <a16:creationId xmlns:a16="http://schemas.microsoft.com/office/drawing/2014/main" id="{DBD83EB8-FE38-44ED-829E-A29885434574}"/>
+              </a:ext>
+            </a:extLst>
+          </p:cNvPr>
+          <p:cNvCxnSpPr/>
+          <p:nvPr/>
+        </p:nvCxnSpPr>
+        <p:spPr>
+          <a:xfrm>
+            <a:off x="8901112" y="2502962"/>
+            <a:ext cx="0" cy="466868"/>
+          </a:xfrm>
+          <a:prstGeom prst="line">
+            <a:avLst/>
+          </a:prstGeom>
+        </p:spPr>
+        <p:style>
+          <a:lnRef idx="1">
+            <a:schemeClr val="dk1"/>
+          </a:lnRef>
+          <a:fillRef idx="0">
+            <a:schemeClr val="dk1"/>
+          </a:fillRef>
+          <a:effectRef idx="0">
+            <a:schemeClr val="dk1"/>
+          </a:effectRef>
+          <a:fontRef idx="minor">
+            <a:schemeClr val="tx1"/>
+          </a:fontRef>
+        </p:style>
+      </p:cxnSp>
+      <p:cxnSp>
+        <p:nvCxnSpPr>
+          <p:cNvPr id="39" name="Прямая соединительная линия 38">
+            <a:extLst>
+              <a:ext uri="{FF2B5EF4-FFF2-40B4-BE49-F238E27FC236}">
+                <a16:creationId xmlns:a16="http://schemas.microsoft.com/office/drawing/2014/main" id="{6F2FA00E-6125-4B91-A39D-6F837E21F041}"/>
+              </a:ext>
+            </a:extLst>
+          </p:cNvPr>
+          <p:cNvCxnSpPr/>
+          <p:nvPr/>
+        </p:nvCxnSpPr>
+        <p:spPr>
+          <a:xfrm>
+            <a:off x="8634412" y="4767442"/>
+            <a:ext cx="0" cy="466868"/>
+          </a:xfrm>
+          <a:prstGeom prst="line">
+            <a:avLst/>
+          </a:prstGeom>
+        </p:spPr>
+        <p:style>
+          <a:lnRef idx="1">
+            <a:schemeClr val="dk1"/>
+          </a:lnRef>
+          <a:fillRef idx="0">
+            <a:schemeClr val="dk1"/>
+          </a:fillRef>
+          <a:effectRef idx="0">
+            <a:schemeClr val="dk1"/>
+          </a:effectRef>
+          <a:fontRef idx="minor">
+            <a:schemeClr val="tx1"/>
+          </a:fontRef>
+        </p:style>
+      </p:cxnSp>
+      <p:cxnSp>
+        <p:nvCxnSpPr>
+          <p:cNvPr id="40" name="Прямая соединительная линия 39">
+            <a:extLst>
+              <a:ext uri="{FF2B5EF4-FFF2-40B4-BE49-F238E27FC236}">
+                <a16:creationId xmlns:a16="http://schemas.microsoft.com/office/drawing/2014/main" id="{A35B8803-AEC8-4613-9511-F5CA5BE7DDE7}"/>
+              </a:ext>
+            </a:extLst>
+          </p:cNvPr>
+          <p:cNvCxnSpPr/>
+          <p:nvPr/>
+        </p:nvCxnSpPr>
+        <p:spPr>
+          <a:xfrm>
+            <a:off x="6657974" y="5933593"/>
+            <a:ext cx="0" cy="466868"/>
+          </a:xfrm>
+          <a:prstGeom prst="line">
+            <a:avLst/>
+          </a:prstGeom>
+        </p:spPr>
+        <p:style>
+          <a:lnRef idx="1">
+            <a:schemeClr val="dk1"/>
+          </a:lnRef>
+          <a:fillRef idx="0">
+            <a:schemeClr val="dk1"/>
+          </a:fillRef>
+          <a:effectRef idx="0">
+            <a:schemeClr val="dk1"/>
+          </a:effectRef>
+          <a:fontRef idx="minor">
+            <a:schemeClr val="tx1"/>
+          </a:fontRef>
+        </p:style>
+      </p:cxnSp>
+      <p:cxnSp>
+        <p:nvCxnSpPr>
+          <p:cNvPr id="41" name="Прямая соединительная линия 40">
+            <a:extLst>
+              <a:ext uri="{FF2B5EF4-FFF2-40B4-BE49-F238E27FC236}">
+                <a16:creationId xmlns:a16="http://schemas.microsoft.com/office/drawing/2014/main" id="{FBF519BE-D1DA-4B4C-8A91-A627D4394E29}"/>
+              </a:ext>
+            </a:extLst>
+          </p:cNvPr>
+          <p:cNvCxnSpPr/>
+          <p:nvPr/>
+        </p:nvCxnSpPr>
+        <p:spPr>
+          <a:xfrm>
+            <a:off x="7167563" y="5933593"/>
+            <a:ext cx="0" cy="466868"/>
+          </a:xfrm>
+          <a:prstGeom prst="line">
+            <a:avLst/>
+          </a:prstGeom>
+        </p:spPr>
+        <p:style>
+          <a:lnRef idx="1">
+            <a:schemeClr val="dk1"/>
+          </a:lnRef>
+          <a:fillRef idx="0">
+            <a:schemeClr val="dk1"/>
+          </a:fillRef>
+          <a:effectRef idx="0">
+            <a:schemeClr val="dk1"/>
+          </a:effectRef>
+          <a:fontRef idx="minor">
+            <a:schemeClr val="tx1"/>
+          </a:fontRef>
+        </p:style>
+      </p:cxnSp>
+      <p:cxnSp>
+        <p:nvCxnSpPr>
+          <p:cNvPr id="42" name="Прямая соединительная линия 41">
+            <a:extLst>
+              <a:ext uri="{FF2B5EF4-FFF2-40B4-BE49-F238E27FC236}">
+                <a16:creationId xmlns:a16="http://schemas.microsoft.com/office/drawing/2014/main" id="{82E94CEF-679F-473C-B1C4-5A5489F0C135}"/>
+              </a:ext>
+            </a:extLst>
+          </p:cNvPr>
+          <p:cNvCxnSpPr/>
+          <p:nvPr/>
+        </p:nvCxnSpPr>
+        <p:spPr>
+          <a:xfrm>
+            <a:off x="10329861" y="5933593"/>
+            <a:ext cx="0" cy="466868"/>
+          </a:xfrm>
+          <a:prstGeom prst="line">
+            <a:avLst/>
+          </a:prstGeom>
+        </p:spPr>
+        <p:style>
+          <a:lnRef idx="1">
+            <a:schemeClr val="dk1"/>
+          </a:lnRef>
+          <a:fillRef idx="0">
+            <a:schemeClr val="dk1"/>
+          </a:fillRef>
+          <a:effectRef idx="0">
+            <a:schemeClr val="dk1"/>
+          </a:effectRef>
+          <a:fontRef idx="minor">
+            <a:schemeClr val="tx1"/>
+          </a:fontRef>
+        </p:style>
+      </p:cxnSp>
+    </p:spTree>
+    <p:extLst>
+      <p:ext uri="{BB962C8B-B14F-4D97-AF65-F5344CB8AC3E}">
+        <p14:creationId xmlns:p14="http://schemas.microsoft.com/office/powerpoint/2010/main" val="3142871151"/>
+      </p:ext>
+    </p:extLst>
+  </p:cSld>
+  <p:clrMapOvr>
+    <a:masterClrMapping/>
+  </p:clrMapOvr>
+</p:sld>
+</file>
+
+<file path=ppt/slides/slide8.xml><?xml version="1.0" encoding="utf-8"?>
+<p:sld xmlns:a="http://schemas.openxmlformats.org/drawingml/2006/main" xmlns:r="http://schemas.openxmlformats.org/officeDocument/2006/relationships" xmlns:p="http://schemas.openxmlformats.org/presentationml/2006/main">
+  <p:cSld>
+    <p:spTree>
+      <p:nvGrpSpPr>
+        <p:cNvPr id="1" name=""/>
+        <p:cNvGrpSpPr/>
+        <p:nvPr/>
+      </p:nvGrpSpPr>
+      <p:grpSpPr>
+        <a:xfrm>
+          <a:off x="0" y="0"/>
+          <a:ext cx="0" cy="0"/>
+          <a:chOff x="0" y="0"/>
+          <a:chExt cx="0" cy="0"/>
+        </a:xfrm>
+      </p:grpSpPr>
+      <p:sp>
+        <p:nvSpPr>
+          <p:cNvPr id="2" name="Заголовок 1">
+            <a:extLst>
+              <a:ext uri="{FF2B5EF4-FFF2-40B4-BE49-F238E27FC236}">
+                <a16:creationId xmlns:a16="http://schemas.microsoft.com/office/drawing/2014/main" id="{02F8F46F-E26C-4785-8197-288E402308FC}"/>
+              </a:ext>
+            </a:extLst>
+          </p:cNvPr>
+          <p:cNvSpPr>
+            <a:spLocks noGrp="1"/>
+          </p:cNvSpPr>
+          <p:nvPr>
+            <p:ph type="title"/>
+          </p:nvPr>
+        </p:nvSpPr>
+        <p:spPr/>
+        <p:txBody>
+          <a:bodyPr/>
+          <a:lstStyle/>
+          <a:p>
+            <a:r>
+              <a:rPr lang="ru-RU" dirty="0"/>
+              <a:t>Вставка(2)</a:t>
+            </a:r>
+          </a:p>
+        </p:txBody>
+      </p:sp>
+      <p:sp>
+        <p:nvSpPr>
+          <p:cNvPr id="21" name="TextBox 20">
+            <a:extLst>
+              <a:ext uri="{FF2B5EF4-FFF2-40B4-BE49-F238E27FC236}">
+                <a16:creationId xmlns:a16="http://schemas.microsoft.com/office/drawing/2014/main" id="{011AAF55-ABE0-4CCD-AF5A-B74DD0E046DC}"/>
+              </a:ext>
+            </a:extLst>
+          </p:cNvPr>
+          <p:cNvSpPr txBox="1"/>
+          <p:nvPr/>
+        </p:nvSpPr>
+        <p:spPr>
+          <a:xfrm>
+            <a:off x="1149096" y="4486909"/>
+            <a:ext cx="5108001" cy="369332"/>
+          </a:xfrm>
+          <a:prstGeom prst="rect">
+            <a:avLst/>
+          </a:prstGeom>
+          <a:noFill/>
+        </p:spPr>
+        <p:txBody>
+          <a:bodyPr wrap="none" rtlCol="0">
+            <a:spAutoFit/>
+          </a:bodyPr>
+          <a:lstStyle/>
+          <a:p>
+            <a:r>
+              <a:rPr lang="ru-RU" dirty="0"/>
+              <a:t>4) Вставили 5, перемещение элемента в род. узел</a:t>
+            </a:r>
+          </a:p>
+        </p:txBody>
+      </p:sp>
+      <p:grpSp>
+        <p:nvGrpSpPr>
+          <p:cNvPr id="22" name="Группа 21">
+            <a:extLst>
+              <a:ext uri="{FF2B5EF4-FFF2-40B4-BE49-F238E27FC236}">
+                <a16:creationId xmlns:a16="http://schemas.microsoft.com/office/drawing/2014/main" id="{43715875-B2E9-490C-9A6B-856905DA0FFB}"/>
+              </a:ext>
+            </a:extLst>
+          </p:cNvPr>
+          <p:cNvGrpSpPr/>
+          <p:nvPr/>
+        </p:nvGrpSpPr>
+        <p:grpSpPr>
+          <a:xfrm>
+            <a:off x="8162926" y="4122127"/>
+            <a:ext cx="1495425" cy="950642"/>
+            <a:chOff x="4610099" y="2390776"/>
+            <a:chExt cx="2238378" cy="1160461"/>
+          </a:xfrm>
+        </p:grpSpPr>
+        <p:sp>
+          <p:nvSpPr>
+            <p:cNvPr id="23" name="Прямоугольник 22">
+              <a:extLst>
+                <a:ext uri="{FF2B5EF4-FFF2-40B4-BE49-F238E27FC236}">
+                  <a16:creationId xmlns:a16="http://schemas.microsoft.com/office/drawing/2014/main" id="{A09BA048-FC8A-46ED-B88A-CEF04150675B}"/>
+                </a:ext>
+              </a:extLst>
+            </p:cNvPr>
+            <p:cNvSpPr/>
+            <p:nvPr/>
+          </p:nvSpPr>
+          <p:spPr>
+            <a:xfrm>
+              <a:off x="4610102" y="2390776"/>
+              <a:ext cx="2238375" cy="590549"/>
+            </a:xfrm>
+            <a:prstGeom prst="rect">
+              <a:avLst/>
+            </a:prstGeom>
+          </p:spPr>
+          <p:style>
+            <a:lnRef idx="1">
+              <a:schemeClr val="accent3"/>
+            </a:lnRef>
+            <a:fillRef idx="2">
+              <a:schemeClr val="accent3"/>
+            </a:fillRef>
+            <a:effectRef idx="1">
+              <a:schemeClr val="accent3"/>
+            </a:effectRef>
+            <a:fontRef idx="minor">
+              <a:schemeClr val="dk1"/>
+            </a:fontRef>
+          </p:style>
+          <p:txBody>
+            <a:bodyPr rtlCol="0" anchor="ctr"/>
+            <a:lstStyle/>
+            <a:p>
+              <a:pPr algn="ctr"/>
+              <a:r>
+                <a:rPr lang="ru-RU" dirty="0"/>
+                <a:t>10     15</a:t>
+              </a:r>
+            </a:p>
+          </p:txBody>
+        </p:sp>
+        <p:sp>
+          <p:nvSpPr>
+            <p:cNvPr id="24" name="Прямоугольник 23">
+              <a:extLst>
+                <a:ext uri="{FF2B5EF4-FFF2-40B4-BE49-F238E27FC236}">
+                  <a16:creationId xmlns:a16="http://schemas.microsoft.com/office/drawing/2014/main" id="{D6CEFAEF-9AFE-40FC-93C4-3213EE8618AF}"/>
+                </a:ext>
+              </a:extLst>
+            </p:cNvPr>
+            <p:cNvSpPr/>
+            <p:nvPr/>
+          </p:nvSpPr>
+          <p:spPr>
+            <a:xfrm>
+              <a:off x="4610099" y="2981325"/>
+              <a:ext cx="2238375" cy="569912"/>
+            </a:xfrm>
+            <a:prstGeom prst="rect">
+              <a:avLst/>
+            </a:prstGeom>
+          </p:spPr>
+          <p:style>
+            <a:lnRef idx="2">
+              <a:schemeClr val="accent1">
+                <a:shade val="50000"/>
+              </a:schemeClr>
+            </a:lnRef>
+            <a:fillRef idx="1">
+              <a:schemeClr val="accent1"/>
+            </a:fillRef>
+            <a:effectRef idx="0">
+              <a:schemeClr val="accent1"/>
+            </a:effectRef>
+            <a:fontRef idx="minor">
+              <a:schemeClr val="lt1"/>
+            </a:fontRef>
+          </p:style>
+          <p:txBody>
+            <a:bodyPr rtlCol="0" anchor="ctr"/>
+            <a:lstStyle/>
+            <a:p>
+              <a:pPr algn="ctr"/>
+              <a:endParaRPr lang="ru-RU"/>
+            </a:p>
+          </p:txBody>
+        </p:sp>
+      </p:grpSp>
+      <p:cxnSp>
+        <p:nvCxnSpPr>
+          <p:cNvPr id="25" name="Прямая со стрелкой 24">
+            <a:extLst>
+              <a:ext uri="{FF2B5EF4-FFF2-40B4-BE49-F238E27FC236}">
+                <a16:creationId xmlns:a16="http://schemas.microsoft.com/office/drawing/2014/main" id="{57E9C92E-CE99-4184-B17B-84B0D5AE022B}"/>
+              </a:ext>
+            </a:extLst>
+          </p:cNvPr>
+          <p:cNvCxnSpPr>
+            <a:cxnSpLocks/>
+            <a:stCxn id="24" idx="1"/>
+            <a:endCxn id="28" idx="0"/>
+          </p:cNvCxnSpPr>
+          <p:nvPr/>
+        </p:nvCxnSpPr>
+        <p:spPr>
+          <a:xfrm flipH="1">
+            <a:off x="7215189" y="4839335"/>
+            <a:ext cx="947737" cy="448942"/>
+          </a:xfrm>
+          <a:prstGeom prst="straightConnector1">
+            <a:avLst/>
+          </a:prstGeom>
+          <a:ln w="57150">
+            <a:tailEnd type="triangle"/>
+          </a:ln>
+        </p:spPr>
+        <p:style>
+          <a:lnRef idx="3">
+            <a:schemeClr val="dk1"/>
+          </a:lnRef>
+          <a:fillRef idx="0">
+            <a:schemeClr val="dk1"/>
+          </a:fillRef>
+          <a:effectRef idx="2">
+            <a:schemeClr val="dk1"/>
+          </a:effectRef>
+          <a:fontRef idx="minor">
+            <a:schemeClr val="tx1"/>
+          </a:fontRef>
+        </p:style>
+      </p:cxnSp>
+      <p:cxnSp>
+        <p:nvCxnSpPr>
+          <p:cNvPr id="26" name="Прямая со стрелкой 25">
+            <a:extLst>
+              <a:ext uri="{FF2B5EF4-FFF2-40B4-BE49-F238E27FC236}">
+                <a16:creationId xmlns:a16="http://schemas.microsoft.com/office/drawing/2014/main" id="{17BCC65D-8D8C-4D13-877A-DAA19EC56859}"/>
+              </a:ext>
+            </a:extLst>
+          </p:cNvPr>
+          <p:cNvCxnSpPr>
+            <a:cxnSpLocks/>
+            <a:stCxn id="24" idx="3"/>
+            <a:endCxn id="31" idx="0"/>
+          </p:cNvCxnSpPr>
+          <p:nvPr/>
+        </p:nvCxnSpPr>
+        <p:spPr>
+          <a:xfrm>
+            <a:off x="9658349" y="4839335"/>
+            <a:ext cx="947739" cy="457395"/>
+          </a:xfrm>
+          <a:prstGeom prst="straightConnector1">
+            <a:avLst/>
+          </a:prstGeom>
+          <a:ln w="57150">
+            <a:tailEnd type="triangle"/>
+          </a:ln>
+        </p:spPr>
+        <p:style>
+          <a:lnRef idx="3">
+            <a:schemeClr val="dk1"/>
+          </a:lnRef>
+          <a:fillRef idx="0">
+            <a:schemeClr val="dk1"/>
+          </a:fillRef>
+          <a:effectRef idx="2">
+            <a:schemeClr val="dk1"/>
+          </a:effectRef>
+          <a:fontRef idx="minor">
+            <a:schemeClr val="tx1"/>
+          </a:fontRef>
+        </p:style>
+      </p:cxnSp>
+      <p:grpSp>
+        <p:nvGrpSpPr>
+          <p:cNvPr id="27" name="Группа 26">
+            <a:extLst>
+              <a:ext uri="{FF2B5EF4-FFF2-40B4-BE49-F238E27FC236}">
+                <a16:creationId xmlns:a16="http://schemas.microsoft.com/office/drawing/2014/main" id="{EB16C6B4-FAFF-4161-98F5-ACA56FB08D1F}"/>
+              </a:ext>
+            </a:extLst>
+          </p:cNvPr>
+          <p:cNvGrpSpPr/>
+          <p:nvPr/>
+        </p:nvGrpSpPr>
+        <p:grpSpPr>
+          <a:xfrm>
+            <a:off x="6467476" y="5288277"/>
+            <a:ext cx="1495424" cy="950644"/>
+            <a:chOff x="4610099" y="2390774"/>
+            <a:chExt cx="2238376" cy="1160463"/>
+          </a:xfrm>
+        </p:grpSpPr>
+        <p:sp>
+          <p:nvSpPr>
+            <p:cNvPr id="28" name="Прямоугольник 27">
+              <a:extLst>
+                <a:ext uri="{FF2B5EF4-FFF2-40B4-BE49-F238E27FC236}">
+                  <a16:creationId xmlns:a16="http://schemas.microsoft.com/office/drawing/2014/main" id="{CC002E51-9FF0-462F-A500-B267231B056A}"/>
+                </a:ext>
+              </a:extLst>
+            </p:cNvPr>
+            <p:cNvSpPr/>
+            <p:nvPr/>
+          </p:nvSpPr>
+          <p:spPr>
+            <a:xfrm>
+              <a:off x="4610100" y="2390774"/>
+              <a:ext cx="2238375" cy="590550"/>
+            </a:xfrm>
+            <a:prstGeom prst="rect">
+              <a:avLst/>
+            </a:prstGeom>
+          </p:spPr>
+          <p:style>
+            <a:lnRef idx="1">
+              <a:schemeClr val="accent3"/>
+            </a:lnRef>
+            <a:fillRef idx="2">
+              <a:schemeClr val="accent3"/>
+            </a:fillRef>
+            <a:effectRef idx="1">
+              <a:schemeClr val="accent3"/>
+            </a:effectRef>
+            <a:fontRef idx="minor">
+              <a:schemeClr val="dk1"/>
+            </a:fontRef>
+          </p:style>
+          <p:txBody>
+            <a:bodyPr rtlCol="0" anchor="ctr"/>
+            <a:lstStyle/>
+            <a:p>
+              <a:pPr algn="ctr"/>
+              <a:r>
+                <a:rPr lang="ru-RU" dirty="0">
+                  <a:solidFill>
+                    <a:srgbClr val="FF0000"/>
+                  </a:solidFill>
+                </a:rPr>
+                <a:t>5</a:t>
+              </a:r>
+              <a:r>
+                <a:rPr lang="ru-RU" dirty="0"/>
+                <a:t>     9    14</a:t>
+              </a:r>
+              <a:endParaRPr lang="ru-RU" dirty="0">
+                <a:solidFill>
+                  <a:srgbClr val="FF0000"/>
+                </a:solidFill>
+              </a:endParaRPr>
+            </a:p>
+          </p:txBody>
+        </p:sp>
+        <p:sp>
+          <p:nvSpPr>
+            <p:cNvPr id="29" name="Прямоугольник 28">
+              <a:extLst>
+                <a:ext uri="{FF2B5EF4-FFF2-40B4-BE49-F238E27FC236}">
+                  <a16:creationId xmlns:a16="http://schemas.microsoft.com/office/drawing/2014/main" id="{5BB8708B-1BEB-43E1-96C5-7BC4EAC67781}"/>
+                </a:ext>
+              </a:extLst>
+            </p:cNvPr>
+            <p:cNvSpPr/>
+            <p:nvPr/>
+          </p:nvSpPr>
+          <p:spPr>
+            <a:xfrm>
+              <a:off x="4610099" y="2981325"/>
+              <a:ext cx="2238375" cy="569912"/>
+            </a:xfrm>
+            <a:prstGeom prst="rect">
+              <a:avLst/>
+            </a:prstGeom>
+          </p:spPr>
+          <p:style>
+            <a:lnRef idx="2">
+              <a:schemeClr val="accent1">
+                <a:shade val="50000"/>
+              </a:schemeClr>
+            </a:lnRef>
+            <a:fillRef idx="1">
+              <a:schemeClr val="accent1"/>
+            </a:fillRef>
+            <a:effectRef idx="0">
+              <a:schemeClr val="accent1"/>
+            </a:effectRef>
+            <a:fontRef idx="minor">
+              <a:schemeClr val="lt1"/>
+            </a:fontRef>
+          </p:style>
+          <p:txBody>
+            <a:bodyPr rtlCol="0" anchor="ctr"/>
+            <a:lstStyle/>
+            <a:p>
+              <a:pPr algn="ctr"/>
+              <a:endParaRPr lang="ru-RU"/>
+            </a:p>
+          </p:txBody>
+        </p:sp>
+      </p:grpSp>
+      <p:grpSp>
+        <p:nvGrpSpPr>
+          <p:cNvPr id="30" name="Группа 29">
+            <a:extLst>
+              <a:ext uri="{FF2B5EF4-FFF2-40B4-BE49-F238E27FC236}">
+                <a16:creationId xmlns:a16="http://schemas.microsoft.com/office/drawing/2014/main" id="{8A2BC7F8-F3C8-4127-AFA2-682F2056F7C6}"/>
+              </a:ext>
+            </a:extLst>
+          </p:cNvPr>
+          <p:cNvGrpSpPr/>
+          <p:nvPr/>
+        </p:nvGrpSpPr>
+        <p:grpSpPr>
+          <a:xfrm>
+            <a:off x="9858375" y="5296730"/>
+            <a:ext cx="1495424" cy="950644"/>
+            <a:chOff x="4610099" y="2390774"/>
+            <a:chExt cx="2238376" cy="1160463"/>
+          </a:xfrm>
+        </p:grpSpPr>
+        <p:sp>
+          <p:nvSpPr>
+            <p:cNvPr id="31" name="Прямоугольник 30">
+              <a:extLst>
+                <a:ext uri="{FF2B5EF4-FFF2-40B4-BE49-F238E27FC236}">
+                  <a16:creationId xmlns:a16="http://schemas.microsoft.com/office/drawing/2014/main" id="{9E9E39A5-1C90-400D-9BF2-E7032C2F178A}"/>
+                </a:ext>
+              </a:extLst>
+            </p:cNvPr>
+            <p:cNvSpPr/>
+            <p:nvPr/>
+          </p:nvSpPr>
+          <p:spPr>
+            <a:xfrm>
+              <a:off x="4610100" y="2390774"/>
+              <a:ext cx="2238375" cy="590550"/>
+            </a:xfrm>
+            <a:prstGeom prst="rect">
+              <a:avLst/>
+            </a:prstGeom>
+          </p:spPr>
+          <p:style>
+            <a:lnRef idx="1">
+              <a:schemeClr val="accent3"/>
+            </a:lnRef>
+            <a:fillRef idx="2">
+              <a:schemeClr val="accent3"/>
+            </a:fillRef>
+            <a:effectRef idx="1">
+              <a:schemeClr val="accent3"/>
+            </a:effectRef>
+            <a:fontRef idx="minor">
+              <a:schemeClr val="dk1"/>
+            </a:fontRef>
+          </p:style>
+          <p:txBody>
+            <a:bodyPr rtlCol="0" anchor="ctr"/>
+            <a:lstStyle/>
+            <a:p>
+              <a:pPr algn="ctr"/>
+              <a:r>
+                <a:rPr lang="ru-RU" dirty="0"/>
+                <a:t>20</a:t>
+              </a:r>
+            </a:p>
+          </p:txBody>
+        </p:sp>
+        <p:sp>
+          <p:nvSpPr>
+            <p:cNvPr id="32" name="Прямоугольник 31">
+              <a:extLst>
+                <a:ext uri="{FF2B5EF4-FFF2-40B4-BE49-F238E27FC236}">
+                  <a16:creationId xmlns:a16="http://schemas.microsoft.com/office/drawing/2014/main" id="{877698DA-A3D7-4C7C-BD3B-0FC6E8F36389}"/>
+                </a:ext>
+              </a:extLst>
+            </p:cNvPr>
+            <p:cNvSpPr/>
+            <p:nvPr/>
+          </p:nvSpPr>
+          <p:spPr>
+            <a:xfrm>
+              <a:off x="4610099" y="2981325"/>
+              <a:ext cx="2238375" cy="569912"/>
+            </a:xfrm>
+            <a:prstGeom prst="rect">
+              <a:avLst/>
+            </a:prstGeom>
+          </p:spPr>
+          <p:style>
+            <a:lnRef idx="2">
+              <a:schemeClr val="accent1">
+                <a:shade val="50000"/>
+              </a:schemeClr>
+            </a:lnRef>
+            <a:fillRef idx="1">
+              <a:schemeClr val="accent1"/>
+            </a:fillRef>
+            <a:effectRef idx="0">
+              <a:schemeClr val="accent1"/>
+            </a:effectRef>
+            <a:fontRef idx="minor">
+              <a:schemeClr val="lt1"/>
+            </a:fontRef>
+          </p:style>
+          <p:txBody>
+            <a:bodyPr rtlCol="0" anchor="ctr"/>
+            <a:lstStyle/>
+            <a:p>
+              <a:pPr algn="ctr"/>
+              <a:endParaRPr lang="ru-RU"/>
+            </a:p>
+          </p:txBody>
+        </p:sp>
+      </p:grpSp>
+      <p:cxnSp>
+        <p:nvCxnSpPr>
+          <p:cNvPr id="33" name="Прямая соединительная линия 32">
+            <a:extLst>
+              <a:ext uri="{FF2B5EF4-FFF2-40B4-BE49-F238E27FC236}">
+                <a16:creationId xmlns:a16="http://schemas.microsoft.com/office/drawing/2014/main" id="{622C99BD-B8EC-4DEB-9F85-38935DEF79EB}"/>
+              </a:ext>
+            </a:extLst>
+          </p:cNvPr>
+          <p:cNvCxnSpPr/>
+          <p:nvPr/>
+        </p:nvCxnSpPr>
+        <p:spPr>
+          <a:xfrm>
+            <a:off x="8634412" y="4605901"/>
+            <a:ext cx="0" cy="466868"/>
+          </a:xfrm>
+          <a:prstGeom prst="line">
+            <a:avLst/>
+          </a:prstGeom>
+        </p:spPr>
+        <p:style>
+          <a:lnRef idx="1">
+            <a:schemeClr val="dk1"/>
+          </a:lnRef>
+          <a:fillRef idx="0">
+            <a:schemeClr val="dk1"/>
+          </a:fillRef>
+          <a:effectRef idx="0">
+            <a:schemeClr val="dk1"/>
+          </a:effectRef>
+          <a:fontRef idx="minor">
+            <a:schemeClr val="tx1"/>
+          </a:fontRef>
+        </p:style>
+      </p:cxnSp>
+      <p:cxnSp>
+        <p:nvCxnSpPr>
+          <p:cNvPr id="34" name="Прямая соединительная линия 33">
+            <a:extLst>
+              <a:ext uri="{FF2B5EF4-FFF2-40B4-BE49-F238E27FC236}">
+                <a16:creationId xmlns:a16="http://schemas.microsoft.com/office/drawing/2014/main" id="{D90B35C9-839B-4D1D-AFE1-08CBEC2850A3}"/>
+              </a:ext>
+            </a:extLst>
+          </p:cNvPr>
+          <p:cNvCxnSpPr/>
+          <p:nvPr/>
+        </p:nvCxnSpPr>
+        <p:spPr>
+          <a:xfrm>
+            <a:off x="6934199" y="5772052"/>
+            <a:ext cx="0" cy="466868"/>
+          </a:xfrm>
+          <a:prstGeom prst="line">
+            <a:avLst/>
+          </a:prstGeom>
+        </p:spPr>
+        <p:style>
+          <a:lnRef idx="1">
+            <a:schemeClr val="dk1"/>
+          </a:lnRef>
+          <a:fillRef idx="0">
+            <a:schemeClr val="dk1"/>
+          </a:fillRef>
+          <a:effectRef idx="0">
+            <a:schemeClr val="dk1"/>
+          </a:effectRef>
+          <a:fontRef idx="minor">
+            <a:schemeClr val="tx1"/>
+          </a:fontRef>
+        </p:style>
+      </p:cxnSp>
+      <p:cxnSp>
+        <p:nvCxnSpPr>
+          <p:cNvPr id="35" name="Прямая соединительная линия 34">
+            <a:extLst>
+              <a:ext uri="{FF2B5EF4-FFF2-40B4-BE49-F238E27FC236}">
+                <a16:creationId xmlns:a16="http://schemas.microsoft.com/office/drawing/2014/main" id="{6C70E78A-AA7B-4383-BB48-718BB6A40D2B}"/>
+              </a:ext>
+            </a:extLst>
+          </p:cNvPr>
+          <p:cNvCxnSpPr/>
+          <p:nvPr/>
+        </p:nvCxnSpPr>
+        <p:spPr>
+          <a:xfrm>
+            <a:off x="7443788" y="5772052"/>
+            <a:ext cx="0" cy="466868"/>
+          </a:xfrm>
+          <a:prstGeom prst="line">
+            <a:avLst/>
+          </a:prstGeom>
+        </p:spPr>
+        <p:style>
+          <a:lnRef idx="1">
+            <a:schemeClr val="dk1"/>
+          </a:lnRef>
+          <a:fillRef idx="0">
+            <a:schemeClr val="dk1"/>
+          </a:fillRef>
+          <a:effectRef idx="0">
+            <a:schemeClr val="dk1"/>
+          </a:effectRef>
+          <a:fontRef idx="minor">
+            <a:schemeClr val="tx1"/>
+          </a:fontRef>
+        </p:style>
+      </p:cxnSp>
+      <p:cxnSp>
+        <p:nvCxnSpPr>
+          <p:cNvPr id="36" name="Прямая соединительная линия 35">
+            <a:extLst>
+              <a:ext uri="{FF2B5EF4-FFF2-40B4-BE49-F238E27FC236}">
+                <a16:creationId xmlns:a16="http://schemas.microsoft.com/office/drawing/2014/main" id="{90441EBB-08D5-42F1-B893-251E49D514A1}"/>
+              </a:ext>
+            </a:extLst>
+          </p:cNvPr>
+          <p:cNvCxnSpPr/>
+          <p:nvPr/>
+        </p:nvCxnSpPr>
+        <p:spPr>
+          <a:xfrm>
+            <a:off x="10606086" y="5772052"/>
+            <a:ext cx="0" cy="466868"/>
+          </a:xfrm>
+          <a:prstGeom prst="line">
+            <a:avLst/>
+          </a:prstGeom>
+        </p:spPr>
+        <p:style>
+          <a:lnRef idx="1">
+            <a:schemeClr val="dk1"/>
+          </a:lnRef>
+          <a:fillRef idx="0">
+            <a:schemeClr val="dk1"/>
+          </a:fillRef>
+          <a:effectRef idx="0">
+            <a:schemeClr val="dk1"/>
+          </a:effectRef>
+          <a:fontRef idx="minor">
+            <a:schemeClr val="tx1"/>
+          </a:fontRef>
+        </p:style>
+      </p:cxnSp>
+      <p:cxnSp>
+        <p:nvCxnSpPr>
+          <p:cNvPr id="37" name="Прямая соединительная линия 36">
+            <a:extLst>
+              <a:ext uri="{FF2B5EF4-FFF2-40B4-BE49-F238E27FC236}">
+                <a16:creationId xmlns:a16="http://schemas.microsoft.com/office/drawing/2014/main" id="{8381B7F1-AF51-4C6D-AC02-14E083A96483}"/>
+              </a:ext>
+            </a:extLst>
+          </p:cNvPr>
+          <p:cNvCxnSpPr/>
+          <p:nvPr/>
+        </p:nvCxnSpPr>
+        <p:spPr>
+          <a:xfrm>
+            <a:off x="9120187" y="4605901"/>
+            <a:ext cx="0" cy="466868"/>
+          </a:xfrm>
+          <a:prstGeom prst="line">
+            <a:avLst/>
+          </a:prstGeom>
+        </p:spPr>
+        <p:style>
+          <a:lnRef idx="1">
+            <a:schemeClr val="dk1"/>
+          </a:lnRef>
+          <a:fillRef idx="0">
+            <a:schemeClr val="dk1"/>
+          </a:fillRef>
+          <a:effectRef idx="0">
+            <a:schemeClr val="dk1"/>
+          </a:effectRef>
+          <a:fontRef idx="minor">
+            <a:schemeClr val="tx1"/>
+          </a:fontRef>
+        </p:style>
+      </p:cxnSp>
+      <p:sp>
+        <p:nvSpPr>
+          <p:cNvPr id="38" name="TextBox 37">
+            <a:extLst>
+              <a:ext uri="{FF2B5EF4-FFF2-40B4-BE49-F238E27FC236}">
+                <a16:creationId xmlns:a16="http://schemas.microsoft.com/office/drawing/2014/main" id="{BFF40001-75D9-4467-A480-49FBF5A66FBF}"/>
+              </a:ext>
+            </a:extLst>
+          </p:cNvPr>
+          <p:cNvSpPr txBox="1"/>
+          <p:nvPr/>
+        </p:nvSpPr>
+        <p:spPr>
+          <a:xfrm>
+            <a:off x="1149096" y="1600566"/>
+            <a:ext cx="1612942" cy="369332"/>
+          </a:xfrm>
+          <a:prstGeom prst="rect">
+            <a:avLst/>
+          </a:prstGeom>
+          <a:noFill/>
+        </p:spPr>
+        <p:txBody>
+          <a:bodyPr wrap="none" rtlCol="0">
+            <a:spAutoFit/>
+          </a:bodyPr>
+          <a:lstStyle/>
+          <a:p>
+            <a:r>
+              <a:rPr lang="ru-RU" dirty="0"/>
+              <a:t>3) Вставили 10</a:t>
+            </a:r>
+          </a:p>
+        </p:txBody>
+      </p:sp>
+      <p:grpSp>
+        <p:nvGrpSpPr>
+          <p:cNvPr id="39" name="Группа 38">
+            <a:extLst>
+              <a:ext uri="{FF2B5EF4-FFF2-40B4-BE49-F238E27FC236}">
+                <a16:creationId xmlns:a16="http://schemas.microsoft.com/office/drawing/2014/main" id="{D3355179-B51D-434E-86A8-A17E6DD8E6AB}"/>
+              </a:ext>
+            </a:extLst>
+          </p:cNvPr>
+          <p:cNvGrpSpPr/>
+          <p:nvPr/>
+        </p:nvGrpSpPr>
+        <p:grpSpPr>
+          <a:xfrm>
+            <a:off x="8162926" y="1235784"/>
+            <a:ext cx="1495425" cy="950642"/>
+            <a:chOff x="4610099" y="2390776"/>
+            <a:chExt cx="2238378" cy="1160461"/>
+          </a:xfrm>
+        </p:grpSpPr>
+        <p:sp>
+          <p:nvSpPr>
+            <p:cNvPr id="40" name="Прямоугольник 39">
+              <a:extLst>
+                <a:ext uri="{FF2B5EF4-FFF2-40B4-BE49-F238E27FC236}">
+                  <a16:creationId xmlns:a16="http://schemas.microsoft.com/office/drawing/2014/main" id="{BBA57B1B-BD45-4610-BB21-2D384BB4E621}"/>
+                </a:ext>
+              </a:extLst>
+            </p:cNvPr>
+            <p:cNvSpPr/>
+            <p:nvPr/>
+          </p:nvSpPr>
+          <p:spPr>
+            <a:xfrm>
+              <a:off x="4610102" y="2390776"/>
+              <a:ext cx="2238375" cy="590549"/>
+            </a:xfrm>
+            <a:prstGeom prst="rect">
+              <a:avLst/>
+            </a:prstGeom>
+          </p:spPr>
+          <p:style>
+            <a:lnRef idx="1">
+              <a:schemeClr val="accent3"/>
+            </a:lnRef>
+            <a:fillRef idx="2">
+              <a:schemeClr val="accent3"/>
+            </a:fillRef>
+            <a:effectRef idx="1">
+              <a:schemeClr val="accent3"/>
+            </a:effectRef>
+            <a:fontRef idx="minor">
+              <a:schemeClr val="dk1"/>
+            </a:fontRef>
+          </p:style>
+          <p:txBody>
+            <a:bodyPr rtlCol="0" anchor="ctr"/>
+            <a:lstStyle/>
+            <a:p>
+              <a:pPr algn="ctr"/>
+              <a:r>
+                <a:rPr lang="ru-RU" dirty="0"/>
+                <a:t>15</a:t>
+              </a:r>
+            </a:p>
+          </p:txBody>
+        </p:sp>
+        <p:sp>
+          <p:nvSpPr>
+            <p:cNvPr id="41" name="Прямоугольник 40">
+              <a:extLst>
+                <a:ext uri="{FF2B5EF4-FFF2-40B4-BE49-F238E27FC236}">
+                  <a16:creationId xmlns:a16="http://schemas.microsoft.com/office/drawing/2014/main" id="{8E118C1C-186C-409C-98D2-744B44E9AC10}"/>
+                </a:ext>
+              </a:extLst>
+            </p:cNvPr>
+            <p:cNvSpPr/>
+            <p:nvPr/>
+          </p:nvSpPr>
+          <p:spPr>
+            <a:xfrm>
+              <a:off x="4610099" y="2981325"/>
+              <a:ext cx="2238375" cy="569912"/>
+            </a:xfrm>
+            <a:prstGeom prst="rect">
+              <a:avLst/>
+            </a:prstGeom>
+          </p:spPr>
+          <p:style>
+            <a:lnRef idx="2">
+              <a:schemeClr val="accent1">
+                <a:shade val="50000"/>
+              </a:schemeClr>
+            </a:lnRef>
+            <a:fillRef idx="1">
+              <a:schemeClr val="accent1"/>
+            </a:fillRef>
+            <a:effectRef idx="0">
+              <a:schemeClr val="accent1"/>
+            </a:effectRef>
+            <a:fontRef idx="minor">
+              <a:schemeClr val="lt1"/>
+            </a:fontRef>
+          </p:style>
+          <p:txBody>
+            <a:bodyPr rtlCol="0" anchor="ctr"/>
+            <a:lstStyle/>
+            <a:p>
+              <a:pPr algn="ctr"/>
+              <a:endParaRPr lang="ru-RU"/>
+            </a:p>
+          </p:txBody>
+        </p:sp>
+      </p:grpSp>
+      <p:cxnSp>
+        <p:nvCxnSpPr>
+          <p:cNvPr id="42" name="Прямая со стрелкой 41">
+            <a:extLst>
+              <a:ext uri="{FF2B5EF4-FFF2-40B4-BE49-F238E27FC236}">
+                <a16:creationId xmlns:a16="http://schemas.microsoft.com/office/drawing/2014/main" id="{D5B69ACF-EB4C-4B03-8A99-F674778FC385}"/>
+              </a:ext>
+            </a:extLst>
+          </p:cNvPr>
+          <p:cNvCxnSpPr>
+            <a:cxnSpLocks/>
+            <a:stCxn id="41" idx="1"/>
+            <a:endCxn id="45" idx="0"/>
+          </p:cNvCxnSpPr>
+          <p:nvPr/>
+        </p:nvCxnSpPr>
+        <p:spPr>
+          <a:xfrm flipH="1">
+            <a:off x="7215189" y="1952992"/>
+            <a:ext cx="947737" cy="448942"/>
+          </a:xfrm>
+          <a:prstGeom prst="straightConnector1">
+            <a:avLst/>
+          </a:prstGeom>
+          <a:ln w="57150">
+            <a:tailEnd type="triangle"/>
+          </a:ln>
+        </p:spPr>
+        <p:style>
+          <a:lnRef idx="3">
+            <a:schemeClr val="dk1"/>
+          </a:lnRef>
+          <a:fillRef idx="0">
+            <a:schemeClr val="dk1"/>
+          </a:fillRef>
+          <a:effectRef idx="2">
+            <a:schemeClr val="dk1"/>
+          </a:effectRef>
+          <a:fontRef idx="minor">
+            <a:schemeClr val="tx1"/>
+          </a:fontRef>
+        </p:style>
+      </p:cxnSp>
+      <p:cxnSp>
+        <p:nvCxnSpPr>
+          <p:cNvPr id="43" name="Прямая со стрелкой 42">
+            <a:extLst>
+              <a:ext uri="{FF2B5EF4-FFF2-40B4-BE49-F238E27FC236}">
+                <a16:creationId xmlns:a16="http://schemas.microsoft.com/office/drawing/2014/main" id="{CF553E58-844E-44DC-9DDA-29A5110EDF37}"/>
+              </a:ext>
+            </a:extLst>
+          </p:cNvPr>
+          <p:cNvCxnSpPr>
+            <a:cxnSpLocks/>
+            <a:stCxn id="41" idx="3"/>
+            <a:endCxn id="48" idx="0"/>
+          </p:cNvCxnSpPr>
+          <p:nvPr/>
+        </p:nvCxnSpPr>
+        <p:spPr>
+          <a:xfrm>
+            <a:off x="9658349" y="1952992"/>
+            <a:ext cx="947739" cy="457395"/>
+          </a:xfrm>
+          <a:prstGeom prst="straightConnector1">
+            <a:avLst/>
+          </a:prstGeom>
+          <a:ln w="57150">
+            <a:tailEnd type="triangle"/>
+          </a:ln>
+        </p:spPr>
+        <p:style>
+          <a:lnRef idx="3">
+            <a:schemeClr val="dk1"/>
+          </a:lnRef>
+          <a:fillRef idx="0">
+            <a:schemeClr val="dk1"/>
+          </a:fillRef>
+          <a:effectRef idx="2">
+            <a:schemeClr val="dk1"/>
+          </a:effectRef>
+          <a:fontRef idx="minor">
+            <a:schemeClr val="tx1"/>
+          </a:fontRef>
+        </p:style>
+      </p:cxnSp>
+      <p:grpSp>
+        <p:nvGrpSpPr>
+          <p:cNvPr id="44" name="Группа 43">
+            <a:extLst>
+              <a:ext uri="{FF2B5EF4-FFF2-40B4-BE49-F238E27FC236}">
+                <a16:creationId xmlns:a16="http://schemas.microsoft.com/office/drawing/2014/main" id="{373ADDE2-1AA4-49DD-9484-87112D4E69E0}"/>
+              </a:ext>
+            </a:extLst>
+          </p:cNvPr>
+          <p:cNvGrpSpPr/>
+          <p:nvPr/>
+        </p:nvGrpSpPr>
+        <p:grpSpPr>
+          <a:xfrm>
+            <a:off x="6467476" y="2401934"/>
+            <a:ext cx="1495424" cy="950644"/>
+            <a:chOff x="4610099" y="2390774"/>
+            <a:chExt cx="2238376" cy="1160463"/>
+          </a:xfrm>
+        </p:grpSpPr>
+        <p:sp>
+          <p:nvSpPr>
+            <p:cNvPr id="45" name="Прямоугольник 44">
+              <a:extLst>
+                <a:ext uri="{FF2B5EF4-FFF2-40B4-BE49-F238E27FC236}">
+                  <a16:creationId xmlns:a16="http://schemas.microsoft.com/office/drawing/2014/main" id="{D65E2857-7BB2-49DE-86E2-93E1A4D7B608}"/>
+                </a:ext>
+              </a:extLst>
+            </p:cNvPr>
+            <p:cNvSpPr/>
+            <p:nvPr/>
+          </p:nvSpPr>
+          <p:spPr>
+            <a:xfrm>
+              <a:off x="4610100" y="2390774"/>
+              <a:ext cx="2238375" cy="590550"/>
+            </a:xfrm>
+            <a:prstGeom prst="rect">
+              <a:avLst/>
+            </a:prstGeom>
+          </p:spPr>
+          <p:style>
+            <a:lnRef idx="1">
+              <a:schemeClr val="accent3"/>
+            </a:lnRef>
+            <a:fillRef idx="2">
+              <a:schemeClr val="accent3"/>
+            </a:fillRef>
+            <a:effectRef idx="1">
+              <a:schemeClr val="accent3"/>
+            </a:effectRef>
+            <a:fontRef idx="minor">
+              <a:schemeClr val="dk1"/>
+            </a:fontRef>
+          </p:style>
+          <p:txBody>
+            <a:bodyPr rtlCol="0" anchor="ctr"/>
+            <a:lstStyle/>
+            <a:p>
+              <a:pPr algn="ctr"/>
+              <a:r>
+                <a:rPr lang="ru-RU" dirty="0"/>
+                <a:t>9   </a:t>
+              </a:r>
+              <a:r>
+                <a:rPr lang="ru-RU" dirty="0">
+                  <a:solidFill>
+                    <a:srgbClr val="FF0000"/>
+                  </a:solidFill>
+                </a:rPr>
+                <a:t>10</a:t>
+              </a:r>
+              <a:r>
+                <a:rPr lang="ru-RU" dirty="0"/>
+                <a:t>  14</a:t>
+              </a:r>
+              <a:endParaRPr lang="ru-RU" dirty="0">
+                <a:solidFill>
+                  <a:srgbClr val="FF0000"/>
+                </a:solidFill>
+              </a:endParaRPr>
+            </a:p>
+          </p:txBody>
+        </p:sp>
+        <p:sp>
+          <p:nvSpPr>
+            <p:cNvPr id="46" name="Прямоугольник 45">
+              <a:extLst>
+                <a:ext uri="{FF2B5EF4-FFF2-40B4-BE49-F238E27FC236}">
+                  <a16:creationId xmlns:a16="http://schemas.microsoft.com/office/drawing/2014/main" id="{968A7618-0E35-47F0-A65A-3789F8FD383D}"/>
+                </a:ext>
+              </a:extLst>
+            </p:cNvPr>
+            <p:cNvSpPr/>
+            <p:nvPr/>
+          </p:nvSpPr>
+          <p:spPr>
+            <a:xfrm>
+              <a:off x="4610099" y="2981325"/>
+              <a:ext cx="2238375" cy="569912"/>
+            </a:xfrm>
+            <a:prstGeom prst="rect">
+              <a:avLst/>
+            </a:prstGeom>
+          </p:spPr>
+          <p:style>
+            <a:lnRef idx="2">
+              <a:schemeClr val="accent1">
+                <a:shade val="50000"/>
+              </a:schemeClr>
+            </a:lnRef>
+            <a:fillRef idx="1">
+              <a:schemeClr val="accent1"/>
+            </a:fillRef>
+            <a:effectRef idx="0">
+              <a:schemeClr val="accent1"/>
+            </a:effectRef>
+            <a:fontRef idx="minor">
+              <a:schemeClr val="lt1"/>
+            </a:fontRef>
+          </p:style>
+          <p:txBody>
+            <a:bodyPr rtlCol="0" anchor="ctr"/>
+            <a:lstStyle/>
+            <a:p>
+              <a:pPr algn="ctr"/>
+              <a:endParaRPr lang="ru-RU"/>
+            </a:p>
+          </p:txBody>
+        </p:sp>
+      </p:grpSp>
+      <p:grpSp>
+        <p:nvGrpSpPr>
+          <p:cNvPr id="47" name="Группа 46">
+            <a:extLst>
+              <a:ext uri="{FF2B5EF4-FFF2-40B4-BE49-F238E27FC236}">
+                <a16:creationId xmlns:a16="http://schemas.microsoft.com/office/drawing/2014/main" id="{C8B39CF8-0296-4EFF-9DE9-BE8D225F370D}"/>
+              </a:ext>
+            </a:extLst>
+          </p:cNvPr>
+          <p:cNvGrpSpPr/>
+          <p:nvPr/>
+        </p:nvGrpSpPr>
+        <p:grpSpPr>
+          <a:xfrm>
+            <a:off x="9858375" y="2410387"/>
+            <a:ext cx="1495424" cy="950644"/>
+            <a:chOff x="4610099" y="2390774"/>
+            <a:chExt cx="2238376" cy="1160463"/>
+          </a:xfrm>
+        </p:grpSpPr>
+        <p:sp>
+          <p:nvSpPr>
+            <p:cNvPr id="48" name="Прямоугольник 47">
+              <a:extLst>
+                <a:ext uri="{FF2B5EF4-FFF2-40B4-BE49-F238E27FC236}">
+                  <a16:creationId xmlns:a16="http://schemas.microsoft.com/office/drawing/2014/main" id="{F61FD66B-3598-49E3-9634-52CB6005B33F}"/>
+                </a:ext>
+              </a:extLst>
+            </p:cNvPr>
+            <p:cNvSpPr/>
+            <p:nvPr/>
+          </p:nvSpPr>
+          <p:spPr>
+            <a:xfrm>
+              <a:off x="4610100" y="2390774"/>
+              <a:ext cx="2238375" cy="590550"/>
+            </a:xfrm>
+            <a:prstGeom prst="rect">
+              <a:avLst/>
+            </a:prstGeom>
+          </p:spPr>
+          <p:style>
+            <a:lnRef idx="1">
+              <a:schemeClr val="accent3"/>
+            </a:lnRef>
+            <a:fillRef idx="2">
+              <a:schemeClr val="accent3"/>
+            </a:fillRef>
+            <a:effectRef idx="1">
+              <a:schemeClr val="accent3"/>
+            </a:effectRef>
+            <a:fontRef idx="minor">
+              <a:schemeClr val="dk1"/>
+            </a:fontRef>
+          </p:style>
+          <p:txBody>
+            <a:bodyPr rtlCol="0" anchor="ctr"/>
+            <a:lstStyle/>
+            <a:p>
+              <a:pPr algn="ctr"/>
+              <a:r>
+                <a:rPr lang="ru-RU" dirty="0"/>
+                <a:t>20</a:t>
+              </a:r>
+            </a:p>
+          </p:txBody>
+        </p:sp>
+        <p:sp>
+          <p:nvSpPr>
+            <p:cNvPr id="49" name="Прямоугольник 48">
+              <a:extLst>
+                <a:ext uri="{FF2B5EF4-FFF2-40B4-BE49-F238E27FC236}">
+                  <a16:creationId xmlns:a16="http://schemas.microsoft.com/office/drawing/2014/main" id="{CACB8073-3DF7-4214-8518-F19B699D32C7}"/>
+                </a:ext>
+              </a:extLst>
+            </p:cNvPr>
+            <p:cNvSpPr/>
+            <p:nvPr/>
+          </p:nvSpPr>
+          <p:spPr>
+            <a:xfrm>
+              <a:off x="4610099" y="2981325"/>
+              <a:ext cx="2238375" cy="569912"/>
+            </a:xfrm>
+            <a:prstGeom prst="rect">
+              <a:avLst/>
+            </a:prstGeom>
+          </p:spPr>
+          <p:style>
+            <a:lnRef idx="2">
+              <a:schemeClr val="accent1">
+                <a:shade val="50000"/>
+              </a:schemeClr>
+            </a:lnRef>
+            <a:fillRef idx="1">
+              <a:schemeClr val="accent1"/>
+            </a:fillRef>
+            <a:effectRef idx="0">
+              <a:schemeClr val="accent1"/>
+            </a:effectRef>
+            <a:fontRef idx="minor">
+              <a:schemeClr val="lt1"/>
+            </a:fontRef>
+          </p:style>
+          <p:txBody>
+            <a:bodyPr rtlCol="0" anchor="ctr"/>
+            <a:lstStyle/>
+            <a:p>
+              <a:pPr algn="ctr"/>
+              <a:endParaRPr lang="ru-RU"/>
+            </a:p>
+          </p:txBody>
+        </p:sp>
+      </p:grpSp>
+      <p:cxnSp>
+        <p:nvCxnSpPr>
+          <p:cNvPr id="50" name="Прямая соединительная линия 49">
+            <a:extLst>
+              <a:ext uri="{FF2B5EF4-FFF2-40B4-BE49-F238E27FC236}">
+                <a16:creationId xmlns:a16="http://schemas.microsoft.com/office/drawing/2014/main" id="{5E2B2D4C-FD09-4C73-A606-45466F4CBD7E}"/>
+              </a:ext>
+            </a:extLst>
+          </p:cNvPr>
+          <p:cNvCxnSpPr/>
+          <p:nvPr/>
+        </p:nvCxnSpPr>
+        <p:spPr>
+          <a:xfrm>
+            <a:off x="8910637" y="1719558"/>
+            <a:ext cx="0" cy="466868"/>
+          </a:xfrm>
+          <a:prstGeom prst="line">
+            <a:avLst/>
+          </a:prstGeom>
+        </p:spPr>
+        <p:style>
+          <a:lnRef idx="1">
+            <a:schemeClr val="dk1"/>
+          </a:lnRef>
+          <a:fillRef idx="0">
+            <a:schemeClr val="dk1"/>
+          </a:fillRef>
+          <a:effectRef idx="0">
+            <a:schemeClr val="dk1"/>
+          </a:effectRef>
+          <a:fontRef idx="minor">
+            <a:schemeClr val="tx1"/>
+          </a:fontRef>
+        </p:style>
+      </p:cxnSp>
+      <p:cxnSp>
+        <p:nvCxnSpPr>
+          <p:cNvPr id="51" name="Прямая соединительная линия 50">
+            <a:extLst>
+              <a:ext uri="{FF2B5EF4-FFF2-40B4-BE49-F238E27FC236}">
+                <a16:creationId xmlns:a16="http://schemas.microsoft.com/office/drawing/2014/main" id="{1E9DE89C-BF91-4BA2-886A-0B8E5DE93C00}"/>
+              </a:ext>
+            </a:extLst>
+          </p:cNvPr>
+          <p:cNvCxnSpPr/>
+          <p:nvPr/>
+        </p:nvCxnSpPr>
+        <p:spPr>
+          <a:xfrm>
+            <a:off x="6934199" y="2885709"/>
+            <a:ext cx="0" cy="466868"/>
+          </a:xfrm>
+          <a:prstGeom prst="line">
+            <a:avLst/>
+          </a:prstGeom>
+        </p:spPr>
+        <p:style>
+          <a:lnRef idx="1">
+            <a:schemeClr val="dk1"/>
+          </a:lnRef>
+          <a:fillRef idx="0">
+            <a:schemeClr val="dk1"/>
+          </a:fillRef>
+          <a:effectRef idx="0">
+            <a:schemeClr val="dk1"/>
+          </a:effectRef>
+          <a:fontRef idx="minor">
+            <a:schemeClr val="tx1"/>
+          </a:fontRef>
+        </p:style>
+      </p:cxnSp>
+      <p:cxnSp>
+        <p:nvCxnSpPr>
+          <p:cNvPr id="52" name="Прямая соединительная линия 51">
+            <a:extLst>
+              <a:ext uri="{FF2B5EF4-FFF2-40B4-BE49-F238E27FC236}">
+                <a16:creationId xmlns:a16="http://schemas.microsoft.com/office/drawing/2014/main" id="{AC1A2321-E2CF-46A6-B87B-356C1B40A541}"/>
+              </a:ext>
+            </a:extLst>
+          </p:cNvPr>
+          <p:cNvCxnSpPr/>
+          <p:nvPr/>
+        </p:nvCxnSpPr>
+        <p:spPr>
+          <a:xfrm>
+            <a:off x="7443788" y="2885709"/>
+            <a:ext cx="0" cy="466868"/>
+          </a:xfrm>
+          <a:prstGeom prst="line">
+            <a:avLst/>
+          </a:prstGeom>
+        </p:spPr>
+        <p:style>
+          <a:lnRef idx="1">
+            <a:schemeClr val="dk1"/>
+          </a:lnRef>
+          <a:fillRef idx="0">
+            <a:schemeClr val="dk1"/>
+          </a:fillRef>
+          <a:effectRef idx="0">
+            <a:schemeClr val="dk1"/>
+          </a:effectRef>
+          <a:fontRef idx="minor">
+            <a:schemeClr val="tx1"/>
+          </a:fontRef>
+        </p:style>
+      </p:cxnSp>
+      <p:cxnSp>
+        <p:nvCxnSpPr>
+          <p:cNvPr id="53" name="Прямая соединительная линия 52">
+            <a:extLst>
+              <a:ext uri="{FF2B5EF4-FFF2-40B4-BE49-F238E27FC236}">
+                <a16:creationId xmlns:a16="http://schemas.microsoft.com/office/drawing/2014/main" id="{86BFC2F9-5733-4E3C-AB82-D2436D94204A}"/>
+              </a:ext>
+            </a:extLst>
+          </p:cNvPr>
+          <p:cNvCxnSpPr/>
+          <p:nvPr/>
+        </p:nvCxnSpPr>
+        <p:spPr>
+          <a:xfrm>
+            <a:off x="10606086" y="2885709"/>
+            <a:ext cx="0" cy="466868"/>
+          </a:xfrm>
+          <a:prstGeom prst="line">
+            <a:avLst/>
+          </a:prstGeom>
+        </p:spPr>
+        <p:style>
+          <a:lnRef idx="1">
+            <a:schemeClr val="dk1"/>
+          </a:lnRef>
+          <a:fillRef idx="0">
+            <a:schemeClr val="dk1"/>
+          </a:fillRef>
+          <a:effectRef idx="0">
+            <a:schemeClr val="dk1"/>
+          </a:effectRef>
+          <a:fontRef idx="minor">
+            <a:schemeClr val="tx1"/>
+          </a:fontRef>
+        </p:style>
+      </p:cxnSp>
+    </p:spTree>
+    <p:extLst>
+      <p:ext uri="{BB962C8B-B14F-4D97-AF65-F5344CB8AC3E}">
+        <p14:creationId xmlns:p14="http://schemas.microsoft.com/office/powerpoint/2010/main" val="2871639998"/>
+      </p:ext>
+    </p:extLst>
+  </p:cSld>
+  <p:clrMapOvr>
+    <a:masterClrMapping/>
+  </p:clrMapOvr>
+</p:sld>
+</file>
+
+<file path=ppt/slides/slide9.xml><?xml version="1.0" encoding="utf-8"?>
+<p:sld xmlns:a="http://schemas.openxmlformats.org/drawingml/2006/main" xmlns:r="http://schemas.openxmlformats.org/officeDocument/2006/relationships" xmlns:p="http://schemas.openxmlformats.org/presentationml/2006/main">
+  <p:cSld>
+    <p:spTree>
+      <p:nvGrpSpPr>
+        <p:cNvPr id="1" name=""/>
+        <p:cNvGrpSpPr/>
+        <p:nvPr/>
+      </p:nvGrpSpPr>
+      <p:grpSpPr>
+        <a:xfrm>
+          <a:off x="0" y="0"/>
+          <a:ext cx="0" cy="0"/>
+          <a:chOff x="0" y="0"/>
+          <a:chExt cx="0" cy="0"/>
+        </a:xfrm>
+      </p:grpSpPr>
+      <p:sp>
+        <p:nvSpPr>
+          <p:cNvPr id="2" name="Заголовок 1">
+            <a:extLst>
+              <a:ext uri="{FF2B5EF4-FFF2-40B4-BE49-F238E27FC236}">
+                <a16:creationId xmlns:a16="http://schemas.microsoft.com/office/drawing/2014/main" id="{19F00DD5-F35F-428A-A31B-C89D65A3324D}"/>
+              </a:ext>
+            </a:extLst>
+          </p:cNvPr>
+          <p:cNvSpPr>
+            <a:spLocks noGrp="1"/>
+          </p:cNvSpPr>
+          <p:nvPr>
+            <p:ph type="title"/>
+          </p:nvPr>
+        </p:nvSpPr>
+        <p:spPr/>
+        <p:txBody>
+          <a:bodyPr/>
+          <a:lstStyle/>
+          <a:p>
+            <a:r>
+              <a:rPr lang="ru-RU" dirty="0"/>
+              <a:t>Удаление</a:t>
+            </a:r>
+          </a:p>
+        </p:txBody>
+      </p:sp>
+      <p:sp>
+        <p:nvSpPr>
+          <p:cNvPr id="3" name="Объект 2">
+            <a:extLst>
+              <a:ext uri="{FF2B5EF4-FFF2-40B4-BE49-F238E27FC236}">
+                <a16:creationId xmlns:a16="http://schemas.microsoft.com/office/drawing/2014/main" id="{2DE7A94B-4ACA-42F1-BC07-D8A9A449D13C}"/>
+              </a:ext>
+            </a:extLst>
+          </p:cNvPr>
+          <p:cNvSpPr>
+            <a:spLocks noGrp="1"/>
+          </p:cNvSpPr>
+          <p:nvPr>
+            <p:ph idx="1"/>
+          </p:nvPr>
+        </p:nvSpPr>
+        <p:spPr/>
+        <p:txBody>
+          <a:bodyPr/>
+          <a:lstStyle/>
+          <a:p>
+            <a:endParaRPr lang="ru-RU"/>
+          </a:p>
+        </p:txBody>
+      </p:sp>
+    </p:spTree>
+    <p:extLst>
+      <p:ext uri="{BB962C8B-B14F-4D97-AF65-F5344CB8AC3E}">
+        <p14:creationId xmlns:p14="http://schemas.microsoft.com/office/powerpoint/2010/main" val="2738270905"/>
       </p:ext>
     </p:extLst>
   </p:cSld>
@@ -3776,4 +11655,299 @@
     </a:ext>
   </a:extLst>
 </a:theme>
+</file>
+
+<file path=ppt/theme/theme2.xml><?xml version="1.0" encoding="utf-8"?>
+<a:theme xmlns:a="http://schemas.openxmlformats.org/drawingml/2006/main" name="Тема Office">
+  <a:themeElements>
+    <a:clrScheme name="Стандартная">
+      <a:dk1>
+        <a:sysClr val="windowText" lastClr="000000"/>
+      </a:dk1>
+      <a:lt1>
+        <a:sysClr val="window" lastClr="FFFFFF"/>
+      </a:lt1>
+      <a:dk2>
+        <a:srgbClr val="44546A"/>
+      </a:dk2>
+      <a:lt2>
+        <a:srgbClr val="E7E6E6"/>
+      </a:lt2>
+      <a:accent1>
+        <a:srgbClr val="4472C4"/>
+      </a:accent1>
+      <a:accent2>
+        <a:srgbClr val="ED7D31"/>
+      </a:accent2>
+      <a:accent3>
+        <a:srgbClr val="A5A5A5"/>
+      </a:accent3>
+      <a:accent4>
+        <a:srgbClr val="FFC000"/>
+      </a:accent4>
+      <a:accent5>
+        <a:srgbClr val="5B9BD5"/>
+      </a:accent5>
+      <a:accent6>
+        <a:srgbClr val="70AD47"/>
+      </a:accent6>
+      <a:hlink>
+        <a:srgbClr val="0563C1"/>
+      </a:hlink>
+      <a:folHlink>
+        <a:srgbClr val="954F72"/>
+      </a:folHlink>
+    </a:clrScheme>
+    <a:fontScheme name="Стандартная">
+      <a:majorFont>
+        <a:latin typeface="Calibri Light" panose="020F0302020204030204"/>
+        <a:ea typeface=""/>
+        <a:cs typeface=""/>
+        <a:font script="Jpan" typeface="游ゴシック Light"/>
+        <a:font script="Hang" typeface="맑은 고딕"/>
+        <a:font script="Hans" typeface="等线 Light"/>
+        <a:font script="Hant" typeface="新細明體"/>
+        <a:font script="Arab" typeface="Times New Roman"/>
+        <a:font script="Hebr" typeface="Times New Roman"/>
+        <a:font script="Thai" typeface="Angsana New"/>
+        <a:font script="Ethi" typeface="Nyala"/>
+        <a:font script="Beng" typeface="Vrinda"/>
+        <a:font script="Gujr" typeface="Shruti"/>
+        <a:font script="Khmr" typeface="MoolBoran"/>
+        <a:font script="Knda" typeface="Tunga"/>
+        <a:font script="Guru" typeface="Raavi"/>
+        <a:font script="Cans" typeface="Euphemia"/>
+        <a:font script="Cher" typeface="Plantagenet Cherokee"/>
+        <a:font script="Yiii" typeface="Microsoft Yi Baiti"/>
+        <a:font script="Tibt" typeface="Microsoft Himalaya"/>
+        <a:font script="Thaa" typeface="MV Boli"/>
+        <a:font script="Deva" typeface="Mangal"/>
+        <a:font script="Telu" typeface="Gautami"/>
+        <a:font script="Taml" typeface="Latha"/>
+        <a:font script="Syrc" typeface="Estrangelo Edessa"/>
+        <a:font script="Orya" typeface="Kalinga"/>
+        <a:font script="Mlym" typeface="Kartika"/>
+        <a:font script="Laoo" typeface="DokChampa"/>
+        <a:font script="Sinh" typeface="Iskoola Pota"/>
+        <a:font script="Mong" typeface="Mongolian Baiti"/>
+        <a:font script="Viet" typeface="Times New Roman"/>
+        <a:font script="Uigh" typeface="Microsoft Uighur"/>
+        <a:font script="Geor" typeface="Sylfaen"/>
+        <a:font script="Armn" typeface="Arial"/>
+        <a:font script="Bugi" typeface="Leelawadee UI"/>
+        <a:font script="Bopo" typeface="Microsoft JhengHei"/>
+        <a:font script="Java" typeface="Javanese Text"/>
+        <a:font script="Lisu" typeface="Segoe UI"/>
+        <a:font script="Mymr" typeface="Myanmar Text"/>
+        <a:font script="Nkoo" typeface="Ebrima"/>
+        <a:font script="Olck" typeface="Nirmala UI"/>
+        <a:font script="Osma" typeface="Ebrima"/>
+        <a:font script="Phag" typeface="Phagspa"/>
+        <a:font script="Syrn" typeface="Estrangelo Edessa"/>
+        <a:font script="Syrj" typeface="Estrangelo Edessa"/>
+        <a:font script="Syre" typeface="Estrangelo Edessa"/>
+        <a:font script="Sora" typeface="Nirmala UI"/>
+        <a:font script="Tale" typeface="Microsoft Tai Le"/>
+        <a:font script="Talu" typeface="Microsoft New Tai Lue"/>
+        <a:font script="Tfng" typeface="Ebrima"/>
+      </a:majorFont>
+      <a:minorFont>
+        <a:latin typeface="Calibri" panose="020F0502020204030204"/>
+        <a:ea typeface=""/>
+        <a:cs typeface=""/>
+        <a:font script="Jpan" typeface="游ゴシック"/>
+        <a:font script="Hang" typeface="맑은 고딕"/>
+        <a:font script="Hans" typeface="等线"/>
+        <a:font script="Hant" typeface="新細明體"/>
+        <a:font script="Arab" typeface="Arial"/>
+        <a:font script="Hebr" typeface="Arial"/>
+        <a:font script="Thai" typeface="Cordia New"/>
+        <a:font script="Ethi" typeface="Nyala"/>
+        <a:font script="Beng" typeface="Vrinda"/>
+        <a:font script="Gujr" typeface="Shruti"/>
+        <a:font script="Khmr" typeface="DaunPenh"/>
+        <a:font script="Knda" typeface="Tunga"/>
+        <a:font script="Guru" typeface="Raavi"/>
+        <a:font script="Cans" typeface="Euphemia"/>
+        <a:font script="Cher" typeface="Plantagenet Cherokee"/>
+        <a:font script="Yiii" typeface="Microsoft Yi Baiti"/>
+        <a:font script="Tibt" typeface="Microsoft Himalaya"/>
+        <a:font script="Thaa" typeface="MV Boli"/>
+        <a:font script="Deva" typeface="Mangal"/>
+        <a:font script="Telu" typeface="Gautami"/>
+        <a:font script="Taml" typeface="Latha"/>
+        <a:font script="Syrc" typeface="Estrangelo Edessa"/>
+        <a:font script="Orya" typeface="Kalinga"/>
+        <a:font script="Mlym" typeface="Kartika"/>
+        <a:font script="Laoo" typeface="DokChampa"/>
+        <a:font script="Sinh" typeface="Iskoola Pota"/>
+        <a:font script="Mong" typeface="Mongolian Baiti"/>
+        <a:font script="Viet" typeface="Arial"/>
+        <a:font script="Uigh" typeface="Microsoft Uighur"/>
+        <a:font script="Geor" typeface="Sylfaen"/>
+        <a:font script="Armn" typeface="Arial"/>
+        <a:font script="Bugi" typeface="Leelawadee UI"/>
+        <a:font script="Bopo" typeface="Microsoft JhengHei"/>
+        <a:font script="Java" typeface="Javanese Text"/>
+        <a:font script="Lisu" typeface="Segoe UI"/>
+        <a:font script="Mymr" typeface="Myanmar Text"/>
+        <a:font script="Nkoo" typeface="Ebrima"/>
+        <a:font script="Olck" typeface="Nirmala UI"/>
+        <a:font script="Osma" typeface="Ebrima"/>
+        <a:font script="Phag" typeface="Phagspa"/>
+        <a:font script="Syrn" typeface="Estrangelo Edessa"/>
+        <a:font script="Syrj" typeface="Estrangelo Edessa"/>
+        <a:font script="Syre" typeface="Estrangelo Edessa"/>
+        <a:font script="Sora" typeface="Nirmala UI"/>
+        <a:font script="Tale" typeface="Microsoft Tai Le"/>
+        <a:font script="Talu" typeface="Microsoft New Tai Lue"/>
+        <a:font script="Tfng" typeface="Ebrima"/>
+      </a:minorFont>
+    </a:fontScheme>
+    <a:fmtScheme name="Стандартная">
+      <a:fillStyleLst>
+        <a:solidFill>
+          <a:schemeClr val="phClr"/>
+        </a:solidFill>
+        <a:gradFill rotWithShape="1">
+          <a:gsLst>
+            <a:gs pos="0">
+              <a:schemeClr val="phClr">
+                <a:lumMod val="110000"/>
+                <a:satMod val="105000"/>
+                <a:tint val="67000"/>
+              </a:schemeClr>
+            </a:gs>
+            <a:gs pos="50000">
+              <a:schemeClr val="phClr">
+                <a:lumMod val="105000"/>
+                <a:satMod val="103000"/>
+                <a:tint val="73000"/>
+              </a:schemeClr>
+            </a:gs>
+            <a:gs pos="100000">
+              <a:schemeClr val="phClr">
+                <a:lumMod val="105000"/>
+                <a:satMod val="109000"/>
+                <a:tint val="81000"/>
+              </a:schemeClr>
+            </a:gs>
+          </a:gsLst>
+          <a:lin ang="5400000" scaled="0"/>
+        </a:gradFill>
+        <a:gradFill rotWithShape="1">
+          <a:gsLst>
+            <a:gs pos="0">
+              <a:schemeClr val="phClr">
+                <a:satMod val="103000"/>
+                <a:lumMod val="102000"/>
+                <a:tint val="94000"/>
+              </a:schemeClr>
+            </a:gs>
+            <a:gs pos="50000">
+              <a:schemeClr val="phClr">
+                <a:satMod val="110000"/>
+                <a:lumMod val="100000"/>
+                <a:shade val="100000"/>
+              </a:schemeClr>
+            </a:gs>
+            <a:gs pos="100000">
+              <a:schemeClr val="phClr">
+                <a:lumMod val="99000"/>
+                <a:satMod val="120000"/>
+                <a:shade val="78000"/>
+              </a:schemeClr>
+            </a:gs>
+          </a:gsLst>
+          <a:lin ang="5400000" scaled="0"/>
+        </a:gradFill>
+      </a:fillStyleLst>
+      <a:lnStyleLst>
+        <a:ln w="6350" cap="flat" cmpd="sng" algn="ctr">
+          <a:solidFill>
+            <a:schemeClr val="phClr"/>
+          </a:solidFill>
+          <a:prstDash val="solid"/>
+          <a:miter lim="800000"/>
+        </a:ln>
+        <a:ln w="12700" cap="flat" cmpd="sng" algn="ctr">
+          <a:solidFill>
+            <a:schemeClr val="phClr"/>
+          </a:solidFill>
+          <a:prstDash val="solid"/>
+          <a:miter lim="800000"/>
+        </a:ln>
+        <a:ln w="19050" cap="flat" cmpd="sng" algn="ctr">
+          <a:solidFill>
+            <a:schemeClr val="phClr"/>
+          </a:solidFill>
+          <a:prstDash val="solid"/>
+          <a:miter lim="800000"/>
+        </a:ln>
+      </a:lnStyleLst>
+      <a:effectStyleLst>
+        <a:effectStyle>
+          <a:effectLst/>
+        </a:effectStyle>
+        <a:effectStyle>
+          <a:effectLst/>
+        </a:effectStyle>
+        <a:effectStyle>
+          <a:effectLst>
+            <a:outerShdw blurRad="57150" dist="19050" dir="5400000" algn="ctr" rotWithShape="0">
+              <a:srgbClr val="000000">
+                <a:alpha val="63000"/>
+              </a:srgbClr>
+            </a:outerShdw>
+          </a:effectLst>
+        </a:effectStyle>
+      </a:effectStyleLst>
+      <a:bgFillStyleLst>
+        <a:solidFill>
+          <a:schemeClr val="phClr"/>
+        </a:solidFill>
+        <a:solidFill>
+          <a:schemeClr val="phClr">
+            <a:tint val="95000"/>
+            <a:satMod val="170000"/>
+          </a:schemeClr>
+        </a:solidFill>
+        <a:gradFill rotWithShape="1">
+          <a:gsLst>
+            <a:gs pos="0">
+              <a:schemeClr val="phClr">
+                <a:tint val="93000"/>
+                <a:satMod val="150000"/>
+                <a:shade val="98000"/>
+                <a:lumMod val="102000"/>
+              </a:schemeClr>
+            </a:gs>
+            <a:gs pos="50000">
+              <a:schemeClr val="phClr">
+                <a:tint val="98000"/>
+                <a:satMod val="130000"/>
+                <a:shade val="90000"/>
+                <a:lumMod val="103000"/>
+              </a:schemeClr>
+            </a:gs>
+            <a:gs pos="100000">
+              <a:schemeClr val="phClr">
+                <a:shade val="63000"/>
+                <a:satMod val="120000"/>
+              </a:schemeClr>
+            </a:gs>
+          </a:gsLst>
+          <a:lin ang="5400000" scaled="0"/>
+        </a:gradFill>
+      </a:bgFillStyleLst>
+    </a:fmtScheme>
+  </a:themeElements>
+  <a:objectDefaults/>
+  <a:extraClrSchemeLst/>
+  <a:extLst>
+    <a:ext uri="{05A4C25C-085E-4340-85A3-A5531E510DB2}">
+      <thm15:themeFamily xmlns:thm15="http://schemas.microsoft.com/office/thememl/2012/main" name="Office Theme" id="{62F939B6-93AF-4DB8-9C6B-D6C7DFDC589F}" vid="{4A3C46E8-61CC-4603-A589-7422A47A8E4A}"/>
+    </a:ext>
+  </a:extLst>
+</a:theme>
 </file>